--- a/doc/02_SlideShare/01.ネタ/３_ReactNative基礎知識/react-native.pptx
+++ b/doc/02_SlideShare/01.ネタ/３_ReactNative基礎知識/react-native.pptx
@@ -5,7 +5,7 @@
     <p:sldMasterId id="2147483648" r:id="rId1"/>
   </p:sldMasterIdLst>
   <p:notesMasterIdLst>
-    <p:notesMasterId r:id="rId24"/>
+    <p:notesMasterId r:id="rId25"/>
   </p:notesMasterIdLst>
   <p:sldIdLst>
     <p:sldId id="271" r:id="rId2"/>
@@ -20,16 +20,17 @@
     <p:sldId id="280" r:id="rId11"/>
     <p:sldId id="281" r:id="rId12"/>
     <p:sldId id="282" r:id="rId13"/>
-    <p:sldId id="261" r:id="rId14"/>
-    <p:sldId id="262" r:id="rId15"/>
-    <p:sldId id="263" r:id="rId16"/>
-    <p:sldId id="264" r:id="rId17"/>
-    <p:sldId id="265" r:id="rId18"/>
-    <p:sldId id="266" r:id="rId19"/>
-    <p:sldId id="267" r:id="rId20"/>
-    <p:sldId id="268" r:id="rId21"/>
-    <p:sldId id="269" r:id="rId22"/>
-    <p:sldId id="270" r:id="rId23"/>
+    <p:sldId id="283" r:id="rId14"/>
+    <p:sldId id="261" r:id="rId15"/>
+    <p:sldId id="262" r:id="rId16"/>
+    <p:sldId id="263" r:id="rId17"/>
+    <p:sldId id="264" r:id="rId18"/>
+    <p:sldId id="265" r:id="rId19"/>
+    <p:sldId id="266" r:id="rId20"/>
+    <p:sldId id="267" r:id="rId21"/>
+    <p:sldId id="268" r:id="rId22"/>
+    <p:sldId id="269" r:id="rId23"/>
+    <p:sldId id="270" r:id="rId24"/>
   </p:sldIdLst>
   <p:sldSz cx="12192000" cy="6858000"/>
   <p:notesSz cx="6858000" cy="9144000"/>
@@ -567,7 +568,7 @@
     </p:spTree>
     <p:extLst>
       <p:ext uri="{BB962C8B-B14F-4D97-AF65-F5344CB8AC3E}">
-        <p14:creationId xmlns:p14="http://schemas.microsoft.com/office/powerpoint/2010/main" val="2760370239"/>
+        <p14:creationId xmlns:p14="http://schemas.microsoft.com/office/powerpoint/2010/main" val="2031286024"/>
       </p:ext>
     </p:extLst>
   </p:cSld>
@@ -633,7 +634,7 @@
     </p:spTree>
     <p:extLst>
       <p:ext uri="{BB962C8B-B14F-4D97-AF65-F5344CB8AC3E}">
-        <p14:creationId xmlns:p14="http://schemas.microsoft.com/office/powerpoint/2010/main" val="3769977326"/>
+        <p14:creationId xmlns:p14="http://schemas.microsoft.com/office/powerpoint/2010/main" val="4158393169"/>
       </p:ext>
     </p:extLst>
   </p:cSld>
@@ -699,7 +700,7 @@
     </p:spTree>
     <p:extLst>
       <p:ext uri="{BB962C8B-B14F-4D97-AF65-F5344CB8AC3E}">
-        <p14:creationId xmlns:p14="http://schemas.microsoft.com/office/powerpoint/2010/main" val="3555827357"/>
+        <p14:creationId xmlns:p14="http://schemas.microsoft.com/office/powerpoint/2010/main" val="1662391007"/>
       </p:ext>
     </p:extLst>
   </p:cSld>
@@ -765,7 +766,73 @@
     </p:spTree>
     <p:extLst>
       <p:ext uri="{BB962C8B-B14F-4D97-AF65-F5344CB8AC3E}">
-        <p14:creationId xmlns:p14="http://schemas.microsoft.com/office/powerpoint/2010/main" val="2554925903"/>
+        <p14:creationId xmlns:p14="http://schemas.microsoft.com/office/powerpoint/2010/main" val="330384207"/>
+      </p:ext>
+    </p:extLst>
+  </p:cSld>
+  <p:clrMapOvr>
+    <a:masterClrMapping/>
+  </p:clrMapOvr>
+</p:notes>
+</file>
+
+<file path=ppt/notesSlides/notesSlide5.xml><?xml version="1.0" encoding="utf-8"?>
+<p:notes xmlns:a="http://schemas.openxmlformats.org/drawingml/2006/main" xmlns:r="http://schemas.openxmlformats.org/officeDocument/2006/relationships" xmlns:p="http://schemas.openxmlformats.org/presentationml/2006/main">
+  <p:cSld>
+    <p:spTree>
+      <p:nvGrpSpPr>
+        <p:cNvPr id="1" name=""/>
+        <p:cNvGrpSpPr/>
+        <p:nvPr/>
+      </p:nvGrpSpPr>
+      <p:grpSpPr>
+        <a:xfrm>
+          <a:off x="0" y="0"/>
+          <a:ext cx="0" cy="0"/>
+          <a:chOff x="0" y="0"/>
+          <a:chExt cx="0" cy="0"/>
+        </a:xfrm>
+      </p:grpSpPr>
+      <p:sp>
+        <p:nvSpPr>
+          <p:cNvPr id="2" name="スライド イメージ プレースホルダー 1"/>
+          <p:cNvSpPr>
+            <a:spLocks noGrp="1" noRot="1" noChangeAspect="1"/>
+          </p:cNvSpPr>
+          <p:nvPr>
+            <p:ph type="sldImg"/>
+          </p:nvPr>
+        </p:nvSpPr>
+        <p:spPr>
+          <a:xfrm>
+            <a:off x="381000" y="685800"/>
+            <a:ext cx="6096000" cy="3429000"/>
+          </a:xfrm>
+        </p:spPr>
+      </p:sp>
+      <p:sp>
+        <p:nvSpPr>
+          <p:cNvPr id="3" name="ノート プレースホルダー 2"/>
+          <p:cNvSpPr>
+            <a:spLocks noGrp="1"/>
+          </p:cNvSpPr>
+          <p:nvPr>
+            <p:ph type="body" idx="1"/>
+          </p:nvPr>
+        </p:nvSpPr>
+        <p:spPr/>
+        <p:txBody>
+          <a:bodyPr/>
+          <a:lstStyle/>
+          <a:p>
+            <a:endParaRPr kumimoji="1" lang="ja-JP" altLang="en-US" dirty="0"/>
+          </a:p>
+        </p:txBody>
+      </p:sp>
+    </p:spTree>
+    <p:extLst>
+      <p:ext uri="{BB962C8B-B14F-4D97-AF65-F5344CB8AC3E}">
+        <p14:creationId xmlns:p14="http://schemas.microsoft.com/office/powerpoint/2010/main" val="2492994595"/>
       </p:ext>
     </p:extLst>
   </p:cSld>
@@ -980,7 +1047,7 @@
           </a:ln>
           <a:extLst>
             <a:ext uri="{C572A759-6A51-4108-AA02-DFA0A04FC94B}">
-              <ma14:wrappingTextBoxFlag xmlns:ma14="http://schemas.microsoft.com/office/mac/drawingml/2011/main" xmlns:a14="http://schemas.microsoft.com/office/drawing/2010/main" xmlns:m="http://schemas.openxmlformats.org/officeDocument/2006/math" xmlns="" val="1"/>
+              <ma14:wrappingTextBoxFlag xmlns="" xmlns:m="http://schemas.openxmlformats.org/officeDocument/2006/math" xmlns:a14="http://schemas.microsoft.com/office/drawing/2010/main" xmlns:ma14="http://schemas.microsoft.com/office/mac/drawingml/2011/main" val="1"/>
             </a:ext>
           </a:extLst>
         </p:spPr>
@@ -1024,7 +1091,7 @@
           </a:ln>
           <a:extLst>
             <a:ext uri="{C572A759-6A51-4108-AA02-DFA0A04FC94B}">
-              <ma14:wrappingTextBoxFlag xmlns:ma14="http://schemas.microsoft.com/office/mac/drawingml/2011/main" xmlns:a14="http://schemas.microsoft.com/office/drawing/2010/main" xmlns:m="http://schemas.openxmlformats.org/officeDocument/2006/math" xmlns="" val="1"/>
+              <ma14:wrappingTextBoxFlag xmlns="" xmlns:m="http://schemas.openxmlformats.org/officeDocument/2006/math" xmlns:a14="http://schemas.microsoft.com/office/drawing/2010/main" xmlns:ma14="http://schemas.microsoft.com/office/mac/drawingml/2011/main" val="1"/>
             </a:ext>
           </a:extLst>
         </p:spPr>
@@ -2011,7 +2078,7 @@
           </a:ln>
           <a:extLst>
             <a:ext uri="{C572A759-6A51-4108-AA02-DFA0A04FC94B}">
-              <ma14:wrappingTextBoxFlag xmlns:ma14="http://schemas.microsoft.com/office/mac/drawingml/2011/main" xmlns:a14="http://schemas.microsoft.com/office/drawing/2010/main" xmlns:m="http://schemas.openxmlformats.org/officeDocument/2006/math" xmlns="" val="1"/>
+              <ma14:wrappingTextBoxFlag xmlns="" xmlns:m="http://schemas.openxmlformats.org/officeDocument/2006/math" xmlns:a14="http://schemas.microsoft.com/office/drawing/2010/main" xmlns:ma14="http://schemas.microsoft.com/office/mac/drawingml/2011/main" val="1"/>
             </a:ext>
           </a:extLst>
         </p:spPr>
@@ -2050,7 +2117,7 @@
           </a:ln>
           <a:extLst>
             <a:ext uri="{C572A759-6A51-4108-AA02-DFA0A04FC94B}">
-              <ma14:wrappingTextBoxFlag xmlns:ma14="http://schemas.microsoft.com/office/mac/drawingml/2011/main" xmlns:a14="http://schemas.microsoft.com/office/drawing/2010/main" xmlns:m="http://schemas.openxmlformats.org/officeDocument/2006/math" xmlns="" val="1"/>
+              <ma14:wrappingTextBoxFlag xmlns="" xmlns:m="http://schemas.openxmlformats.org/officeDocument/2006/math" xmlns:a14="http://schemas.microsoft.com/office/drawing/2010/main" xmlns:ma14="http://schemas.microsoft.com/office/mac/drawingml/2011/main" val="1"/>
             </a:ext>
           </a:extLst>
         </p:spPr>
@@ -3106,7 +3173,25 @@
               </a:defRPr>
             </a:pPr>
             <a:r>
-              <a:t>React Nativeではすでに用意されている標準コンポーネントを使用できます。 </a:t>
+              <a:rPr dirty="0">
+                <a:latin typeface="Meiryo UI" panose="020B0604030504040204" pitchFamily="50" charset="-128"/>
+                <a:ea typeface="Meiryo UI" panose="020B0604030504040204" pitchFamily="50" charset="-128"/>
+              </a:rPr>
+              <a:t>React </a:t>
+            </a:r>
+            <a:r>
+              <a:rPr dirty="0" err="1">
+                <a:latin typeface="Meiryo UI" panose="020B0604030504040204" pitchFamily="50" charset="-128"/>
+                <a:ea typeface="Meiryo UI" panose="020B0604030504040204" pitchFamily="50" charset="-128"/>
+              </a:rPr>
+              <a:t>Nativeではすでに用意されている標準コンポーネントを使用できます</a:t>
+            </a:r>
+            <a:r>
+              <a:rPr dirty="0">
+                <a:latin typeface="Meiryo UI" panose="020B0604030504040204" pitchFamily="50" charset="-128"/>
+                <a:ea typeface="Meiryo UI" panose="020B0604030504040204" pitchFamily="50" charset="-128"/>
+              </a:rPr>
+              <a:t>。 </a:t>
             </a:r>
           </a:p>
           <a:p>
@@ -3128,7 +3213,18 @@
               </a:defRPr>
             </a:pPr>
             <a:r>
-              <a:t>標準コンポーネントを使えばAndroid向けとiOS向けに自動でネイティブコードに展開してくれます。</a:t>
+              <a:rPr dirty="0" err="1">
+                <a:latin typeface="Meiryo UI" panose="020B0604030504040204" pitchFamily="50" charset="-128"/>
+                <a:ea typeface="Meiryo UI" panose="020B0604030504040204" pitchFamily="50" charset="-128"/>
+              </a:rPr>
+              <a:t>標準コンポーネントを使えばAndroid向けとiOS向けに自動でネイティブコードに展開してくれます</a:t>
+            </a:r>
+            <a:r>
+              <a:rPr dirty="0">
+                <a:latin typeface="Meiryo UI" panose="020B0604030504040204" pitchFamily="50" charset="-128"/>
+                <a:ea typeface="Meiryo UI" panose="020B0604030504040204" pitchFamily="50" charset="-128"/>
+              </a:rPr>
+              <a:t>。</a:t>
             </a:r>
           </a:p>
         </p:txBody>
@@ -3141,8 +3237,8 @@
         </p:nvSpPr>
         <p:spPr>
           <a:xfrm>
-            <a:off x="355392" y="2408922"/>
-            <a:ext cx="2400301" cy="330201"/>
+            <a:off x="411081" y="2311355"/>
+            <a:ext cx="1987724" cy="379591"/>
           </a:xfrm>
           <a:prstGeom prst="rect">
             <a:avLst/>
@@ -3172,8 +3268,16 @@
           </a:lstStyle>
           <a:p>
             <a:r>
+              <a:rPr dirty="0" err="1" smtClean="0">
+                <a:latin typeface="Meiryo UI" panose="020B0604030504040204" pitchFamily="50" charset="-128"/>
+                <a:ea typeface="Meiryo UI" panose="020B0604030504040204" pitchFamily="50" charset="-128"/>
+              </a:rPr>
               <a:t>コンポーネントの定義</a:t>
             </a:r>
+            <a:endParaRPr dirty="0">
+              <a:latin typeface="Meiryo UI" panose="020B0604030504040204" pitchFamily="50" charset="-128"/>
+              <a:ea typeface="Meiryo UI" panose="020B0604030504040204" pitchFamily="50" charset="-128"/>
+            </a:endParaRPr>
           </a:p>
         </p:txBody>
       </p:sp>
@@ -3285,7 +3389,7 @@
         </p:spPr>
         <p:txBody>
           <a:bodyPr lIns="45719" rIns="45719">
-            <a:normAutofit lnSpcReduction="10000"/>
+            <a:normAutofit/>
           </a:bodyPr>
           <a:lstStyle>
             <a:lvl1pPr defTabSz="584200">
@@ -3299,6 +3403,10 @@
           </a:lstStyle>
           <a:p>
             <a:r>
+              <a:rPr sz="1400" dirty="0">
+                <a:latin typeface="Meiryo UI" panose="020B0604030504040204" pitchFamily="50" charset="-128"/>
+                <a:ea typeface="Meiryo UI" panose="020B0604030504040204" pitchFamily="50" charset="-128"/>
+              </a:rPr>
               <a:t>React</a:t>
             </a:r>
           </a:p>
@@ -3504,7 +3612,10 @@
           </a:lstStyle>
           <a:p>
             <a:r>
-              <a:rPr b="1" dirty="0"/>
+              <a:rPr sz="1400" dirty="0">
+                <a:latin typeface="Meiryo UI" panose="020B0604030504040204" pitchFamily="50" charset="-128"/>
+                <a:ea typeface="Meiryo UI" panose="020B0604030504040204" pitchFamily="50" charset="-128"/>
+              </a:rPr>
               <a:t>React Native</a:t>
             </a:r>
           </a:p>
@@ -3668,7 +3779,7 @@
         </p:nvSpPr>
         <p:spPr>
           <a:xfrm>
-            <a:off x="569699" y="2740025"/>
+            <a:off x="419100" y="2667153"/>
             <a:ext cx="11103402" cy="609601"/>
           </a:xfrm>
           <a:prstGeom prst="rect">
@@ -3698,18 +3809,30 @@
               </a:defRPr>
             </a:pPr>
             <a:r>
-              <a:rPr dirty="0" err="1"/>
+              <a:rPr dirty="0" err="1">
+                <a:latin typeface="Meiryo UI" panose="020B0604030504040204" pitchFamily="50" charset="-128"/>
+                <a:ea typeface="Meiryo UI" panose="020B0604030504040204" pitchFamily="50" charset="-128"/>
+              </a:rPr>
               <a:t>ReactNativeはHTMLエレメントがReact</a:t>
             </a:r>
             <a:r>
-              <a:rPr dirty="0"/>
+              <a:rPr dirty="0">
+                <a:latin typeface="Meiryo UI" panose="020B0604030504040204" pitchFamily="50" charset="-128"/>
+                <a:ea typeface="Meiryo UI" panose="020B0604030504040204" pitchFamily="50" charset="-128"/>
+              </a:rPr>
               <a:t> </a:t>
             </a:r>
             <a:r>
-              <a:rPr dirty="0" err="1"/>
+              <a:rPr dirty="0" err="1">
+                <a:latin typeface="Meiryo UI" panose="020B0604030504040204" pitchFamily="50" charset="-128"/>
+                <a:ea typeface="Meiryo UI" panose="020B0604030504040204" pitchFamily="50" charset="-128"/>
+              </a:rPr>
               <a:t>Native用のUIコンポーネントになっただけの為、Reactの知識があれば簡単に</a:t>
             </a:r>
-            <a:endParaRPr dirty="0"/>
+            <a:endParaRPr dirty="0">
+              <a:latin typeface="Meiryo UI" panose="020B0604030504040204" pitchFamily="50" charset="-128"/>
+              <a:ea typeface="Meiryo UI" panose="020B0604030504040204" pitchFamily="50" charset="-128"/>
+            </a:endParaRPr>
           </a:p>
           <a:p>
             <a:pPr defTabSz="584200">
@@ -3721,11 +3844,17 @@
               </a:defRPr>
             </a:pPr>
             <a:r>
-              <a:rPr dirty="0" err="1"/>
+              <a:rPr dirty="0" err="1">
+                <a:latin typeface="Meiryo UI" panose="020B0604030504040204" pitchFamily="50" charset="-128"/>
+                <a:ea typeface="Meiryo UI" panose="020B0604030504040204" pitchFamily="50" charset="-128"/>
+              </a:rPr>
               <a:t>定義できます</a:t>
             </a:r>
             <a:r>
-              <a:rPr dirty="0"/>
+              <a:rPr dirty="0">
+                <a:latin typeface="Meiryo UI" panose="020B0604030504040204" pitchFamily="50" charset="-128"/>
+                <a:ea typeface="Meiryo UI" panose="020B0604030504040204" pitchFamily="50" charset="-128"/>
+              </a:rPr>
               <a:t>。</a:t>
             </a:r>
           </a:p>
@@ -3734,7 +3863,7 @@
     </p:spTree>
     <p:extLst>
       <p:ext uri="{BB962C8B-B14F-4D97-AF65-F5344CB8AC3E}">
-        <p14:creationId xmlns:p14="http://schemas.microsoft.com/office/powerpoint/2010/main" val="444742399"/>
+        <p14:creationId xmlns:p14="http://schemas.microsoft.com/office/powerpoint/2010/main" val="2681981412"/>
       </p:ext>
     </p:extLst>
   </p:cSld>
@@ -3888,11 +4017,7 @@
             </a:r>
             <a:r>
               <a:rPr dirty="0" smtClean="0"/>
-              <a:t> </a:t>
-            </a:r>
-            <a:r>
-              <a:rPr dirty="0" smtClean="0"/>
-              <a:t>～</a:t>
+              <a:t> ～</a:t>
             </a:r>
             <a:r>
               <a:rPr lang="en-US" altLang="ja-JP" dirty="0"/>
@@ -3961,29 +4086,39 @@
             </a:pPr>
             <a:r>
               <a:rPr lang="en-US" altLang="ja-JP" sz="1804" dirty="0" err="1" smtClean="0">
+                <a:latin typeface="Meiryo UI" panose="020B0604030504040204" pitchFamily="50" charset="-128"/>
+                <a:ea typeface="Meiryo UI" panose="020B0604030504040204" pitchFamily="50" charset="-128"/>
                 <a:sym typeface="ヒラギノ角ゴ ProN W3"/>
               </a:rPr>
               <a:t>ScrollView</a:t>
             </a:r>
             <a:r>
               <a:rPr lang="ja-JP" altLang="en-US" sz="1804" dirty="0" smtClean="0">
+                <a:latin typeface="Meiryo UI" panose="020B0604030504040204" pitchFamily="50" charset="-128"/>
+                <a:ea typeface="Meiryo UI" panose="020B0604030504040204" pitchFamily="50" charset="-128"/>
                 <a:sym typeface="ヒラギノ角ゴ ProN W3"/>
               </a:rPr>
               <a:t>は</a:t>
             </a:r>
             <a:r>
               <a:rPr lang="ja-JP" altLang="en-US" sz="1804" dirty="0">
+                <a:latin typeface="Meiryo UI" panose="020B0604030504040204" pitchFamily="50" charset="-128"/>
+                <a:ea typeface="Meiryo UI" panose="020B0604030504040204" pitchFamily="50" charset="-128"/>
                 <a:sym typeface="ヒラギノ角ゴ ProN W3"/>
               </a:rPr>
               <a:t>複数のコンポーネントとビューをホストすることができ、一般的なスクロールコンテナです</a:t>
             </a:r>
             <a:r>
               <a:rPr lang="ja-JP" altLang="en-US" sz="1804" dirty="0" smtClean="0">
+                <a:latin typeface="Meiryo UI" panose="020B0604030504040204" pitchFamily="50" charset="-128"/>
+                <a:ea typeface="Meiryo UI" panose="020B0604030504040204" pitchFamily="50" charset="-128"/>
                 <a:sym typeface="ヒラギノ角ゴ ProN W3"/>
               </a:rPr>
               <a:t>。</a:t>
             </a:r>
             <a:endParaRPr lang="en-US" altLang="ja-JP" sz="1804" dirty="0" smtClean="0">
+              <a:latin typeface="Meiryo UI" panose="020B0604030504040204" pitchFamily="50" charset="-128"/>
+              <a:ea typeface="Meiryo UI" panose="020B0604030504040204" pitchFamily="50" charset="-128"/>
               <a:sym typeface="ヒラギノ角ゴ ProN W3"/>
             </a:endParaRPr>
           </a:p>
@@ -4007,23 +4142,32 @@
             </a:pPr>
             <a:r>
               <a:rPr lang="en-US" altLang="ja-JP" sz="1804" dirty="0" smtClean="0">
+                <a:latin typeface="Meiryo UI" panose="020B0604030504040204" pitchFamily="50" charset="-128"/>
+                <a:ea typeface="Meiryo UI" panose="020B0604030504040204" pitchFamily="50" charset="-128"/>
                 <a:sym typeface="ヒラギノ角ゴ ProN W3"/>
               </a:rPr>
               <a:t>horizontal</a:t>
             </a:r>
             <a:r>
               <a:rPr lang="ja-JP" altLang="en-US" sz="1804" dirty="0" smtClean="0">
+                <a:latin typeface="Meiryo UI" panose="020B0604030504040204" pitchFamily="50" charset="-128"/>
+                <a:ea typeface="Meiryo UI" panose="020B0604030504040204" pitchFamily="50" charset="-128"/>
                 <a:sym typeface="ヒラギノ角ゴ ProN W3"/>
               </a:rPr>
               <a:t>プロパティ</a:t>
             </a:r>
             <a:r>
               <a:rPr lang="ja-JP" altLang="en-US" sz="1804" dirty="0">
+                <a:latin typeface="Meiryo UI" panose="020B0604030504040204" pitchFamily="50" charset="-128"/>
+                <a:ea typeface="Meiryo UI" panose="020B0604030504040204" pitchFamily="50" charset="-128"/>
                 <a:sym typeface="ヒラギノ角ゴ ProN W3"/>
               </a:rPr>
               <a:t>を設定することによって）垂直方向と水平方向の両方にスクロールできます。</a:t>
             </a:r>
-            <a:endParaRPr dirty="0"/>
+            <a:endParaRPr dirty="0">
+              <a:latin typeface="Meiryo UI" panose="020B0604030504040204" pitchFamily="50" charset="-128"/>
+              <a:ea typeface="Meiryo UI" panose="020B0604030504040204" pitchFamily="50" charset="-128"/>
+            </a:endParaRPr>
           </a:p>
         </p:txBody>
       </p:sp>
@@ -4169,7 +4313,7 @@
         <p:spPr>
           <a:xfrm>
             <a:off x="5598063" y="2668446"/>
-            <a:ext cx="1289775" cy="523220"/>
+            <a:ext cx="1302599" cy="523220"/>
           </a:xfrm>
           <a:prstGeom prst="rect">
             <a:avLst/>
@@ -4193,36 +4337,53 @@
               <a:defRPr sz="1600"/>
             </a:pPr>
             <a:r>
-              <a:rPr lang="ja-JP" altLang="en-US" sz="1400" dirty="0" smtClean="0"/>
+              <a:rPr lang="ja-JP" altLang="en-US" sz="1400" dirty="0" smtClean="0">
+                <a:latin typeface="Meiryo UI" panose="020B0604030504040204" pitchFamily="50" charset="-128"/>
+                <a:ea typeface="Meiryo UI" panose="020B0604030504040204" pitchFamily="50" charset="-128"/>
+              </a:rPr>
               <a:t>①</a:t>
             </a:r>
             <a:r>
-              <a:rPr lang="en-US" altLang="ja-JP" sz="1400" dirty="0" err="1" smtClean="0"/>
+              <a:rPr lang="en-US" altLang="ja-JP" sz="1400" dirty="0" err="1" smtClean="0">
+                <a:latin typeface="Meiryo UI" panose="020B0604030504040204" pitchFamily="50" charset="-128"/>
+                <a:ea typeface="Meiryo UI" panose="020B0604030504040204" pitchFamily="50" charset="-128"/>
+              </a:rPr>
               <a:t>ScrollView</a:t>
             </a:r>
             <a:r>
-              <a:rPr lang="ja-JP" altLang="en-US" sz="1400" dirty="0" smtClean="0"/>
+              <a:rPr lang="ja-JP" altLang="en-US" sz="1400" dirty="0" smtClean="0">
+                <a:latin typeface="Meiryo UI" panose="020B0604030504040204" pitchFamily="50" charset="-128"/>
+                <a:ea typeface="Meiryo UI" panose="020B0604030504040204" pitchFamily="50" charset="-128"/>
+              </a:rPr>
               <a:t>を</a:t>
             </a:r>
-            <a:endParaRPr lang="en-US" altLang="ja-JP" sz="1400" dirty="0" smtClean="0"/>
+            <a:endParaRPr lang="en-US" altLang="ja-JP" sz="1400" dirty="0" smtClean="0">
+              <a:latin typeface="Meiryo UI" panose="020B0604030504040204" pitchFamily="50" charset="-128"/>
+              <a:ea typeface="Meiryo UI" panose="020B0604030504040204" pitchFamily="50" charset="-128"/>
+            </a:endParaRPr>
           </a:p>
           <a:p>
             <a:pPr>
               <a:defRPr sz="1600"/>
             </a:pPr>
             <a:r>
-              <a:rPr lang="ja-JP" altLang="en-US" sz="1400" dirty="0"/>
+              <a:rPr lang="ja-JP" altLang="en-US" sz="1400" dirty="0">
+                <a:latin typeface="Meiryo UI" panose="020B0604030504040204" pitchFamily="50" charset="-128"/>
+                <a:ea typeface="Meiryo UI" panose="020B0604030504040204" pitchFamily="50" charset="-128"/>
+              </a:rPr>
               <a:t> </a:t>
             </a:r>
             <a:r>
-              <a:rPr lang="ja-JP" altLang="en-US" sz="1400" dirty="0" smtClean="0"/>
-              <a:t>  </a:t>
-            </a:r>
-            <a:r>
-              <a:rPr lang="ja-JP" altLang="en-US" sz="1400" dirty="0" smtClean="0"/>
-              <a:t>インポート</a:t>
-            </a:r>
-            <a:endParaRPr lang="en-US" altLang="ja-JP" sz="1400" dirty="0" smtClean="0"/>
+              <a:rPr lang="ja-JP" altLang="en-US" sz="1400" dirty="0" smtClean="0">
+                <a:latin typeface="Meiryo UI" panose="020B0604030504040204" pitchFamily="50" charset="-128"/>
+                <a:ea typeface="Meiryo UI" panose="020B0604030504040204" pitchFamily="50" charset="-128"/>
+              </a:rPr>
+              <a:t>  インポート</a:t>
+            </a:r>
+            <a:endParaRPr lang="en-US" altLang="ja-JP" sz="1400" dirty="0" smtClean="0">
+              <a:latin typeface="Meiryo UI" panose="020B0604030504040204" pitchFamily="50" charset="-128"/>
+              <a:ea typeface="Meiryo UI" panose="020B0604030504040204" pitchFamily="50" charset="-128"/>
+            </a:endParaRPr>
           </a:p>
         </p:txBody>
       </p:sp>
@@ -4234,10 +4395,10 @@
         </p:nvGrpSpPr>
         <p:grpSpPr>
           <a:xfrm>
-            <a:off x="5544556" y="3548052"/>
-            <a:ext cx="3343440" cy="2084654"/>
+            <a:off x="5544556" y="3548051"/>
+            <a:ext cx="3343440" cy="1534288"/>
             <a:chOff x="5638866" y="2677214"/>
-            <a:chExt cx="2617537" cy="1120208"/>
+            <a:chExt cx="2617537" cy="824464"/>
           </a:xfrm>
         </p:grpSpPr>
         <p:grpSp>
@@ -4250,7 +4411,7 @@
             <a:xfrm>
               <a:off x="5638866" y="2677214"/>
               <a:ext cx="2617537" cy="824464"/>
-              <a:chOff x="6807200" y="2118020"/>
+              <a:chOff x="6807198" y="2118020"/>
               <a:chExt cx="6583283" cy="1204948"/>
             </a:xfrm>
           </p:grpSpPr>
@@ -4262,7 +4423,7 @@
             </p:nvSpPr>
             <p:spPr>
               <a:xfrm>
-                <a:off x="6807200" y="2118020"/>
+                <a:off x="6807198" y="2118020"/>
                 <a:ext cx="6583283" cy="1204948"/>
               </a:xfrm>
               <a:prstGeom prst="wedgeRoundRectCallout">
@@ -4381,8 +4542,8 @@
           </p:nvSpPr>
           <p:spPr>
             <a:xfrm>
-              <a:off x="5750463" y="2820846"/>
-              <a:ext cx="2426303" cy="976576"/>
+              <a:off x="6048775" y="2820846"/>
+              <a:ext cx="1569465" cy="628469"/>
             </a:xfrm>
             <a:prstGeom prst="rect">
               <a:avLst/>
@@ -4406,74 +4567,122 @@
                 <a:defRPr sz="1600"/>
               </a:pPr>
               <a:r>
-                <a:rPr lang="ja-JP" altLang="en-US" sz="1400" dirty="0" smtClean="0"/>
+                <a:rPr lang="ja-JP" altLang="en-US" sz="1400" dirty="0" smtClean="0">
+                  <a:latin typeface="Meiryo UI" panose="020B0604030504040204" pitchFamily="50" charset="-128"/>
+                  <a:ea typeface="Meiryo UI" panose="020B0604030504040204" pitchFamily="50" charset="-128"/>
+                </a:rPr>
                 <a:t>②</a:t>
               </a:r>
               <a:r>
-                <a:rPr lang="en-US" altLang="ja-JP" sz="1400" dirty="0"/>
+                <a:rPr lang="en-US" altLang="ja-JP" sz="1400" dirty="0">
+                  <a:latin typeface="Meiryo UI" panose="020B0604030504040204" pitchFamily="50" charset="-128"/>
+                  <a:ea typeface="Meiryo UI" panose="020B0604030504040204" pitchFamily="50" charset="-128"/>
+                </a:rPr>
                 <a:t> </a:t>
               </a:r>
               <a:r>
-                <a:rPr lang="en-US" altLang="ja-JP" sz="1400" dirty="0" err="1"/>
+                <a:rPr lang="en-US" altLang="ja-JP" sz="1400" dirty="0" err="1">
+                  <a:latin typeface="Meiryo UI" panose="020B0604030504040204" pitchFamily="50" charset="-128"/>
+                  <a:ea typeface="Meiryo UI" panose="020B0604030504040204" pitchFamily="50" charset="-128"/>
+                </a:rPr>
                 <a:t>ScrollView</a:t>
               </a:r>
               <a:r>
-                <a:rPr lang="ja-JP" altLang="en-US" sz="1400" dirty="0" smtClean="0"/>
+                <a:rPr lang="ja-JP" altLang="en-US" sz="1400" dirty="0" smtClean="0">
+                  <a:latin typeface="Meiryo UI" panose="020B0604030504040204" pitchFamily="50" charset="-128"/>
+                  <a:ea typeface="Meiryo UI" panose="020B0604030504040204" pitchFamily="50" charset="-128"/>
+                </a:rPr>
                 <a:t>を設置</a:t>
               </a:r>
-              <a:endParaRPr lang="en-US" altLang="ja-JP" sz="1400" dirty="0" smtClean="0"/>
+              <a:endParaRPr lang="en-US" altLang="ja-JP" sz="1400" dirty="0" smtClean="0">
+                <a:latin typeface="Meiryo UI" panose="020B0604030504040204" pitchFamily="50" charset="-128"/>
+                <a:ea typeface="Meiryo UI" panose="020B0604030504040204" pitchFamily="50" charset="-128"/>
+              </a:endParaRPr>
             </a:p>
             <a:p>
               <a:pPr>
                 <a:defRPr sz="1600"/>
               </a:pPr>
               <a:r>
-                <a:rPr lang="en-US" altLang="ja-JP" sz="1400" dirty="0"/>
+                <a:rPr lang="en-US" altLang="ja-JP" sz="1400" dirty="0">
+                  <a:latin typeface="Meiryo UI" panose="020B0604030504040204" pitchFamily="50" charset="-128"/>
+                  <a:ea typeface="Meiryo UI" panose="020B0604030504040204" pitchFamily="50" charset="-128"/>
+                </a:rPr>
                 <a:t>※horizontal</a:t>
               </a:r>
               <a:r>
-                <a:rPr lang="ja-JP" altLang="en-US" sz="1400" dirty="0"/>
+                <a:rPr lang="ja-JP" altLang="en-US" sz="1400" dirty="0">
+                  <a:latin typeface="Meiryo UI" panose="020B0604030504040204" pitchFamily="50" charset="-128"/>
+                  <a:ea typeface="Meiryo UI" panose="020B0604030504040204" pitchFamily="50" charset="-128"/>
+                </a:rPr>
                 <a:t>プロパティで</a:t>
               </a:r>
-              <a:endParaRPr lang="en-US" altLang="ja-JP" sz="1400" dirty="0"/>
+              <a:endParaRPr lang="en-US" altLang="ja-JP" sz="1400" dirty="0">
+                <a:latin typeface="Meiryo UI" panose="020B0604030504040204" pitchFamily="50" charset="-128"/>
+                <a:ea typeface="Meiryo UI" panose="020B0604030504040204" pitchFamily="50" charset="-128"/>
+              </a:endParaRPr>
             </a:p>
             <a:p>
               <a:pPr>
                 <a:defRPr sz="1600"/>
               </a:pPr>
               <a:r>
-                <a:rPr lang="en-US" altLang="ja-JP" sz="1400" dirty="0"/>
+                <a:rPr lang="en-US" altLang="ja-JP" sz="1400" dirty="0">
+                  <a:latin typeface="Meiryo UI" panose="020B0604030504040204" pitchFamily="50" charset="-128"/>
+                  <a:ea typeface="Meiryo UI" panose="020B0604030504040204" pitchFamily="50" charset="-128"/>
+                </a:rPr>
                 <a:t>true</a:t>
               </a:r>
               <a:r>
-                <a:rPr lang="ja-JP" altLang="en-US" sz="1400" dirty="0"/>
+                <a:rPr lang="ja-JP" altLang="en-US" sz="1400" dirty="0">
+                  <a:latin typeface="Meiryo UI" panose="020B0604030504040204" pitchFamily="50" charset="-128"/>
+                  <a:ea typeface="Meiryo UI" panose="020B0604030504040204" pitchFamily="50" charset="-128"/>
+                </a:rPr>
                 <a:t>を指定すると横の</a:t>
               </a:r>
               <a:r>
-                <a:rPr lang="ja-JP" altLang="en-US" sz="1400" dirty="0" smtClean="0"/>
+                <a:rPr lang="ja-JP" altLang="en-US" sz="1400" dirty="0" smtClean="0">
+                  <a:latin typeface="Meiryo UI" panose="020B0604030504040204" pitchFamily="50" charset="-128"/>
+                  <a:ea typeface="Meiryo UI" panose="020B0604030504040204" pitchFamily="50" charset="-128"/>
+                </a:rPr>
                 <a:t>スク</a:t>
               </a:r>
-              <a:endParaRPr lang="en-US" altLang="ja-JP" sz="1400" dirty="0" smtClean="0"/>
+              <a:endParaRPr lang="en-US" altLang="ja-JP" sz="1400" dirty="0" smtClean="0">
+                <a:latin typeface="Meiryo UI" panose="020B0604030504040204" pitchFamily="50" charset="-128"/>
+                <a:ea typeface="Meiryo UI" panose="020B0604030504040204" pitchFamily="50" charset="-128"/>
+              </a:endParaRPr>
             </a:p>
             <a:p>
               <a:pPr>
                 <a:defRPr sz="1600"/>
               </a:pPr>
               <a:r>
-                <a:rPr lang="ja-JP" altLang="en-US" sz="1400" dirty="0" smtClean="0"/>
+                <a:rPr lang="ja-JP" altLang="en-US" sz="1400" dirty="0" smtClean="0">
+                  <a:latin typeface="Meiryo UI" panose="020B0604030504040204" pitchFamily="50" charset="-128"/>
+                  <a:ea typeface="Meiryo UI" panose="020B0604030504040204" pitchFamily="50" charset="-128"/>
+                </a:rPr>
                 <a:t>ロールバー</a:t>
               </a:r>
               <a:r>
-                <a:rPr lang="ja-JP" altLang="en-US" sz="1400" dirty="0"/>
+                <a:rPr lang="ja-JP" altLang="en-US" sz="1400" dirty="0">
+                  <a:latin typeface="Meiryo UI" panose="020B0604030504040204" pitchFamily="50" charset="-128"/>
+                  <a:ea typeface="Meiryo UI" panose="020B0604030504040204" pitchFamily="50" charset="-128"/>
+                </a:rPr>
                 <a:t>が表示されます。</a:t>
               </a:r>
-              <a:endParaRPr lang="en-US" altLang="ja-JP" sz="1400" dirty="0"/>
+              <a:endParaRPr lang="en-US" altLang="ja-JP" sz="1400" dirty="0">
+                <a:latin typeface="Meiryo UI" panose="020B0604030504040204" pitchFamily="50" charset="-128"/>
+                <a:ea typeface="Meiryo UI" panose="020B0604030504040204" pitchFamily="50" charset="-128"/>
+              </a:endParaRPr>
             </a:p>
             <a:p>
               <a:pPr>
                 <a:defRPr sz="1600"/>
               </a:pPr>
-              <a:endParaRPr lang="en-US" altLang="ja-JP" sz="1400" dirty="0" smtClean="0"/>
+              <a:endParaRPr lang="en-US" altLang="ja-JP" sz="1400" dirty="0" smtClean="0">
+                <a:latin typeface="Meiryo UI" panose="020B0604030504040204" pitchFamily="50" charset="-128"/>
+                <a:ea typeface="Meiryo UI" panose="020B0604030504040204" pitchFamily="50" charset="-128"/>
+              </a:endParaRPr>
             </a:p>
           </p:txBody>
         </p:sp>
@@ -4815,7 +5024,7 @@
     </p:spTree>
     <p:extLst>
       <p:ext uri="{BB962C8B-B14F-4D97-AF65-F5344CB8AC3E}">
-        <p14:creationId xmlns:p14="http://schemas.microsoft.com/office/powerpoint/2010/main" val="3887584370"/>
+        <p14:creationId xmlns:p14="http://schemas.microsoft.com/office/powerpoint/2010/main" val="2386791255"/>
       </p:ext>
     </p:extLst>
   </p:cSld>
@@ -4897,11 +5106,7 @@
             </a:r>
             <a:r>
               <a:rPr lang="en-US" altLang="ja-JP" dirty="0"/>
-              <a:t> </a:t>
-            </a:r>
-            <a:r>
-              <a:rPr lang="en-US" altLang="ja-JP" dirty="0"/>
-              <a:t>Using a </a:t>
+              <a:t> Using a </a:t>
             </a:r>
             <a:r>
               <a:rPr lang="en-US" altLang="ja-JP" dirty="0" err="1"/>
@@ -5005,8 +5210,8 @@
         </p:nvSpPr>
         <p:spPr>
           <a:xfrm>
-            <a:off x="8460611" y="3244334"/>
-            <a:ext cx="1569660" cy="369332"/>
+            <a:off x="8606822" y="3429000"/>
+            <a:ext cx="1263487" cy="369332"/>
           </a:xfrm>
           <a:prstGeom prst="rect">
             <a:avLst/>
@@ -5019,10 +5224,16 @@
           <a:lstStyle/>
           <a:p>
             <a:r>
-              <a:rPr lang="ja-JP" altLang="en-US" dirty="0" smtClean="0"/>
+              <a:rPr lang="ja-JP" altLang="en-US" dirty="0" smtClean="0">
+                <a:latin typeface="Meiryo UI" panose="020B0604030504040204" pitchFamily="50" charset="-128"/>
+                <a:ea typeface="Meiryo UI" panose="020B0604030504040204" pitchFamily="50" charset="-128"/>
+              </a:rPr>
               <a:t>横にスライド</a:t>
             </a:r>
-            <a:endParaRPr lang="ja-JP" altLang="en-US" dirty="0"/>
+            <a:endParaRPr lang="ja-JP" altLang="en-US" dirty="0">
+              <a:latin typeface="Meiryo UI" panose="020B0604030504040204" pitchFamily="50" charset="-128"/>
+              <a:ea typeface="Meiryo UI" panose="020B0604030504040204" pitchFamily="50" charset="-128"/>
+            </a:endParaRPr>
           </a:p>
         </p:txBody>
       </p:sp>
@@ -5083,7 +5294,7 @@
         <p:spPr>
           <a:xfrm>
             <a:off x="6452371" y="1225254"/>
-            <a:ext cx="2416685" cy="338554"/>
+            <a:ext cx="2245164" cy="338554"/>
           </a:xfrm>
           <a:prstGeom prst="rect">
             <a:avLst/>
@@ -5107,14 +5318,23 @@
               <a:defRPr sz="1600"/>
             </a:pPr>
             <a:r>
-              <a:rPr lang="en-US" dirty="0" smtClean="0"/>
+              <a:rPr lang="en-US" dirty="0" smtClean="0">
+                <a:latin typeface="Meiryo UI" panose="020B0604030504040204" pitchFamily="50" charset="-128"/>
+                <a:ea typeface="Meiryo UI" panose="020B0604030504040204" pitchFamily="50" charset="-128"/>
+              </a:rPr>
               <a:t>horizontal</a:t>
             </a:r>
             <a:r>
-              <a:rPr lang="ja-JP" altLang="en-US" dirty="0" smtClean="0"/>
+              <a:rPr lang="ja-JP" altLang="en-US" dirty="0" smtClean="0">
+                <a:latin typeface="Meiryo UI" panose="020B0604030504040204" pitchFamily="50" charset="-128"/>
+                <a:ea typeface="Meiryo UI" panose="020B0604030504040204" pitchFamily="50" charset="-128"/>
+              </a:rPr>
               <a:t>プロパティ設定</a:t>
             </a:r>
-            <a:endParaRPr dirty="0"/>
+            <a:endParaRPr dirty="0">
+              <a:latin typeface="Meiryo UI" panose="020B0604030504040204" pitchFamily="50" charset="-128"/>
+              <a:ea typeface="Meiryo UI" panose="020B0604030504040204" pitchFamily="50" charset="-128"/>
+            </a:endParaRPr>
           </a:p>
         </p:txBody>
       </p:sp>
@@ -5127,7 +5347,7 @@
         <p:spPr>
           <a:xfrm>
             <a:off x="431799" y="1225254"/>
-            <a:ext cx="2416685" cy="338554"/>
+            <a:ext cx="2189059" cy="338554"/>
           </a:xfrm>
           <a:prstGeom prst="rect">
             <a:avLst/>
@@ -5151,14 +5371,23 @@
               <a:defRPr sz="1600"/>
             </a:pPr>
             <a:r>
-              <a:rPr lang="en-US" dirty="0" smtClean="0"/>
+              <a:rPr lang="en-US" dirty="0" smtClean="0">
+                <a:latin typeface="Meiryo UI" panose="020B0604030504040204" pitchFamily="50" charset="-128"/>
+                <a:ea typeface="Meiryo UI" panose="020B0604030504040204" pitchFamily="50" charset="-128"/>
+              </a:rPr>
               <a:t>horizontal</a:t>
             </a:r>
             <a:r>
-              <a:rPr lang="ja-JP" altLang="en-US" dirty="0" smtClean="0"/>
+              <a:rPr lang="ja-JP" altLang="en-US" dirty="0" smtClean="0">
+                <a:latin typeface="Meiryo UI" panose="020B0604030504040204" pitchFamily="50" charset="-128"/>
+                <a:ea typeface="Meiryo UI" panose="020B0604030504040204" pitchFamily="50" charset="-128"/>
+              </a:rPr>
               <a:t>プロパティ無し</a:t>
             </a:r>
-            <a:endParaRPr dirty="0"/>
+            <a:endParaRPr dirty="0">
+              <a:latin typeface="Meiryo UI" panose="020B0604030504040204" pitchFamily="50" charset="-128"/>
+              <a:ea typeface="Meiryo UI" panose="020B0604030504040204" pitchFamily="50" charset="-128"/>
+            </a:endParaRPr>
           </a:p>
         </p:txBody>
       </p:sp>
@@ -5272,8 +5501,8 @@
         </p:nvSpPr>
         <p:spPr>
           <a:xfrm>
-            <a:off x="2389775" y="3244334"/>
-            <a:ext cx="1569660" cy="369332"/>
+            <a:off x="2521532" y="3429000"/>
+            <a:ext cx="1263487" cy="369332"/>
           </a:xfrm>
           <a:prstGeom prst="rect">
             <a:avLst/>
@@ -5286,10 +5515,16 @@
           <a:lstStyle/>
           <a:p>
             <a:r>
-              <a:rPr lang="ja-JP" altLang="en-US" dirty="0" smtClean="0"/>
+              <a:rPr lang="ja-JP" altLang="en-US" dirty="0" smtClean="0">
+                <a:latin typeface="Meiryo UI" panose="020B0604030504040204" pitchFamily="50" charset="-128"/>
+                <a:ea typeface="Meiryo UI" panose="020B0604030504040204" pitchFamily="50" charset="-128"/>
+              </a:rPr>
               <a:t>縦にスライド</a:t>
             </a:r>
-            <a:endParaRPr lang="ja-JP" altLang="en-US" dirty="0"/>
+            <a:endParaRPr lang="ja-JP" altLang="en-US" dirty="0">
+              <a:latin typeface="Meiryo UI" panose="020B0604030504040204" pitchFamily="50" charset="-128"/>
+              <a:ea typeface="Meiryo UI" panose="020B0604030504040204" pitchFamily="50" charset="-128"/>
+            </a:endParaRPr>
           </a:p>
         </p:txBody>
       </p:sp>
@@ -5320,7 +5555,7 @@
     </p:spTree>
     <p:extLst>
       <p:ext uri="{BB962C8B-B14F-4D97-AF65-F5344CB8AC3E}">
-        <p14:creationId xmlns:p14="http://schemas.microsoft.com/office/powerpoint/2010/main" val="1723898857"/>
+        <p14:creationId xmlns:p14="http://schemas.microsoft.com/office/powerpoint/2010/main" val="4154702876"/>
       </p:ext>
     </p:extLst>
   </p:cSld>
@@ -5364,7 +5599,7 @@
         <p:grpSpPr>
           <a:xfrm>
             <a:off x="440381" y="2857282"/>
-            <a:ext cx="6447457" cy="3671795"/>
+            <a:ext cx="6447457" cy="3909278"/>
             <a:chOff x="441039" y="2518350"/>
             <a:chExt cx="6447457" cy="4277674"/>
           </a:xfrm>
@@ -5473,19 +5708,31 @@
               <a:t>Nativeの基礎知識</a:t>
             </a:r>
             <a:r>
-              <a:rPr dirty="0" smtClean="0"/>
+              <a:rPr lang="ja-JP" altLang="en-US" dirty="0" smtClean="0"/>
+              <a:t>　～</a:t>
+            </a:r>
+            <a:r>
+              <a:rPr lang="en-US" altLang="ja-JP" dirty="0" smtClean="0"/>
               <a:t> </a:t>
             </a:r>
             <a:r>
-              <a:rPr dirty="0" smtClean="0"/>
-              <a:t>～</a:t>
-            </a:r>
-            <a:r>
-              <a:rPr lang="en-US" altLang="ja-JP" sz="2200" b="1" dirty="0"/>
-              <a:t>Using List Views</a:t>
-            </a:r>
-            <a:r>
-              <a:rPr dirty="0" smtClean="0"/>
+              <a:rPr lang="en-US" altLang="ja-JP" dirty="0"/>
+              <a:t>Using </a:t>
+            </a:r>
+            <a:r>
+              <a:rPr lang="en-US" altLang="ja-JP" dirty="0" smtClean="0"/>
+              <a:t>List</a:t>
+            </a:r>
+            <a:r>
+              <a:rPr lang="ja-JP" altLang="en-US" dirty="0"/>
+              <a:t> </a:t>
+            </a:r>
+            <a:r>
+              <a:rPr lang="en-US" altLang="ja-JP" dirty="0" smtClean="0"/>
+              <a:t>View </a:t>
+            </a:r>
+            <a:r>
+              <a:rPr lang="ja-JP" altLang="en-US" dirty="0"/>
               <a:t>～</a:t>
             </a:r>
             <a:endParaRPr dirty="0"/>
@@ -5543,23 +5790,31 @@
             </a:pPr>
             <a:r>
               <a:rPr lang="ja-JP" altLang="en-US" sz="1804" dirty="0" smtClean="0">
+                <a:latin typeface="Meiryo UI" panose="020B0604030504040204" pitchFamily="50" charset="-128"/>
+                <a:ea typeface="Meiryo UI" panose="020B0604030504040204" pitchFamily="50" charset="-128"/>
                 <a:sym typeface="ヒラギノ角ゴ ProN W3"/>
               </a:rPr>
               <a:t>データ</a:t>
             </a:r>
             <a:r>
               <a:rPr lang="ja-JP" altLang="en-US" sz="1804" dirty="0">
+                <a:latin typeface="Meiryo UI" panose="020B0604030504040204" pitchFamily="50" charset="-128"/>
+                <a:ea typeface="Meiryo UI" panose="020B0604030504040204" pitchFamily="50" charset="-128"/>
                 <a:sym typeface="ヒラギノ角ゴ ProN W3"/>
               </a:rPr>
               <a:t>のリストを提示するため</a:t>
             </a:r>
             <a:r>
               <a:rPr lang="ja-JP" altLang="en-US" sz="1804" dirty="0" smtClean="0">
+                <a:latin typeface="Meiryo UI" panose="020B0604030504040204" pitchFamily="50" charset="-128"/>
+                <a:ea typeface="Meiryo UI" panose="020B0604030504040204" pitchFamily="50" charset="-128"/>
                 <a:sym typeface="ヒラギノ角ゴ ProN W3"/>
               </a:rPr>
               <a:t>のコンポーネントが提供されています。通常下記のどちらかを使用します。</a:t>
             </a:r>
             <a:endParaRPr lang="en-US" altLang="ja-JP" sz="1804" dirty="0" smtClean="0">
+              <a:latin typeface="Meiryo UI" panose="020B0604030504040204" pitchFamily="50" charset="-128"/>
+              <a:ea typeface="Meiryo UI" panose="020B0604030504040204" pitchFamily="50" charset="-128"/>
               <a:sym typeface="ヒラギノ角ゴ ProN W3"/>
             </a:endParaRPr>
           </a:p>
@@ -5583,17 +5838,23 @@
             </a:pPr>
             <a:r>
               <a:rPr lang="ja-JP" altLang="en-US" sz="1804" dirty="0" smtClean="0">
+                <a:latin typeface="Meiryo UI" panose="020B0604030504040204" pitchFamily="50" charset="-128"/>
+                <a:ea typeface="Meiryo UI" panose="020B0604030504040204" pitchFamily="50" charset="-128"/>
                 <a:sym typeface="ヒラギノ角ゴ ProN W3"/>
               </a:rPr>
               <a:t>・</a:t>
             </a:r>
             <a:r>
               <a:rPr lang="en-US" altLang="ja-JP" sz="1804" dirty="0" err="1" smtClean="0">
+                <a:latin typeface="Meiryo UI" panose="020B0604030504040204" pitchFamily="50" charset="-128"/>
+                <a:ea typeface="Meiryo UI" panose="020B0604030504040204" pitchFamily="50" charset="-128"/>
                 <a:sym typeface="ヒラギノ角ゴ ProN W3"/>
               </a:rPr>
               <a:t>FlatList</a:t>
             </a:r>
             <a:endParaRPr lang="en-US" altLang="ja-JP" sz="1804" dirty="0" smtClean="0">
+              <a:latin typeface="Meiryo UI" panose="020B0604030504040204" pitchFamily="50" charset="-128"/>
+              <a:ea typeface="Meiryo UI" panose="020B0604030504040204" pitchFamily="50" charset="-128"/>
               <a:sym typeface="ヒラギノ角ゴ ProN W3"/>
             </a:endParaRPr>
           </a:p>
@@ -5617,17 +5878,24 @@
             </a:pPr>
             <a:r>
               <a:rPr lang="ja-JP" altLang="en-US" sz="1804" dirty="0" smtClean="0">
+                <a:latin typeface="Meiryo UI" panose="020B0604030504040204" pitchFamily="50" charset="-128"/>
+                <a:ea typeface="Meiryo UI" panose="020B0604030504040204" pitchFamily="50" charset="-128"/>
                 <a:sym typeface="ヒラギノ角ゴ ProN W3"/>
               </a:rPr>
               <a:t>・</a:t>
             </a:r>
             <a:r>
               <a:rPr lang="en-US" altLang="ja-JP" sz="1804" dirty="0" err="1" smtClean="0">
+                <a:latin typeface="Meiryo UI" panose="020B0604030504040204" pitchFamily="50" charset="-128"/>
+                <a:ea typeface="Meiryo UI" panose="020B0604030504040204" pitchFamily="50" charset="-128"/>
                 <a:sym typeface="ヒラギノ角ゴ ProN W3"/>
               </a:rPr>
               <a:t>SectionList</a:t>
             </a:r>
-            <a:endParaRPr dirty="0"/>
+            <a:endParaRPr dirty="0">
+              <a:latin typeface="Meiryo UI" panose="020B0604030504040204" pitchFamily="50" charset="-128"/>
+              <a:ea typeface="Meiryo UI" panose="020B0604030504040204" pitchFamily="50" charset="-128"/>
+            </a:endParaRPr>
           </a:p>
         </p:txBody>
       </p:sp>
@@ -5800,6 +6068,492 @@
           </a:p>
         </p:txBody>
       </p:sp>
+      <p:sp>
+        <p:nvSpPr>
+          <p:cNvPr id="6" name="テキスト ボックス 5"/>
+          <p:cNvSpPr txBox="1"/>
+          <p:nvPr/>
+        </p:nvSpPr>
+        <p:spPr>
+          <a:xfrm>
+            <a:off x="503369" y="2879604"/>
+            <a:ext cx="6116887" cy="4616644"/>
+          </a:xfrm>
+          <a:prstGeom prst="rect">
+            <a:avLst/>
+          </a:prstGeom>
+          <a:noFill/>
+          <a:ln w="12700" cap="flat">
+            <a:noFill/>
+            <a:miter lim="400000"/>
+          </a:ln>
+          <a:effectLst/>
+          <a:sp3d/>
+        </p:spPr>
+        <p:style>
+          <a:lnRef idx="0">
+            <a:scrgbClr r="0" g="0" b="0"/>
+          </a:lnRef>
+          <a:fillRef idx="0">
+            <a:scrgbClr r="0" g="0" b="0"/>
+          </a:fillRef>
+          <a:effectRef idx="0">
+            <a:scrgbClr r="0" g="0" b="0"/>
+          </a:effectRef>
+          <a:fontRef idx="none"/>
+        </p:style>
+        <p:txBody>
+          <a:bodyPr rot="0" spcFirstLastPara="1" vertOverflow="overflow" horzOverflow="overflow" vert="horz" wrap="square" lIns="45718" tIns="45718" rIns="45718" bIns="45718" numCol="1" spcCol="38100" rtlCol="0" anchor="t">
+            <a:spAutoFit/>
+          </a:bodyPr>
+          <a:lstStyle/>
+          <a:p>
+            <a:r>
+              <a:rPr lang="en-US" altLang="ja-JP" sz="1200" dirty="0"/>
+              <a:t>import React, { Component } from </a:t>
+            </a:r>
+            <a:r>
+              <a:rPr lang="en-US" altLang="ja-JP" sz="1200" dirty="0" smtClean="0"/>
+              <a:t>‘react’;</a:t>
+            </a:r>
+            <a:endParaRPr lang="en-US" altLang="ja-JP" sz="1200" dirty="0"/>
+          </a:p>
+          <a:p>
+            <a:r>
+              <a:rPr lang="en-US" altLang="ja-JP" sz="1200" dirty="0" smtClean="0"/>
+              <a:t>Import { </a:t>
+            </a:r>
+            <a:r>
+              <a:rPr lang="en-US" altLang="ja-JP" sz="1200" dirty="0" err="1" smtClean="0"/>
+              <a:t>FlatList</a:t>
+            </a:r>
+            <a:r>
+              <a:rPr lang="en-US" altLang="ja-JP" sz="1200" dirty="0"/>
+              <a:t>, </a:t>
+            </a:r>
+            <a:r>
+              <a:rPr lang="en-US" altLang="ja-JP" sz="1200" dirty="0" err="1"/>
+              <a:t>StyleSheet</a:t>
+            </a:r>
+            <a:r>
+              <a:rPr lang="en-US" altLang="ja-JP" sz="1200" dirty="0"/>
+              <a:t>, Text, View } from </a:t>
+            </a:r>
+            <a:r>
+              <a:rPr lang="en-US" altLang="ja-JP" sz="1200" dirty="0" smtClean="0"/>
+              <a:t>‘react-native’;</a:t>
+            </a:r>
+            <a:endParaRPr lang="en-US" altLang="ja-JP" sz="1200" dirty="0"/>
+          </a:p>
+          <a:p>
+            <a:r>
+              <a:rPr lang="en-US" altLang="ja-JP" sz="1200" dirty="0"/>
+              <a:t/>
+            </a:r>
+            <a:br>
+              <a:rPr lang="en-US" altLang="ja-JP" sz="1200" dirty="0"/>
+            </a:br>
+            <a:r>
+              <a:rPr lang="en-US" altLang="ja-JP" sz="1200" dirty="0"/>
+              <a:t>export default class </a:t>
+            </a:r>
+            <a:r>
+              <a:rPr lang="en-US" altLang="ja-JP" sz="1200" dirty="0" err="1"/>
+              <a:t>FlatListBasics</a:t>
+            </a:r>
+            <a:r>
+              <a:rPr lang="en-US" altLang="ja-JP" sz="1200" dirty="0"/>
+              <a:t> extends Component {</a:t>
+            </a:r>
+          </a:p>
+          <a:p>
+            <a:r>
+              <a:rPr lang="en-US" altLang="ja-JP" sz="1200" dirty="0" smtClean="0"/>
+              <a:t>        render</a:t>
+            </a:r>
+            <a:r>
+              <a:rPr lang="en-US" altLang="ja-JP" sz="1200" dirty="0"/>
+              <a:t>() {</a:t>
+            </a:r>
+          </a:p>
+          <a:p>
+            <a:r>
+              <a:rPr lang="en-US" altLang="ja-JP" sz="1200" dirty="0" smtClean="0"/>
+              <a:t>           return </a:t>
+            </a:r>
+            <a:r>
+              <a:rPr lang="en-US" altLang="ja-JP" sz="1200" dirty="0"/>
+              <a:t>(</a:t>
+            </a:r>
+          </a:p>
+          <a:p>
+            <a:r>
+              <a:rPr lang="en-US" altLang="ja-JP" sz="1200" dirty="0" smtClean="0"/>
+              <a:t>             &lt;</a:t>
+            </a:r>
+            <a:r>
+              <a:rPr lang="en-US" altLang="ja-JP" sz="1200" dirty="0"/>
+              <a:t>View style={</a:t>
+            </a:r>
+            <a:r>
+              <a:rPr lang="en-US" altLang="ja-JP" sz="1200" dirty="0" err="1"/>
+              <a:t>styles.container</a:t>
+            </a:r>
+            <a:r>
+              <a:rPr lang="en-US" altLang="ja-JP" sz="1200" dirty="0"/>
+              <a:t>}&gt;</a:t>
+            </a:r>
+          </a:p>
+          <a:p>
+            <a:r>
+              <a:rPr lang="en-US" altLang="ja-JP" sz="1200" dirty="0" smtClean="0"/>
+              <a:t>             &lt;</a:t>
+            </a:r>
+            <a:r>
+              <a:rPr lang="en-US" altLang="ja-JP" sz="1200" dirty="0" err="1"/>
+              <a:t>FlatList</a:t>
+            </a:r>
+            <a:endParaRPr lang="en-US" altLang="ja-JP" sz="1200" dirty="0"/>
+          </a:p>
+          <a:p>
+            <a:r>
+              <a:rPr lang="en-US" altLang="ja-JP" sz="1200" dirty="0" smtClean="0"/>
+              <a:t>                data</a:t>
+            </a:r>
+            <a:r>
+              <a:rPr lang="en-US" altLang="ja-JP" sz="1200" dirty="0"/>
+              <a:t>={[</a:t>
+            </a:r>
+          </a:p>
+          <a:p>
+            <a:r>
+              <a:rPr lang="en-US" altLang="ja-JP" sz="1200" dirty="0" smtClean="0"/>
+              <a:t>                {</a:t>
+            </a:r>
+            <a:r>
+              <a:rPr lang="en-US" altLang="ja-JP" sz="1200" dirty="0"/>
+              <a:t>key: </a:t>
+            </a:r>
+            <a:r>
+              <a:rPr lang="en-US" altLang="ja-JP" sz="1200" dirty="0" smtClean="0"/>
+              <a:t>‘Devin’},</a:t>
+            </a:r>
+            <a:endParaRPr lang="en-US" altLang="ja-JP" sz="1200" dirty="0"/>
+          </a:p>
+          <a:p>
+            <a:r>
+              <a:rPr lang="en-US" altLang="ja-JP" sz="1200" dirty="0" smtClean="0"/>
+              <a:t>                {</a:t>
+            </a:r>
+            <a:r>
+              <a:rPr lang="en-US" altLang="ja-JP" sz="1200" dirty="0"/>
+              <a:t>key: </a:t>
+            </a:r>
+            <a:r>
+              <a:rPr lang="en-US" altLang="ja-JP" sz="1200" dirty="0" smtClean="0"/>
+              <a:t>‘Jackson’},</a:t>
+            </a:r>
+            <a:endParaRPr lang="en-US" altLang="ja-JP" sz="1200" dirty="0"/>
+          </a:p>
+          <a:p>
+            <a:r>
+              <a:rPr lang="en-US" altLang="ja-JP" sz="1200" dirty="0" smtClean="0"/>
+              <a:t>                {</a:t>
+            </a:r>
+            <a:r>
+              <a:rPr lang="en-US" altLang="ja-JP" sz="1200" dirty="0"/>
+              <a:t>key: </a:t>
+            </a:r>
+            <a:r>
+              <a:rPr lang="en-US" altLang="ja-JP" sz="1200" dirty="0" smtClean="0"/>
+              <a:t>‘James’},</a:t>
+            </a:r>
+            <a:endParaRPr lang="en-US" altLang="ja-JP" sz="1200" dirty="0"/>
+          </a:p>
+          <a:p>
+            <a:r>
+              <a:rPr lang="en-US" altLang="ja-JP" sz="1200" dirty="0" smtClean="0"/>
+              <a:t>                {</a:t>
+            </a:r>
+            <a:r>
+              <a:rPr lang="en-US" altLang="ja-JP" sz="1200" dirty="0"/>
+              <a:t>key: </a:t>
+            </a:r>
+            <a:r>
+              <a:rPr lang="en-US" altLang="ja-JP" sz="1200" dirty="0" smtClean="0"/>
+              <a:t>‘Joel’},</a:t>
+            </a:r>
+          </a:p>
+          <a:p>
+            <a:r>
+              <a:rPr lang="en-US" altLang="ja-JP" sz="1200" dirty="0" smtClean="0"/>
+              <a:t>                {key: ‘John’},</a:t>
+            </a:r>
+          </a:p>
+          <a:p>
+            <a:r>
+              <a:rPr lang="en-US" altLang="ja-JP" sz="1200" dirty="0" smtClean="0"/>
+              <a:t>       </a:t>
+            </a:r>
+            <a:r>
+              <a:rPr lang="ja-JP" altLang="en-US" sz="1200" dirty="0" smtClean="0"/>
+              <a:t>　　 </a:t>
+            </a:r>
+            <a:r>
+              <a:rPr lang="en-US" altLang="ja-JP" sz="1200" dirty="0" smtClean="0"/>
+              <a:t> ]}</a:t>
+            </a:r>
+          </a:p>
+          <a:p>
+            <a:r>
+              <a:rPr lang="en-US" altLang="ja-JP" sz="1200" dirty="0" smtClean="0"/>
+              <a:t>       </a:t>
+            </a:r>
+            <a:r>
+              <a:rPr lang="en-US" altLang="ja-JP" sz="1200" dirty="0" err="1" smtClean="0"/>
+              <a:t>renderItem</a:t>
+            </a:r>
+            <a:r>
+              <a:rPr lang="en-US" altLang="ja-JP" sz="1200" dirty="0"/>
+              <a:t>={({item}) =&gt; &lt;Text style={</a:t>
+            </a:r>
+            <a:r>
+              <a:rPr lang="en-US" altLang="ja-JP" sz="1200" dirty="0" err="1"/>
+              <a:t>styles.item</a:t>
+            </a:r>
+            <a:r>
+              <a:rPr lang="en-US" altLang="ja-JP" sz="1200" dirty="0"/>
+              <a:t>}&gt;{</a:t>
+            </a:r>
+            <a:r>
+              <a:rPr lang="en-US" altLang="ja-JP" sz="1200" dirty="0" err="1"/>
+              <a:t>item.key</a:t>
+            </a:r>
+            <a:r>
+              <a:rPr lang="en-US" altLang="ja-JP" sz="1200" dirty="0"/>
+              <a:t>}&lt;/Text&gt;}</a:t>
+            </a:r>
+          </a:p>
+          <a:p>
+            <a:r>
+              <a:rPr lang="en-US" altLang="ja-JP" sz="1200" dirty="0" smtClean="0"/>
+              <a:t>       /&gt;</a:t>
+            </a:r>
+            <a:endParaRPr lang="en-US" altLang="ja-JP" sz="1200" dirty="0"/>
+          </a:p>
+          <a:p>
+            <a:r>
+              <a:rPr lang="en-US" altLang="ja-JP" sz="1200" dirty="0" smtClean="0"/>
+              <a:t>      &lt;/</a:t>
+            </a:r>
+            <a:r>
+              <a:rPr lang="en-US" altLang="ja-JP" sz="1200" dirty="0"/>
+              <a:t>View&gt;</a:t>
+            </a:r>
+          </a:p>
+          <a:p>
+            <a:r>
+              <a:rPr lang="en-US" altLang="ja-JP" sz="1200" dirty="0" smtClean="0"/>
+              <a:t>       );</a:t>
+            </a:r>
+            <a:endParaRPr lang="en-US" altLang="ja-JP" sz="1200" dirty="0"/>
+          </a:p>
+          <a:p>
+            <a:r>
+              <a:rPr lang="en-US" altLang="ja-JP" sz="1200" dirty="0" smtClean="0"/>
+              <a:t>    }</a:t>
+            </a:r>
+            <a:endParaRPr lang="en-US" altLang="ja-JP" sz="1200" dirty="0"/>
+          </a:p>
+          <a:p>
+            <a:r>
+              <a:rPr lang="en-US" altLang="ja-JP" sz="1200" dirty="0"/>
+              <a:t>}</a:t>
+            </a:r>
+          </a:p>
+          <a:p>
+            <a:r>
+              <a:rPr lang="en-US" altLang="ja-JP" sz="1200" dirty="0" smtClean="0"/>
+              <a:t/>
+            </a:r>
+            <a:br>
+              <a:rPr lang="en-US" altLang="ja-JP" sz="1200" dirty="0" smtClean="0"/>
+            </a:br>
+            <a:endParaRPr lang="en-US" altLang="ja-JP" sz="1200" dirty="0" smtClean="0"/>
+          </a:p>
+          <a:p>
+            <a:pPr marL="0" marR="0" indent="0" algn="l" defTabSz="914400" rtl="0" fontAlgn="auto" latinLnBrk="0" hangingPunct="0">
+              <a:lnSpc>
+                <a:spcPct val="100000"/>
+              </a:lnSpc>
+              <a:spcBef>
+                <a:spcPts val="0"/>
+              </a:spcBef>
+              <a:spcAft>
+                <a:spcPts val="0"/>
+              </a:spcAft>
+              <a:buClrTx/>
+              <a:buSzTx/>
+              <a:buFontTx/>
+              <a:buNone/>
+              <a:tabLst/>
+            </a:pPr>
+            <a:endParaRPr kumimoji="0" lang="ja-JP" altLang="en-US" sz="1800" b="0" i="0" u="none" strike="noStrike" cap="none" spc="0" normalizeH="0" baseline="0" dirty="0">
+              <a:ln>
+                <a:noFill/>
+              </a:ln>
+              <a:solidFill>
+                <a:srgbClr val="000000"/>
+              </a:solidFill>
+              <a:effectLst/>
+              <a:uFillTx/>
+              <a:latin typeface="+mn-lt"/>
+              <a:ea typeface="+mn-ea"/>
+              <a:cs typeface="+mn-cs"/>
+              <a:sym typeface="Helvetica"/>
+            </a:endParaRPr>
+          </a:p>
+        </p:txBody>
+      </p:sp>
+      <p:sp>
+        <p:nvSpPr>
+          <p:cNvPr id="26" name="Shape 118"/>
+          <p:cNvSpPr/>
+          <p:nvPr/>
+        </p:nvSpPr>
+        <p:spPr>
+          <a:xfrm>
+            <a:off x="731520" y="4028799"/>
+            <a:ext cx="4866542" cy="2194201"/>
+          </a:xfrm>
+          <a:prstGeom prst="rect">
+            <a:avLst/>
+          </a:prstGeom>
+          <a:ln w="12700">
+            <a:solidFill>
+              <a:srgbClr val="FF2600"/>
+            </a:solidFill>
+            <a:miter/>
+          </a:ln>
+        </p:spPr>
+        <p:txBody>
+          <a:bodyPr lIns="45719" rIns="45719" anchor="ctr"/>
+          <a:lstStyle/>
+          <a:p>
+            <a:endParaRPr/>
+          </a:p>
+        </p:txBody>
+      </p:sp>
+      <p:sp>
+        <p:nvSpPr>
+          <p:cNvPr id="118" name="Shape 118"/>
+          <p:cNvSpPr/>
+          <p:nvPr/>
+        </p:nvSpPr>
+        <p:spPr>
+          <a:xfrm>
+            <a:off x="991927" y="3078551"/>
+            <a:ext cx="845747" cy="255729"/>
+          </a:xfrm>
+          <a:prstGeom prst="rect">
+            <a:avLst/>
+          </a:prstGeom>
+          <a:ln w="12700">
+            <a:solidFill>
+              <a:srgbClr val="FF2600"/>
+            </a:solidFill>
+            <a:miter/>
+          </a:ln>
+        </p:spPr>
+        <p:txBody>
+          <a:bodyPr lIns="45719" rIns="45719" anchor="ctr"/>
+          <a:lstStyle/>
+          <a:p>
+            <a:endParaRPr/>
+          </a:p>
+        </p:txBody>
+      </p:sp>
+      <p:sp>
+        <p:nvSpPr>
+          <p:cNvPr id="3" name="テキスト ボックス 2"/>
+          <p:cNvSpPr txBox="1"/>
+          <p:nvPr/>
+        </p:nvSpPr>
+        <p:spPr>
+          <a:xfrm>
+            <a:off x="423485" y="2249164"/>
+            <a:ext cx="6533195" cy="646327"/>
+          </a:xfrm>
+          <a:prstGeom prst="rect">
+            <a:avLst/>
+          </a:prstGeom>
+          <a:noFill/>
+          <a:ln w="12700" cap="flat">
+            <a:noFill/>
+            <a:miter lim="400000"/>
+          </a:ln>
+          <a:effectLst/>
+          <a:sp3d/>
+        </p:spPr>
+        <p:style>
+          <a:lnRef idx="0">
+            <a:scrgbClr r="0" g="0" b="0"/>
+          </a:lnRef>
+          <a:fillRef idx="0">
+            <a:scrgbClr r="0" g="0" b="0"/>
+          </a:fillRef>
+          <a:effectRef idx="0">
+            <a:scrgbClr r="0" g="0" b="0"/>
+          </a:effectRef>
+          <a:fontRef idx="none"/>
+        </p:style>
+        <p:txBody>
+          <a:bodyPr rot="0" spcFirstLastPara="1" vertOverflow="overflow" horzOverflow="overflow" vert="horz" wrap="none" lIns="45718" tIns="45718" rIns="45718" bIns="45718" numCol="1" spcCol="38100" rtlCol="0" anchor="t">
+            <a:spAutoFit/>
+          </a:bodyPr>
+          <a:lstStyle/>
+          <a:p>
+            <a:r>
+              <a:rPr lang="ja-JP" altLang="en-US" dirty="0" smtClean="0">
+                <a:latin typeface="Meiryo UI" panose="020B0604030504040204" pitchFamily="50" charset="-128"/>
+                <a:ea typeface="Meiryo UI" panose="020B0604030504040204" pitchFamily="50" charset="-128"/>
+              </a:rPr>
+              <a:t>・</a:t>
+            </a:r>
+            <a:r>
+              <a:rPr lang="en-US" altLang="ja-JP" dirty="0" err="1" smtClean="0">
+                <a:latin typeface="Meiryo UI" panose="020B0604030504040204" pitchFamily="50" charset="-128"/>
+                <a:ea typeface="Meiryo UI" panose="020B0604030504040204" pitchFamily="50" charset="-128"/>
+              </a:rPr>
+              <a:t>FlatList</a:t>
+            </a:r>
+            <a:endParaRPr lang="en-US" altLang="ja-JP" dirty="0" smtClean="0">
+              <a:latin typeface="Meiryo UI" panose="020B0604030504040204" pitchFamily="50" charset="-128"/>
+              <a:ea typeface="Meiryo UI" panose="020B0604030504040204" pitchFamily="50" charset="-128"/>
+            </a:endParaRPr>
+          </a:p>
+          <a:p>
+            <a:r>
+              <a:rPr lang="ja-JP" altLang="en-US" dirty="0"/>
+              <a:t>　</a:t>
+            </a:r>
+            <a:r>
+              <a:rPr lang="ja-JP" altLang="en-US" sz="1400" dirty="0" smtClean="0">
+                <a:latin typeface="Meiryo UI" panose="020B0604030504040204" pitchFamily="50" charset="-128"/>
+                <a:ea typeface="Meiryo UI" panose="020B0604030504040204" pitchFamily="50" charset="-128"/>
+              </a:rPr>
+              <a:t>項目</a:t>
+            </a:r>
+            <a:r>
+              <a:rPr lang="ja-JP" altLang="en-US" sz="1400" dirty="0">
+                <a:latin typeface="Meiryo UI" panose="020B0604030504040204" pitchFamily="50" charset="-128"/>
+                <a:ea typeface="Meiryo UI" panose="020B0604030504040204" pitchFamily="50" charset="-128"/>
+              </a:rPr>
+              <a:t>の数が時間の経過とともに変化する可能性がある長いデータのリストに適しています。</a:t>
+            </a:r>
+          </a:p>
+        </p:txBody>
+      </p:sp>
       <p:grpSp>
         <p:nvGrpSpPr>
           <p:cNvPr id="4" name="グループ化 3"/>
@@ -5808,8 +6562,1451 @@
         </p:nvGrpSpPr>
         <p:grpSpPr>
           <a:xfrm>
-            <a:off x="5544542" y="4028799"/>
-            <a:ext cx="3343426" cy="1534281"/>
+            <a:off x="5544541" y="4028799"/>
+            <a:ext cx="3597501" cy="1534281"/>
+            <a:chOff x="5638855" y="2677209"/>
+            <a:chExt cx="2617526" cy="824461"/>
+          </a:xfrm>
+        </p:grpSpPr>
+        <p:grpSp>
+          <p:nvGrpSpPr>
+            <p:cNvPr id="17" name="グループ化 16"/>
+            <p:cNvGrpSpPr/>
+            <p:nvPr/>
+          </p:nvGrpSpPr>
+          <p:grpSpPr>
+            <a:xfrm>
+              <a:off x="5638855" y="2677209"/>
+              <a:ext cx="2617526" cy="824461"/>
+              <a:chOff x="6807200" y="2118018"/>
+              <a:chExt cx="6583283" cy="1204947"/>
+            </a:xfrm>
+          </p:grpSpPr>
+          <p:sp>
+            <p:nvSpPr>
+              <p:cNvPr id="18" name="角丸四角形吹き出し 17"/>
+              <p:cNvSpPr/>
+              <p:nvPr/>
+            </p:nvSpPr>
+            <p:spPr>
+              <a:xfrm>
+                <a:off x="6807200" y="2118018"/>
+                <a:ext cx="6583283" cy="1204947"/>
+              </a:xfrm>
+              <a:prstGeom prst="wedgeRoundRectCallout">
+                <a:avLst>
+                  <a:gd name="adj1" fmla="val -57635"/>
+                  <a:gd name="adj2" fmla="val -18807"/>
+                  <a:gd name="adj3" fmla="val 16667"/>
+                </a:avLst>
+              </a:prstGeom>
+              <a:solidFill>
+                <a:srgbClr val="FFFFFF"/>
+              </a:solidFill>
+              <a:ln w="12700" cap="flat">
+                <a:solidFill>
+                  <a:schemeClr val="accent1"/>
+                </a:solidFill>
+                <a:prstDash val="solid"/>
+                <a:miter lim="800000"/>
+              </a:ln>
+              <a:effectLst/>
+              <a:sp3d/>
+            </p:spPr>
+            <p:style>
+              <a:lnRef idx="0">
+                <a:scrgbClr r="0" g="0" b="0"/>
+              </a:lnRef>
+              <a:fillRef idx="0">
+                <a:scrgbClr r="0" g="0" b="0"/>
+              </a:fillRef>
+              <a:effectRef idx="0">
+                <a:scrgbClr r="0" g="0" b="0"/>
+              </a:effectRef>
+              <a:fontRef idx="none"/>
+            </p:style>
+            <p:txBody>
+              <a:bodyPr rot="0" spcFirstLastPara="1" vertOverflow="overflow" horzOverflow="overflow" vert="horz" wrap="square" lIns="45719" tIns="45719" rIns="45719" bIns="45719" numCol="1" spcCol="38100" rtlCol="0" anchor="ctr">
+                <a:spAutoFit/>
+              </a:bodyPr>
+              <a:lstStyle/>
+              <a:p>
+                <a:pPr marL="0" marR="0" indent="0" algn="l" defTabSz="914400" rtl="0" fontAlgn="auto" latinLnBrk="0" hangingPunct="0">
+                  <a:lnSpc>
+                    <a:spcPct val="100000"/>
+                  </a:lnSpc>
+                  <a:spcBef>
+                    <a:spcPts val="0"/>
+                  </a:spcBef>
+                  <a:spcAft>
+                    <a:spcPts val="0"/>
+                  </a:spcAft>
+                  <a:buClrTx/>
+                  <a:buSzTx/>
+                  <a:buFontTx/>
+                  <a:buNone/>
+                  <a:tabLst/>
+                </a:pPr>
+                <a:endParaRPr kumimoji="0" lang="ja-JP" altLang="en-US" sz="1800" b="0" i="0" u="none" strike="noStrike" cap="none" spc="0" normalizeH="0" baseline="0">
+                  <a:ln>
+                    <a:noFill/>
+                  </a:ln>
+                  <a:solidFill>
+                    <a:srgbClr val="000000"/>
+                  </a:solidFill>
+                  <a:effectLst/>
+                  <a:uFillTx/>
+                  <a:latin typeface="Meiryo UI"/>
+                  <a:ea typeface="Meiryo UI"/>
+                  <a:cs typeface="Meiryo UI"/>
+                  <a:sym typeface="Meiryo UI"/>
+                </a:endParaRPr>
+              </a:p>
+            </p:txBody>
+          </p:sp>
+          <p:sp>
+            <p:nvSpPr>
+              <p:cNvPr id="19" name="Shape 102"/>
+              <p:cNvSpPr/>
+              <p:nvPr/>
+            </p:nvSpPr>
+            <p:spPr>
+              <a:xfrm>
+                <a:off x="7103245" y="2268100"/>
+                <a:ext cx="96976" cy="164146"/>
+              </a:xfrm>
+              <a:prstGeom prst="rect">
+                <a:avLst/>
+              </a:prstGeom>
+              <a:ln w="12700">
+                <a:miter lim="400000"/>
+              </a:ln>
+              <a:extLst>
+                <a:ext uri="{C572A759-6A51-4108-AA02-DFA0A04FC94B}">
+                  <ma14:wrappingTextBoxFlag xmlns:ma14="http://schemas.microsoft.com/office/mac/drawingml/2011/main" xmlns="" val="1"/>
+                </a:ext>
+              </a:extLst>
+            </p:spPr>
+            <p:txBody>
+              <a:bodyPr wrap="none" lIns="45719" rIns="45719">
+                <a:spAutoFit/>
+              </a:bodyPr>
+              <a:lstStyle/>
+              <a:p>
+                <a:pPr>
+                  <a:defRPr sz="1600"/>
+                </a:pPr>
+                <a:endParaRPr lang="en-US" altLang="ja-JP" sz="1400" dirty="0" smtClean="0"/>
+              </a:p>
+            </p:txBody>
+          </p:sp>
+        </p:grpSp>
+        <p:sp>
+          <p:nvSpPr>
+            <p:cNvPr id="20" name="Shape 102"/>
+            <p:cNvSpPr/>
+            <p:nvPr/>
+          </p:nvSpPr>
+          <p:spPr>
+            <a:xfrm>
+              <a:off x="5750463" y="2820845"/>
+              <a:ext cx="72336" cy="165387"/>
+            </a:xfrm>
+            <a:prstGeom prst="rect">
+              <a:avLst/>
+            </a:prstGeom>
+            <a:ln w="12700">
+              <a:miter lim="400000"/>
+            </a:ln>
+            <a:extLst>
+              <a:ext uri="{C572A759-6A51-4108-AA02-DFA0A04FC94B}">
+                <ma14:wrappingTextBoxFlag xmlns:ma14="http://schemas.microsoft.com/office/mac/drawingml/2011/main" xmlns="" val="1"/>
+              </a:ext>
+            </a:extLst>
+          </p:spPr>
+          <p:txBody>
+            <a:bodyPr wrap="none" lIns="45719" rIns="45719">
+              <a:spAutoFit/>
+            </a:bodyPr>
+            <a:lstStyle/>
+            <a:p>
+              <a:pPr>
+                <a:defRPr sz="1600"/>
+              </a:pPr>
+              <a:endParaRPr lang="en-US" altLang="ja-JP" sz="1400" dirty="0" smtClean="0"/>
+            </a:p>
+          </p:txBody>
+        </p:sp>
+      </p:grpSp>
+      <p:pic>
+        <p:nvPicPr>
+          <p:cNvPr id="5" name="図 4"/>
+          <p:cNvPicPr>
+            <a:picLocks noChangeAspect="1"/>
+          </p:cNvPicPr>
+          <p:nvPr/>
+        </p:nvPicPr>
+        <p:blipFill>
+          <a:blip r:embed="rId3"/>
+          <a:stretch>
+            <a:fillRect/>
+          </a:stretch>
+        </p:blipFill>
+        <p:spPr>
+          <a:xfrm>
+            <a:off x="9763832" y="2528473"/>
+            <a:ext cx="2034585" cy="4150804"/>
+          </a:xfrm>
+          <a:prstGeom prst="rect">
+            <a:avLst/>
+          </a:prstGeom>
+        </p:spPr>
+      </p:pic>
+      <p:sp>
+        <p:nvSpPr>
+          <p:cNvPr id="22" name="Shape 102"/>
+          <p:cNvSpPr/>
+          <p:nvPr/>
+        </p:nvSpPr>
+        <p:spPr>
+          <a:xfrm>
+            <a:off x="5728496" y="3144583"/>
+            <a:ext cx="1071766" cy="523220"/>
+          </a:xfrm>
+          <a:prstGeom prst="rect">
+            <a:avLst/>
+          </a:prstGeom>
+          <a:ln w="12700">
+            <a:miter lim="400000"/>
+          </a:ln>
+          <a:extLst>
+            <a:ext uri="{C572A759-6A51-4108-AA02-DFA0A04FC94B}">
+              <ma14:wrappingTextBoxFlag xmlns:ma14="http://schemas.microsoft.com/office/mac/drawingml/2011/main" xmlns="" val="1"/>
+            </a:ext>
+          </a:extLst>
+        </p:spPr>
+        <p:txBody>
+          <a:bodyPr wrap="none" lIns="45719" rIns="45719">
+            <a:spAutoFit/>
+          </a:bodyPr>
+          <a:lstStyle/>
+          <a:p>
+            <a:pPr>
+              <a:defRPr sz="1600"/>
+            </a:pPr>
+            <a:r>
+              <a:rPr lang="ja-JP" altLang="en-US" sz="1400" dirty="0" smtClean="0">
+                <a:latin typeface="Meiryo UI" panose="020B0604030504040204" pitchFamily="50" charset="-128"/>
+                <a:ea typeface="Meiryo UI" panose="020B0604030504040204" pitchFamily="50" charset="-128"/>
+              </a:rPr>
+              <a:t>①</a:t>
+            </a:r>
+            <a:r>
+              <a:rPr lang="en-US" altLang="ja-JP" sz="1400" dirty="0" err="1" smtClean="0">
+                <a:latin typeface="Meiryo UI" panose="020B0604030504040204" pitchFamily="50" charset="-128"/>
+                <a:ea typeface="Meiryo UI" panose="020B0604030504040204" pitchFamily="50" charset="-128"/>
+              </a:rPr>
+              <a:t>FastList</a:t>
+            </a:r>
+            <a:r>
+              <a:rPr lang="ja-JP" altLang="en-US" sz="1400" dirty="0" smtClean="0">
+                <a:latin typeface="Meiryo UI" panose="020B0604030504040204" pitchFamily="50" charset="-128"/>
+                <a:ea typeface="Meiryo UI" panose="020B0604030504040204" pitchFamily="50" charset="-128"/>
+              </a:rPr>
+              <a:t>を</a:t>
+            </a:r>
+            <a:endParaRPr lang="en-US" altLang="ja-JP" sz="1400" dirty="0" smtClean="0">
+              <a:latin typeface="Meiryo UI" panose="020B0604030504040204" pitchFamily="50" charset="-128"/>
+              <a:ea typeface="Meiryo UI" panose="020B0604030504040204" pitchFamily="50" charset="-128"/>
+            </a:endParaRPr>
+          </a:p>
+          <a:p>
+            <a:pPr>
+              <a:defRPr sz="1600"/>
+            </a:pPr>
+            <a:r>
+              <a:rPr lang="ja-JP" altLang="en-US" sz="1400" dirty="0">
+                <a:latin typeface="Meiryo UI" panose="020B0604030504040204" pitchFamily="50" charset="-128"/>
+                <a:ea typeface="Meiryo UI" panose="020B0604030504040204" pitchFamily="50" charset="-128"/>
+              </a:rPr>
+              <a:t> </a:t>
+            </a:r>
+            <a:r>
+              <a:rPr lang="ja-JP" altLang="en-US" sz="1400" dirty="0" smtClean="0">
+                <a:latin typeface="Meiryo UI" panose="020B0604030504040204" pitchFamily="50" charset="-128"/>
+                <a:ea typeface="Meiryo UI" panose="020B0604030504040204" pitchFamily="50" charset="-128"/>
+              </a:rPr>
+              <a:t>  インポート</a:t>
+            </a:r>
+            <a:endParaRPr lang="en-US" altLang="ja-JP" sz="1400" dirty="0" smtClean="0">
+              <a:latin typeface="Meiryo UI" panose="020B0604030504040204" pitchFamily="50" charset="-128"/>
+              <a:ea typeface="Meiryo UI" panose="020B0604030504040204" pitchFamily="50" charset="-128"/>
+            </a:endParaRPr>
+          </a:p>
+        </p:txBody>
+      </p:sp>
+      <p:sp>
+        <p:nvSpPr>
+          <p:cNvPr id="23" name="Shape 102"/>
+          <p:cNvSpPr/>
+          <p:nvPr/>
+        </p:nvSpPr>
+        <p:spPr>
+          <a:xfrm>
+            <a:off x="5773070" y="4319858"/>
+            <a:ext cx="2714844" cy="954107"/>
+          </a:xfrm>
+          <a:prstGeom prst="rect">
+            <a:avLst/>
+          </a:prstGeom>
+          <a:ln w="12700">
+            <a:miter lim="400000"/>
+          </a:ln>
+          <a:extLst>
+            <a:ext uri="{C572A759-6A51-4108-AA02-DFA0A04FC94B}">
+              <ma14:wrappingTextBoxFlag xmlns:ma14="http://schemas.microsoft.com/office/mac/drawingml/2011/main" xmlns="" val="1"/>
+            </a:ext>
+          </a:extLst>
+        </p:spPr>
+        <p:txBody>
+          <a:bodyPr wrap="none" lIns="45719" rIns="45719">
+            <a:spAutoFit/>
+          </a:bodyPr>
+          <a:lstStyle/>
+          <a:p>
+            <a:pPr>
+              <a:defRPr sz="1600"/>
+            </a:pPr>
+            <a:r>
+              <a:rPr lang="ja-JP" altLang="en-US" sz="1400" dirty="0" smtClean="0">
+                <a:latin typeface="Meiryo UI" panose="020B0604030504040204" pitchFamily="50" charset="-128"/>
+                <a:ea typeface="Meiryo UI" panose="020B0604030504040204" pitchFamily="50" charset="-128"/>
+              </a:rPr>
+              <a:t>②</a:t>
+            </a:r>
+            <a:r>
+              <a:rPr lang="en-US" altLang="ja-JP" sz="1400" dirty="0" err="1" smtClean="0">
+                <a:latin typeface="Meiryo UI" panose="020B0604030504040204" pitchFamily="50" charset="-128"/>
+                <a:ea typeface="Meiryo UI" panose="020B0604030504040204" pitchFamily="50" charset="-128"/>
+              </a:rPr>
+              <a:t>FastList</a:t>
+            </a:r>
+            <a:r>
+              <a:rPr lang="ja-JP" altLang="en-US" sz="1400" dirty="0" smtClean="0">
+                <a:latin typeface="Meiryo UI" panose="020B0604030504040204" pitchFamily="50" charset="-128"/>
+                <a:ea typeface="Meiryo UI" panose="020B0604030504040204" pitchFamily="50" charset="-128"/>
+              </a:rPr>
+              <a:t>でデータ設定し、</a:t>
+            </a:r>
+            <a:endParaRPr lang="en-US" altLang="ja-JP" sz="1400" dirty="0" smtClean="0">
+              <a:latin typeface="Meiryo UI" panose="020B0604030504040204" pitchFamily="50" charset="-128"/>
+              <a:ea typeface="Meiryo UI" panose="020B0604030504040204" pitchFamily="50" charset="-128"/>
+            </a:endParaRPr>
+          </a:p>
+          <a:p>
+            <a:pPr>
+              <a:defRPr sz="1600"/>
+            </a:pPr>
+            <a:r>
+              <a:rPr lang="en-US" altLang="ja-JP" sz="1400" dirty="0">
+                <a:latin typeface="Meiryo UI" panose="020B0604030504040204" pitchFamily="50" charset="-128"/>
+                <a:ea typeface="Meiryo UI" panose="020B0604030504040204" pitchFamily="50" charset="-128"/>
+              </a:rPr>
+              <a:t> </a:t>
+            </a:r>
+            <a:r>
+              <a:rPr lang="en-US" altLang="ja-JP" sz="1400" dirty="0" smtClean="0">
+                <a:latin typeface="Meiryo UI" panose="020B0604030504040204" pitchFamily="50" charset="-128"/>
+                <a:ea typeface="Meiryo UI" panose="020B0604030504040204" pitchFamily="50" charset="-128"/>
+              </a:rPr>
+              <a:t>  </a:t>
+            </a:r>
+            <a:r>
+              <a:rPr lang="en-US" altLang="ja-JP" sz="1400" dirty="0" err="1" smtClean="0">
+                <a:latin typeface="Meiryo UI" panose="020B0604030504040204" pitchFamily="50" charset="-128"/>
+                <a:ea typeface="Meiryo UI" panose="020B0604030504040204" pitchFamily="50" charset="-128"/>
+              </a:rPr>
+              <a:t>renderItem</a:t>
+            </a:r>
+            <a:r>
+              <a:rPr lang="ja-JP" altLang="en-US" sz="1400" dirty="0" smtClean="0">
+                <a:latin typeface="Meiryo UI" panose="020B0604030504040204" pitchFamily="50" charset="-128"/>
+                <a:ea typeface="Meiryo UI" panose="020B0604030504040204" pitchFamily="50" charset="-128"/>
+              </a:rPr>
+              <a:t>で</a:t>
+            </a:r>
+            <a:r>
+              <a:rPr lang="en-US" altLang="ja-JP" sz="1400" dirty="0" smtClean="0">
+                <a:latin typeface="Meiryo UI" panose="020B0604030504040204" pitchFamily="50" charset="-128"/>
+                <a:ea typeface="Meiryo UI" panose="020B0604030504040204" pitchFamily="50" charset="-128"/>
+              </a:rPr>
+              <a:t>1</a:t>
+            </a:r>
+            <a:r>
+              <a:rPr lang="ja-JP" altLang="en-US" sz="1400" dirty="0" err="1">
+                <a:latin typeface="Meiryo UI" panose="020B0604030504040204" pitchFamily="50" charset="-128"/>
+                <a:ea typeface="Meiryo UI" panose="020B0604030504040204" pitchFamily="50" charset="-128"/>
+              </a:rPr>
+              <a:t>つの</a:t>
+            </a:r>
+            <a:r>
+              <a:rPr lang="ja-JP" altLang="en-US" sz="1400" dirty="0">
+                <a:latin typeface="Meiryo UI" panose="020B0604030504040204" pitchFamily="50" charset="-128"/>
+                <a:ea typeface="Meiryo UI" panose="020B0604030504040204" pitchFamily="50" charset="-128"/>
+              </a:rPr>
+              <a:t>項目を取り</a:t>
+            </a:r>
+            <a:r>
+              <a:rPr lang="ja-JP" altLang="en-US" sz="1400" dirty="0" smtClean="0">
+                <a:latin typeface="Meiryo UI" panose="020B0604030504040204" pitchFamily="50" charset="-128"/>
+                <a:ea typeface="Meiryo UI" panose="020B0604030504040204" pitchFamily="50" charset="-128"/>
+              </a:rPr>
+              <a:t>、</a:t>
+            </a:r>
+            <a:endParaRPr lang="en-US" altLang="ja-JP" sz="1400" dirty="0" smtClean="0">
+              <a:latin typeface="Meiryo UI" panose="020B0604030504040204" pitchFamily="50" charset="-128"/>
+              <a:ea typeface="Meiryo UI" panose="020B0604030504040204" pitchFamily="50" charset="-128"/>
+            </a:endParaRPr>
+          </a:p>
+          <a:p>
+            <a:pPr>
+              <a:defRPr sz="1600"/>
+            </a:pPr>
+            <a:r>
+              <a:rPr lang="ja-JP" altLang="en-US" sz="1400" dirty="0">
+                <a:latin typeface="Meiryo UI" panose="020B0604030504040204" pitchFamily="50" charset="-128"/>
+                <a:ea typeface="Meiryo UI" panose="020B0604030504040204" pitchFamily="50" charset="-128"/>
+              </a:rPr>
+              <a:t> </a:t>
+            </a:r>
+            <a:r>
+              <a:rPr lang="ja-JP" altLang="en-US" sz="1400" dirty="0" smtClean="0">
+                <a:latin typeface="Meiryo UI" panose="020B0604030504040204" pitchFamily="50" charset="-128"/>
+                <a:ea typeface="Meiryo UI" panose="020B0604030504040204" pitchFamily="50" charset="-128"/>
+              </a:rPr>
+              <a:t> レンダリング</a:t>
+            </a:r>
+            <a:r>
+              <a:rPr lang="ja-JP" altLang="en-US" sz="1400" dirty="0">
+                <a:latin typeface="Meiryo UI" panose="020B0604030504040204" pitchFamily="50" charset="-128"/>
+                <a:ea typeface="Meiryo UI" panose="020B0604030504040204" pitchFamily="50" charset="-128"/>
+              </a:rPr>
+              <a:t>する</a:t>
+            </a:r>
+            <a:r>
+              <a:rPr lang="ja-JP" altLang="en-US" sz="1400" dirty="0" smtClean="0">
+                <a:latin typeface="Meiryo UI" panose="020B0604030504040204" pitchFamily="50" charset="-128"/>
+                <a:ea typeface="Meiryo UI" panose="020B0604030504040204" pitchFamily="50" charset="-128"/>
+              </a:rPr>
+              <a:t>フォーマット</a:t>
+            </a:r>
+            <a:endParaRPr lang="en-US" altLang="ja-JP" sz="1400" dirty="0" smtClean="0">
+              <a:latin typeface="Meiryo UI" panose="020B0604030504040204" pitchFamily="50" charset="-128"/>
+              <a:ea typeface="Meiryo UI" panose="020B0604030504040204" pitchFamily="50" charset="-128"/>
+            </a:endParaRPr>
+          </a:p>
+          <a:p>
+            <a:pPr>
+              <a:defRPr sz="1600"/>
+            </a:pPr>
+            <a:r>
+              <a:rPr lang="en-US" altLang="ja-JP" sz="1400" dirty="0">
+                <a:latin typeface="Meiryo UI" panose="020B0604030504040204" pitchFamily="50" charset="-128"/>
+                <a:ea typeface="Meiryo UI" panose="020B0604030504040204" pitchFamily="50" charset="-128"/>
+              </a:rPr>
+              <a:t> </a:t>
+            </a:r>
+            <a:r>
+              <a:rPr lang="en-US" altLang="ja-JP" sz="1400" dirty="0" smtClean="0">
+                <a:latin typeface="Meiryo UI" panose="020B0604030504040204" pitchFamily="50" charset="-128"/>
+                <a:ea typeface="Meiryo UI" panose="020B0604030504040204" pitchFamily="50" charset="-128"/>
+              </a:rPr>
+              <a:t>  </a:t>
+            </a:r>
+            <a:r>
+              <a:rPr lang="ja-JP" altLang="en-US" sz="1400" dirty="0" smtClean="0">
+                <a:latin typeface="Meiryo UI" panose="020B0604030504040204" pitchFamily="50" charset="-128"/>
+                <a:ea typeface="Meiryo UI" panose="020B0604030504040204" pitchFamily="50" charset="-128"/>
+              </a:rPr>
+              <a:t>済み</a:t>
+            </a:r>
+            <a:r>
+              <a:rPr lang="ja-JP" altLang="en-US" sz="1400" dirty="0">
+                <a:latin typeface="Meiryo UI" panose="020B0604030504040204" pitchFamily="50" charset="-128"/>
+                <a:ea typeface="Meiryo UI" panose="020B0604030504040204" pitchFamily="50" charset="-128"/>
+              </a:rPr>
+              <a:t>コンポーネントを返します。</a:t>
+            </a:r>
+            <a:endParaRPr lang="en-US" altLang="ja-JP" sz="1400" dirty="0" smtClean="0">
+              <a:latin typeface="Meiryo UI" panose="020B0604030504040204" pitchFamily="50" charset="-128"/>
+              <a:ea typeface="Meiryo UI" panose="020B0604030504040204" pitchFamily="50" charset="-128"/>
+            </a:endParaRPr>
+          </a:p>
+        </p:txBody>
+      </p:sp>
+    </p:spTree>
+    <p:extLst>
+      <p:ext uri="{BB962C8B-B14F-4D97-AF65-F5344CB8AC3E}">
+        <p14:creationId xmlns:p14="http://schemas.microsoft.com/office/powerpoint/2010/main" val="428720748"/>
+      </p:ext>
+    </p:extLst>
+  </p:cSld>
+  <p:clrMapOvr>
+    <a:masterClrMapping/>
+  </p:clrMapOvr>
+  <p:transition spd="slow"/>
+  <p:timing>
+    <p:tnLst>
+      <p:par>
+        <p:cTn id="1" dur="indefinite" restart="never" nodeType="tmRoot"/>
+      </p:par>
+    </p:tnLst>
+  </p:timing>
+</p:sld>
+</file>
+
+<file path=ppt/slides/slide13.xml><?xml version="1.0" encoding="utf-8"?>
+<p:sld xmlns:a="http://schemas.openxmlformats.org/drawingml/2006/main" xmlns:r="http://schemas.openxmlformats.org/officeDocument/2006/relationships" xmlns:p="http://schemas.openxmlformats.org/presentationml/2006/main">
+  <p:cSld>
+    <p:spTree>
+      <p:nvGrpSpPr>
+        <p:cNvPr id="1" name=""/>
+        <p:cNvGrpSpPr/>
+        <p:nvPr/>
+      </p:nvGrpSpPr>
+      <p:grpSpPr>
+        <a:xfrm>
+          <a:off x="0" y="0"/>
+          <a:ext cx="0" cy="0"/>
+          <a:chOff x="0" y="0"/>
+          <a:chExt cx="0" cy="0"/>
+        </a:xfrm>
+      </p:grpSpPr>
+      <p:grpSp>
+        <p:nvGrpSpPr>
+          <p:cNvPr id="2" name="グループ化 1"/>
+          <p:cNvGrpSpPr/>
+          <p:nvPr/>
+        </p:nvGrpSpPr>
+        <p:grpSpPr>
+          <a:xfrm>
+            <a:off x="440381" y="2857282"/>
+            <a:ext cx="6447457" cy="3909278"/>
+            <a:chOff x="441039" y="2518350"/>
+            <a:chExt cx="6447457" cy="4277674"/>
+          </a:xfrm>
+        </p:grpSpPr>
+        <p:sp>
+          <p:nvSpPr>
+            <p:cNvPr id="14" name="Shape 120"/>
+            <p:cNvSpPr/>
+            <p:nvPr/>
+          </p:nvSpPr>
+          <p:spPr>
+            <a:xfrm>
+              <a:off x="441039" y="2524811"/>
+              <a:ext cx="6374950" cy="4271213"/>
+            </a:xfrm>
+            <a:prstGeom prst="rect">
+              <a:avLst/>
+            </a:prstGeom>
+            <a:solidFill>
+              <a:srgbClr val="FFFFFF"/>
+            </a:solidFill>
+            <a:ln w="12700">
+              <a:solidFill>
+                <a:schemeClr val="accent1"/>
+              </a:solidFill>
+              <a:miter/>
+            </a:ln>
+          </p:spPr>
+          <p:txBody>
+            <a:bodyPr lIns="45719" rIns="45719" anchor="ctr"/>
+            <a:lstStyle/>
+            <a:p>
+              <a:endParaRPr/>
+            </a:p>
+          </p:txBody>
+        </p:sp>
+        <p:sp>
+          <p:nvSpPr>
+            <p:cNvPr id="15" name="Shape 123"/>
+            <p:cNvSpPr/>
+            <p:nvPr/>
+          </p:nvSpPr>
+          <p:spPr>
+            <a:xfrm>
+              <a:off x="500846" y="2518350"/>
+              <a:ext cx="6387650" cy="276999"/>
+            </a:xfrm>
+            <a:prstGeom prst="rect">
+              <a:avLst/>
+            </a:prstGeom>
+            <a:ln w="12700">
+              <a:miter lim="400000"/>
+            </a:ln>
+            <a:extLst>
+              <a:ext uri="{C572A759-6A51-4108-AA02-DFA0A04FC94B}">
+                <ma14:wrappingTextBoxFlag xmlns="" xmlns:ma14="http://schemas.microsoft.com/office/mac/drawingml/2011/main" val="1"/>
+              </a:ext>
+            </a:extLst>
+          </p:spPr>
+          <p:txBody>
+            <a:bodyPr lIns="45719" rIns="45719">
+              <a:spAutoFit/>
+            </a:bodyPr>
+            <a:lstStyle/>
+            <a:p>
+              <a:endParaRPr lang="en-US" altLang="ja-JP" sz="1200" dirty="0"/>
+            </a:p>
+          </p:txBody>
+        </p:sp>
+      </p:grpSp>
+      <p:sp>
+        <p:nvSpPr>
+          <p:cNvPr id="113" name="Shape 113"/>
+          <p:cNvSpPr>
+            <a:spLocks noGrp="1"/>
+          </p:cNvSpPr>
+          <p:nvPr>
+            <p:ph type="title"/>
+          </p:nvPr>
+        </p:nvSpPr>
+        <p:spPr>
+          <a:xfrm>
+            <a:off x="431799" y="339725"/>
+            <a:ext cx="10515601" cy="536575"/>
+          </a:xfrm>
+          <a:prstGeom prst="rect">
+            <a:avLst/>
+          </a:prstGeom>
+        </p:spPr>
+        <p:txBody>
+          <a:bodyPr/>
+          <a:lstStyle/>
+          <a:p>
+            <a:pPr>
+              <a:lnSpc>
+                <a:spcPct val="100000"/>
+              </a:lnSpc>
+              <a:defRPr sz="2200"/>
+            </a:pPr>
+            <a:r>
+              <a:rPr dirty="0" smtClean="0"/>
+              <a:t>3-1．React </a:t>
+            </a:r>
+            <a:r>
+              <a:rPr dirty="0" err="1" smtClean="0"/>
+              <a:t>Nativeの基礎知識</a:t>
+            </a:r>
+            <a:r>
+              <a:rPr lang="ja-JP" altLang="en-US" dirty="0" smtClean="0"/>
+              <a:t>　～</a:t>
+            </a:r>
+            <a:r>
+              <a:rPr lang="en-US" altLang="ja-JP" dirty="0" smtClean="0"/>
+              <a:t> </a:t>
+            </a:r>
+            <a:r>
+              <a:rPr lang="en-US" altLang="ja-JP" dirty="0"/>
+              <a:t>Using </a:t>
+            </a:r>
+            <a:r>
+              <a:rPr lang="en-US" altLang="ja-JP" dirty="0" smtClean="0"/>
+              <a:t>List</a:t>
+            </a:r>
+            <a:r>
+              <a:rPr lang="ja-JP" altLang="en-US" dirty="0"/>
+              <a:t> </a:t>
+            </a:r>
+            <a:r>
+              <a:rPr lang="en-US" altLang="ja-JP" dirty="0" smtClean="0"/>
+              <a:t>View </a:t>
+            </a:r>
+            <a:r>
+              <a:rPr lang="ja-JP" altLang="en-US" dirty="0"/>
+              <a:t>～</a:t>
+            </a:r>
+            <a:endParaRPr dirty="0"/>
+          </a:p>
+        </p:txBody>
+      </p:sp>
+      <p:sp>
+        <p:nvSpPr>
+          <p:cNvPr id="9" name="Shape 100"/>
+          <p:cNvSpPr>
+            <a:spLocks noGrp="1"/>
+          </p:cNvSpPr>
+          <p:nvPr>
+            <p:ph type="body" sz="quarter" idx="1"/>
+          </p:nvPr>
+        </p:nvSpPr>
+        <p:spPr>
+          <a:xfrm>
+            <a:off x="423485" y="1318414"/>
+            <a:ext cx="11379203" cy="933912"/>
+          </a:xfrm>
+          <a:prstGeom prst="rect">
+            <a:avLst/>
+          </a:prstGeom>
+          <a:solidFill>
+            <a:srgbClr val="DEEBF7"/>
+          </a:solidFill>
+          <a:ln>
+            <a:solidFill>
+              <a:schemeClr val="accent1"/>
+            </a:solidFill>
+            <a:miter lim="800000"/>
+          </a:ln>
+        </p:spPr>
+        <p:txBody>
+          <a:bodyPr/>
+          <a:lstStyle/>
+          <a:p>
+            <a:pPr marL="0" indent="0" defTabSz="554990">
+              <a:lnSpc>
+                <a:spcPct val="100000"/>
+              </a:lnSpc>
+              <a:spcBef>
+                <a:spcPts val="0"/>
+              </a:spcBef>
+              <a:buSzTx/>
+              <a:buFontTx/>
+              <a:buNone/>
+              <a:defRPr sz="1804">
+                <a:latin typeface="ヒラギノ角ゴ ProN W3"/>
+                <a:ea typeface="ヒラギノ角ゴ ProN W3"/>
+                <a:cs typeface="ヒラギノ角ゴ ProN W3"/>
+                <a:sym typeface="ヒラギノ角ゴ ProN W3"/>
+              </a:defRPr>
+            </a:pPr>
+            <a:r>
+              <a:rPr lang="ja-JP" altLang="en-US" sz="1804" dirty="0" smtClean="0">
+                <a:latin typeface="Meiryo UI" panose="020B0604030504040204" pitchFamily="50" charset="-128"/>
+                <a:ea typeface="Meiryo UI" panose="020B0604030504040204" pitchFamily="50" charset="-128"/>
+                <a:sym typeface="ヒラギノ角ゴ ProN W3"/>
+              </a:rPr>
+              <a:t>データ</a:t>
+            </a:r>
+            <a:r>
+              <a:rPr lang="ja-JP" altLang="en-US" sz="1804" dirty="0">
+                <a:latin typeface="Meiryo UI" panose="020B0604030504040204" pitchFamily="50" charset="-128"/>
+                <a:ea typeface="Meiryo UI" panose="020B0604030504040204" pitchFamily="50" charset="-128"/>
+                <a:sym typeface="ヒラギノ角ゴ ProN W3"/>
+              </a:rPr>
+              <a:t>のリストを提示するため</a:t>
+            </a:r>
+            <a:r>
+              <a:rPr lang="ja-JP" altLang="en-US" sz="1804" dirty="0" smtClean="0">
+                <a:latin typeface="Meiryo UI" panose="020B0604030504040204" pitchFamily="50" charset="-128"/>
+                <a:ea typeface="Meiryo UI" panose="020B0604030504040204" pitchFamily="50" charset="-128"/>
+                <a:sym typeface="ヒラギノ角ゴ ProN W3"/>
+              </a:rPr>
+              <a:t>のコンポーネントが提供されています。通常下記のどちらかを使用します。</a:t>
+            </a:r>
+            <a:endParaRPr lang="en-US" altLang="ja-JP" sz="1804" dirty="0" smtClean="0">
+              <a:latin typeface="Meiryo UI" panose="020B0604030504040204" pitchFamily="50" charset="-128"/>
+              <a:ea typeface="Meiryo UI" panose="020B0604030504040204" pitchFamily="50" charset="-128"/>
+              <a:sym typeface="ヒラギノ角ゴ ProN W3"/>
+            </a:endParaRPr>
+          </a:p>
+          <a:p>
+            <a:pPr marL="0" indent="0" defTabSz="554990">
+              <a:lnSpc>
+                <a:spcPct val="100000"/>
+              </a:lnSpc>
+              <a:spcBef>
+                <a:spcPts val="0"/>
+              </a:spcBef>
+              <a:buSzTx/>
+              <a:buFontTx/>
+              <a:buNone/>
+              <a:defRPr sz="1804">
+                <a:latin typeface="ヒラギノ角ゴ ProN W3"/>
+                <a:ea typeface="ヒラギノ角ゴ ProN W3"/>
+                <a:cs typeface="ヒラギノ角ゴ ProN W3"/>
+                <a:sym typeface="ヒラギノ角ゴ ProN W3"/>
+              </a:defRPr>
+            </a:pPr>
+            <a:r>
+              <a:rPr lang="ja-JP" altLang="en-US" sz="1804" dirty="0" smtClean="0">
+                <a:latin typeface="Meiryo UI" panose="020B0604030504040204" pitchFamily="50" charset="-128"/>
+                <a:ea typeface="Meiryo UI" panose="020B0604030504040204" pitchFamily="50" charset="-128"/>
+                <a:sym typeface="ヒラギノ角ゴ ProN W3"/>
+              </a:rPr>
+              <a:t>・</a:t>
+            </a:r>
+            <a:r>
+              <a:rPr lang="en-US" altLang="ja-JP" sz="1804" dirty="0" err="1" smtClean="0">
+                <a:latin typeface="Meiryo UI" panose="020B0604030504040204" pitchFamily="50" charset="-128"/>
+                <a:ea typeface="Meiryo UI" panose="020B0604030504040204" pitchFamily="50" charset="-128"/>
+                <a:sym typeface="ヒラギノ角ゴ ProN W3"/>
+              </a:rPr>
+              <a:t>FlatList</a:t>
+            </a:r>
+            <a:endParaRPr lang="en-US" altLang="ja-JP" sz="1804" dirty="0" smtClean="0">
+              <a:latin typeface="Meiryo UI" panose="020B0604030504040204" pitchFamily="50" charset="-128"/>
+              <a:ea typeface="Meiryo UI" panose="020B0604030504040204" pitchFamily="50" charset="-128"/>
+              <a:sym typeface="ヒラギノ角ゴ ProN W3"/>
+            </a:endParaRPr>
+          </a:p>
+          <a:p>
+            <a:pPr marL="0" indent="0" defTabSz="554990">
+              <a:lnSpc>
+                <a:spcPct val="100000"/>
+              </a:lnSpc>
+              <a:spcBef>
+                <a:spcPts val="0"/>
+              </a:spcBef>
+              <a:buSzTx/>
+              <a:buFontTx/>
+              <a:buNone/>
+              <a:defRPr sz="1804">
+                <a:latin typeface="ヒラギノ角ゴ ProN W3"/>
+                <a:ea typeface="ヒラギノ角ゴ ProN W3"/>
+                <a:cs typeface="ヒラギノ角ゴ ProN W3"/>
+                <a:sym typeface="ヒラギノ角ゴ ProN W3"/>
+              </a:defRPr>
+            </a:pPr>
+            <a:r>
+              <a:rPr lang="ja-JP" altLang="en-US" sz="1804" dirty="0" smtClean="0">
+                <a:latin typeface="Meiryo UI" panose="020B0604030504040204" pitchFamily="50" charset="-128"/>
+                <a:ea typeface="Meiryo UI" panose="020B0604030504040204" pitchFamily="50" charset="-128"/>
+                <a:sym typeface="ヒラギノ角ゴ ProN W3"/>
+              </a:rPr>
+              <a:t>・</a:t>
+            </a:r>
+            <a:r>
+              <a:rPr lang="en-US" altLang="ja-JP" sz="1804" dirty="0" err="1" smtClean="0">
+                <a:latin typeface="Meiryo UI" panose="020B0604030504040204" pitchFamily="50" charset="-128"/>
+                <a:ea typeface="Meiryo UI" panose="020B0604030504040204" pitchFamily="50" charset="-128"/>
+                <a:sym typeface="ヒラギノ角ゴ ProN W3"/>
+              </a:rPr>
+              <a:t>SectionList</a:t>
+            </a:r>
+            <a:endParaRPr dirty="0">
+              <a:latin typeface="Meiryo UI" panose="020B0604030504040204" pitchFamily="50" charset="-128"/>
+              <a:ea typeface="Meiryo UI" panose="020B0604030504040204" pitchFamily="50" charset="-128"/>
+            </a:endParaRPr>
+          </a:p>
+        </p:txBody>
+      </p:sp>
+      <p:grpSp>
+        <p:nvGrpSpPr>
+          <p:cNvPr id="10" name="グループ化 9"/>
+          <p:cNvGrpSpPr/>
+          <p:nvPr/>
+        </p:nvGrpSpPr>
+        <p:grpSpPr>
+          <a:xfrm>
+            <a:off x="5486455" y="3005565"/>
+            <a:ext cx="1950665" cy="824462"/>
+            <a:chOff x="6807200" y="2118020"/>
+            <a:chExt cx="3859023" cy="1204948"/>
+          </a:xfrm>
+        </p:grpSpPr>
+        <p:sp>
+          <p:nvSpPr>
+            <p:cNvPr id="11" name="角丸四角形吹き出し 10"/>
+            <p:cNvSpPr/>
+            <p:nvPr/>
+          </p:nvSpPr>
+          <p:spPr>
+            <a:xfrm>
+              <a:off x="6807200" y="2118020"/>
+              <a:ext cx="3859023" cy="1204948"/>
+            </a:xfrm>
+            <a:prstGeom prst="wedgeRoundRectCallout">
+              <a:avLst>
+                <a:gd name="adj1" fmla="val -57635"/>
+                <a:gd name="adj2" fmla="val -18807"/>
+                <a:gd name="adj3" fmla="val 16667"/>
+              </a:avLst>
+            </a:prstGeom>
+            <a:solidFill>
+              <a:srgbClr val="FFFFFF"/>
+            </a:solidFill>
+            <a:ln w="12700" cap="flat">
+              <a:solidFill>
+                <a:schemeClr val="accent1"/>
+              </a:solidFill>
+              <a:prstDash val="solid"/>
+              <a:miter lim="800000"/>
+            </a:ln>
+            <a:effectLst/>
+            <a:sp3d/>
+          </p:spPr>
+          <p:style>
+            <a:lnRef idx="0">
+              <a:scrgbClr r="0" g="0" b="0"/>
+            </a:lnRef>
+            <a:fillRef idx="0">
+              <a:scrgbClr r="0" g="0" b="0"/>
+            </a:fillRef>
+            <a:effectRef idx="0">
+              <a:scrgbClr r="0" g="0" b="0"/>
+            </a:effectRef>
+            <a:fontRef idx="none"/>
+          </p:style>
+          <p:txBody>
+            <a:bodyPr rot="0" spcFirstLastPara="1" vertOverflow="overflow" horzOverflow="overflow" vert="horz" wrap="square" lIns="45719" tIns="45719" rIns="45719" bIns="45719" numCol="1" spcCol="38100" rtlCol="0" anchor="ctr">
+              <a:spAutoFit/>
+            </a:bodyPr>
+            <a:lstStyle/>
+            <a:p>
+              <a:pPr marL="0" marR="0" indent="0" algn="l" defTabSz="914400" rtl="0" fontAlgn="auto" latinLnBrk="0" hangingPunct="0">
+                <a:lnSpc>
+                  <a:spcPct val="100000"/>
+                </a:lnSpc>
+                <a:spcBef>
+                  <a:spcPts val="0"/>
+                </a:spcBef>
+                <a:spcAft>
+                  <a:spcPts val="0"/>
+                </a:spcAft>
+                <a:buClrTx/>
+                <a:buSzTx/>
+                <a:buFontTx/>
+                <a:buNone/>
+                <a:tabLst/>
+              </a:pPr>
+              <a:endParaRPr kumimoji="0" lang="ja-JP" altLang="en-US" sz="1800" b="0" i="0" u="none" strike="noStrike" cap="none" spc="0" normalizeH="0" baseline="0">
+                <a:ln>
+                  <a:noFill/>
+                </a:ln>
+                <a:solidFill>
+                  <a:srgbClr val="000000"/>
+                </a:solidFill>
+                <a:effectLst/>
+                <a:uFillTx/>
+                <a:latin typeface="Meiryo UI"/>
+                <a:ea typeface="Meiryo UI"/>
+                <a:cs typeface="Meiryo UI"/>
+                <a:sym typeface="Meiryo UI"/>
+              </a:endParaRPr>
+            </a:p>
+          </p:txBody>
+        </p:sp>
+        <p:sp>
+          <p:nvSpPr>
+            <p:cNvPr id="12" name="Shape 102"/>
+            <p:cNvSpPr/>
+            <p:nvPr/>
+          </p:nvSpPr>
+          <p:spPr>
+            <a:xfrm>
+              <a:off x="7103244" y="2268102"/>
+              <a:ext cx="96977" cy="164146"/>
+            </a:xfrm>
+            <a:prstGeom prst="rect">
+              <a:avLst/>
+            </a:prstGeom>
+            <a:ln w="12700">
+              <a:miter lim="400000"/>
+            </a:ln>
+            <a:extLst>
+              <a:ext uri="{C572A759-6A51-4108-AA02-DFA0A04FC94B}">
+                <ma14:wrappingTextBoxFlag xmlns:ma14="http://schemas.microsoft.com/office/mac/drawingml/2011/main" xmlns="" val="1"/>
+              </a:ext>
+            </a:extLst>
+          </p:spPr>
+          <p:txBody>
+            <a:bodyPr wrap="none" lIns="45719" rIns="45719">
+              <a:spAutoFit/>
+            </a:bodyPr>
+            <a:lstStyle/>
+            <a:p>
+              <a:pPr>
+                <a:defRPr sz="1600"/>
+              </a:pPr>
+              <a:endParaRPr lang="en-US" altLang="ja-JP" sz="1400" dirty="0" smtClean="0"/>
+            </a:p>
+          </p:txBody>
+        </p:sp>
+      </p:grpSp>
+      <p:sp>
+        <p:nvSpPr>
+          <p:cNvPr id="16" name="Shape 102"/>
+          <p:cNvSpPr/>
+          <p:nvPr/>
+        </p:nvSpPr>
+        <p:spPr>
+          <a:xfrm>
+            <a:off x="5598063" y="3149200"/>
+            <a:ext cx="92396" cy="307777"/>
+          </a:xfrm>
+          <a:prstGeom prst="rect">
+            <a:avLst/>
+          </a:prstGeom>
+          <a:ln w="12700">
+            <a:miter lim="400000"/>
+          </a:ln>
+          <a:extLst>
+            <a:ext uri="{C572A759-6A51-4108-AA02-DFA0A04FC94B}">
+              <ma14:wrappingTextBoxFlag xmlns:ma14="http://schemas.microsoft.com/office/mac/drawingml/2011/main" xmlns="" val="1"/>
+            </a:ext>
+          </a:extLst>
+        </p:spPr>
+        <p:txBody>
+          <a:bodyPr wrap="none" lIns="45719" rIns="45719">
+            <a:spAutoFit/>
+          </a:bodyPr>
+          <a:lstStyle/>
+          <a:p>
+            <a:pPr>
+              <a:defRPr sz="1600"/>
+            </a:pPr>
+            <a:endParaRPr lang="en-US" altLang="ja-JP" sz="1400" dirty="0" smtClean="0"/>
+          </a:p>
+        </p:txBody>
+      </p:sp>
+      <p:sp>
+        <p:nvSpPr>
+          <p:cNvPr id="6" name="テキスト ボックス 5"/>
+          <p:cNvSpPr txBox="1"/>
+          <p:nvPr/>
+        </p:nvSpPr>
+        <p:spPr>
+          <a:xfrm>
+            <a:off x="503369" y="2879604"/>
+            <a:ext cx="6116887" cy="4431978"/>
+          </a:xfrm>
+          <a:prstGeom prst="rect">
+            <a:avLst/>
+          </a:prstGeom>
+          <a:noFill/>
+          <a:ln w="12700" cap="flat">
+            <a:noFill/>
+            <a:miter lim="400000"/>
+          </a:ln>
+          <a:effectLst/>
+          <a:sp3d/>
+        </p:spPr>
+        <p:style>
+          <a:lnRef idx="0">
+            <a:scrgbClr r="0" g="0" b="0"/>
+          </a:lnRef>
+          <a:fillRef idx="0">
+            <a:scrgbClr r="0" g="0" b="0"/>
+          </a:fillRef>
+          <a:effectRef idx="0">
+            <a:scrgbClr r="0" g="0" b="0"/>
+          </a:effectRef>
+          <a:fontRef idx="none"/>
+        </p:style>
+        <p:txBody>
+          <a:bodyPr rot="0" spcFirstLastPara="1" vertOverflow="overflow" horzOverflow="overflow" vert="horz" wrap="square" lIns="45718" tIns="45718" rIns="45718" bIns="45718" numCol="1" spcCol="38100" rtlCol="0" anchor="t">
+            <a:spAutoFit/>
+          </a:bodyPr>
+          <a:lstStyle/>
+          <a:p>
+            <a:r>
+              <a:rPr lang="en-US" altLang="ja-JP" sz="1200" dirty="0"/>
+              <a:t>import React, { Component } from 'react';</a:t>
+            </a:r>
+          </a:p>
+          <a:p>
+            <a:r>
+              <a:rPr lang="en-US" altLang="ja-JP" sz="1200" dirty="0"/>
+              <a:t>import { </a:t>
+            </a:r>
+            <a:r>
+              <a:rPr lang="en-US" altLang="ja-JP" sz="1200" dirty="0" err="1" smtClean="0"/>
+              <a:t>SectionList</a:t>
+            </a:r>
+            <a:r>
+              <a:rPr lang="en-US" altLang="ja-JP" sz="1200" dirty="0"/>
+              <a:t>, </a:t>
+            </a:r>
+            <a:r>
+              <a:rPr lang="en-US" altLang="ja-JP" sz="1200" dirty="0" err="1"/>
+              <a:t>StyleSheet</a:t>
+            </a:r>
+            <a:r>
+              <a:rPr lang="en-US" altLang="ja-JP" sz="1200" dirty="0"/>
+              <a:t>, Text, View } from 'react-native';</a:t>
+            </a:r>
+          </a:p>
+          <a:p>
+            <a:endParaRPr lang="en-US" altLang="ja-JP" sz="1200" dirty="0"/>
+          </a:p>
+          <a:p>
+            <a:r>
+              <a:rPr lang="en-US" altLang="ja-JP" sz="1200" dirty="0"/>
+              <a:t>export default class </a:t>
+            </a:r>
+            <a:r>
+              <a:rPr lang="en-US" altLang="ja-JP" sz="1200" dirty="0" err="1"/>
+              <a:t>SectionListBasics</a:t>
+            </a:r>
+            <a:r>
+              <a:rPr lang="en-US" altLang="ja-JP" sz="1200" dirty="0"/>
+              <a:t> extends Component {</a:t>
+            </a:r>
+          </a:p>
+          <a:p>
+            <a:r>
+              <a:rPr lang="en-US" altLang="ja-JP" sz="1200" dirty="0"/>
+              <a:t>  render() {</a:t>
+            </a:r>
+          </a:p>
+          <a:p>
+            <a:r>
+              <a:rPr lang="en-US" altLang="ja-JP" sz="1200" dirty="0"/>
+              <a:t>    return (</a:t>
+            </a:r>
+          </a:p>
+          <a:p>
+            <a:r>
+              <a:rPr lang="en-US" altLang="ja-JP" sz="1200" dirty="0"/>
+              <a:t>      &lt;View style={</a:t>
+            </a:r>
+            <a:r>
+              <a:rPr lang="en-US" altLang="ja-JP" sz="1200" dirty="0" err="1"/>
+              <a:t>styles.container</a:t>
+            </a:r>
+            <a:r>
+              <a:rPr lang="en-US" altLang="ja-JP" sz="1200" dirty="0"/>
+              <a:t>}&gt;</a:t>
+            </a:r>
+          </a:p>
+          <a:p>
+            <a:r>
+              <a:rPr lang="en-US" altLang="ja-JP" sz="1200" dirty="0"/>
+              <a:t>        &lt;</a:t>
+            </a:r>
+            <a:r>
+              <a:rPr lang="en-US" altLang="ja-JP" sz="1200" dirty="0" err="1"/>
+              <a:t>SectionList</a:t>
+            </a:r>
+            <a:endParaRPr lang="en-US" altLang="ja-JP" sz="1200" dirty="0"/>
+          </a:p>
+          <a:p>
+            <a:r>
+              <a:rPr lang="en-US" altLang="ja-JP" sz="1200" dirty="0"/>
+              <a:t>          sections={[</a:t>
+            </a:r>
+          </a:p>
+          <a:p>
+            <a:r>
+              <a:rPr lang="en-US" altLang="ja-JP" sz="1200" dirty="0"/>
+              <a:t>            {title: 'D', data: ['Devin']},</a:t>
+            </a:r>
+          </a:p>
+          <a:p>
+            <a:r>
+              <a:rPr lang="en-US" altLang="ja-JP" sz="1200" dirty="0"/>
+              <a:t>            {title: 'J', data: ['Jackson', 'James', 'Jillian', 'Jimmy', 'Joel', 'John', 'Julie']},</a:t>
+            </a:r>
+          </a:p>
+          <a:p>
+            <a:r>
+              <a:rPr lang="en-US" altLang="ja-JP" sz="1200" dirty="0"/>
+              <a:t>          ]}</a:t>
+            </a:r>
+          </a:p>
+          <a:p>
+            <a:r>
+              <a:rPr lang="en-US" altLang="ja-JP" sz="1200" dirty="0"/>
+              <a:t>          </a:t>
+            </a:r>
+            <a:r>
+              <a:rPr lang="en-US" altLang="ja-JP" sz="1200" dirty="0" err="1"/>
+              <a:t>renderItem</a:t>
+            </a:r>
+            <a:r>
+              <a:rPr lang="en-US" altLang="ja-JP" sz="1200" dirty="0"/>
+              <a:t>={({item}) =&gt; &lt;Text style={</a:t>
+            </a:r>
+            <a:r>
+              <a:rPr lang="en-US" altLang="ja-JP" sz="1200" dirty="0" err="1"/>
+              <a:t>styles.item</a:t>
+            </a:r>
+            <a:r>
+              <a:rPr lang="en-US" altLang="ja-JP" sz="1200" dirty="0"/>
+              <a:t>}&gt;{item}&lt;/Text&gt;}</a:t>
+            </a:r>
+          </a:p>
+          <a:p>
+            <a:r>
+              <a:rPr lang="en-US" altLang="ja-JP" sz="1200" dirty="0"/>
+              <a:t>          </a:t>
+            </a:r>
+            <a:r>
+              <a:rPr lang="en-US" altLang="ja-JP" sz="1200" dirty="0" err="1"/>
+              <a:t>renderSectionHeader</a:t>
+            </a:r>
+            <a:r>
+              <a:rPr lang="en-US" altLang="ja-JP" sz="1200" dirty="0"/>
+              <a:t>={({section}) =&gt; &lt;Text style={</a:t>
+            </a:r>
+            <a:r>
+              <a:rPr lang="en-US" altLang="ja-JP" sz="1200" dirty="0" err="1"/>
+              <a:t>styles.sectionHeader</a:t>
+            </a:r>
+            <a:r>
+              <a:rPr lang="en-US" altLang="ja-JP" sz="1200" dirty="0"/>
+              <a:t>}&gt;{</a:t>
+            </a:r>
+            <a:r>
+              <a:rPr lang="en-US" altLang="ja-JP" sz="1200" dirty="0" err="1"/>
+              <a:t>section.title</a:t>
+            </a:r>
+            <a:r>
+              <a:rPr lang="en-US" altLang="ja-JP" sz="1200" dirty="0"/>
+              <a:t>}&lt;/Text&gt;}</a:t>
+            </a:r>
+          </a:p>
+          <a:p>
+            <a:r>
+              <a:rPr lang="en-US" altLang="ja-JP" sz="1200" dirty="0"/>
+              <a:t>          </a:t>
+            </a:r>
+            <a:r>
+              <a:rPr lang="en-US" altLang="ja-JP" sz="1200" dirty="0" err="1"/>
+              <a:t>keyExtractor</a:t>
+            </a:r>
+            <a:r>
+              <a:rPr lang="en-US" altLang="ja-JP" sz="1200" dirty="0"/>
+              <a:t>={(item, index) =&gt; index}</a:t>
+            </a:r>
+          </a:p>
+          <a:p>
+            <a:r>
+              <a:rPr lang="en-US" altLang="ja-JP" sz="1200" dirty="0"/>
+              <a:t>        /&gt;</a:t>
+            </a:r>
+          </a:p>
+          <a:p>
+            <a:r>
+              <a:rPr lang="en-US" altLang="ja-JP" sz="1200" dirty="0"/>
+              <a:t>      &lt;/View&gt;</a:t>
+            </a:r>
+          </a:p>
+          <a:p>
+            <a:r>
+              <a:rPr lang="en-US" altLang="ja-JP" sz="1200" dirty="0"/>
+              <a:t>    );</a:t>
+            </a:r>
+          </a:p>
+          <a:p>
+            <a:r>
+              <a:rPr lang="en-US" altLang="ja-JP" sz="1200" dirty="0"/>
+              <a:t>  }</a:t>
+            </a:r>
+          </a:p>
+          <a:p>
+            <a:r>
+              <a:rPr lang="en-US" altLang="ja-JP" sz="1200" dirty="0"/>
+              <a:t>}</a:t>
+            </a:r>
+            <a:r>
+              <a:rPr lang="en-US" altLang="ja-JP" sz="1200" dirty="0" smtClean="0"/>
+              <a:t/>
+            </a:r>
+            <a:br>
+              <a:rPr lang="en-US" altLang="ja-JP" sz="1200" dirty="0" smtClean="0"/>
+            </a:br>
+            <a:endParaRPr lang="en-US" altLang="ja-JP" sz="1200" dirty="0" smtClean="0"/>
+          </a:p>
+          <a:p>
+            <a:pPr marL="0" marR="0" indent="0" algn="l" defTabSz="914400" rtl="0" fontAlgn="auto" latinLnBrk="0" hangingPunct="0">
+              <a:lnSpc>
+                <a:spcPct val="100000"/>
+              </a:lnSpc>
+              <a:spcBef>
+                <a:spcPts val="0"/>
+              </a:spcBef>
+              <a:spcAft>
+                <a:spcPts val="0"/>
+              </a:spcAft>
+              <a:buClrTx/>
+              <a:buSzTx/>
+              <a:buFontTx/>
+              <a:buNone/>
+              <a:tabLst/>
+            </a:pPr>
+            <a:endParaRPr kumimoji="0" lang="ja-JP" altLang="en-US" sz="1800" b="0" i="0" u="none" strike="noStrike" cap="none" spc="0" normalizeH="0" baseline="0" dirty="0">
+              <a:ln>
+                <a:noFill/>
+              </a:ln>
+              <a:solidFill>
+                <a:srgbClr val="000000"/>
+              </a:solidFill>
+              <a:effectLst/>
+              <a:uFillTx/>
+              <a:latin typeface="+mn-lt"/>
+              <a:ea typeface="+mn-ea"/>
+              <a:cs typeface="+mn-cs"/>
+              <a:sym typeface="Helvetica"/>
+            </a:endParaRPr>
+          </a:p>
+        </p:txBody>
+      </p:sp>
+      <p:sp>
+        <p:nvSpPr>
+          <p:cNvPr id="26" name="Shape 118"/>
+          <p:cNvSpPr/>
+          <p:nvPr/>
+        </p:nvSpPr>
+        <p:spPr>
+          <a:xfrm>
+            <a:off x="500188" y="4028799"/>
+            <a:ext cx="5504522" cy="2194201"/>
+          </a:xfrm>
+          <a:prstGeom prst="rect">
+            <a:avLst/>
+          </a:prstGeom>
+          <a:ln w="12700">
+            <a:solidFill>
+              <a:srgbClr val="FF2600"/>
+            </a:solidFill>
+            <a:miter/>
+          </a:ln>
+        </p:spPr>
+        <p:txBody>
+          <a:bodyPr lIns="45719" rIns="45719" anchor="ctr"/>
+          <a:lstStyle/>
+          <a:p>
+            <a:endParaRPr/>
+          </a:p>
+        </p:txBody>
+      </p:sp>
+      <p:sp>
+        <p:nvSpPr>
+          <p:cNvPr id="118" name="Shape 118"/>
+          <p:cNvSpPr/>
+          <p:nvPr/>
+        </p:nvSpPr>
+        <p:spPr>
+          <a:xfrm>
+            <a:off x="1065079" y="3078551"/>
+            <a:ext cx="845747" cy="255729"/>
+          </a:xfrm>
+          <a:prstGeom prst="rect">
+            <a:avLst/>
+          </a:prstGeom>
+          <a:ln w="12700">
+            <a:solidFill>
+              <a:srgbClr val="FF2600"/>
+            </a:solidFill>
+            <a:miter/>
+          </a:ln>
+        </p:spPr>
+        <p:txBody>
+          <a:bodyPr lIns="45719" rIns="45719" anchor="ctr"/>
+          <a:lstStyle/>
+          <a:p>
+            <a:endParaRPr/>
+          </a:p>
+        </p:txBody>
+      </p:sp>
+      <p:sp>
+        <p:nvSpPr>
+          <p:cNvPr id="3" name="テキスト ボックス 2"/>
+          <p:cNvSpPr txBox="1"/>
+          <p:nvPr/>
+        </p:nvSpPr>
+        <p:spPr>
+          <a:xfrm>
+            <a:off x="420250" y="2249164"/>
+            <a:ext cx="7238516" cy="584771"/>
+          </a:xfrm>
+          <a:prstGeom prst="rect">
+            <a:avLst/>
+          </a:prstGeom>
+          <a:noFill/>
+          <a:ln w="12700" cap="flat">
+            <a:noFill/>
+            <a:miter lim="400000"/>
+          </a:ln>
+          <a:effectLst/>
+          <a:sp3d/>
+        </p:spPr>
+        <p:style>
+          <a:lnRef idx="0">
+            <a:scrgbClr r="0" g="0" b="0"/>
+          </a:lnRef>
+          <a:fillRef idx="0">
+            <a:scrgbClr r="0" g="0" b="0"/>
+          </a:fillRef>
+          <a:effectRef idx="0">
+            <a:scrgbClr r="0" g="0" b="0"/>
+          </a:effectRef>
+          <a:fontRef idx="none"/>
+        </p:style>
+        <p:txBody>
+          <a:bodyPr rot="0" spcFirstLastPara="1" vertOverflow="overflow" horzOverflow="overflow" vert="horz" wrap="none" lIns="45718" tIns="45718" rIns="45718" bIns="45718" numCol="1" spcCol="38100" rtlCol="0" anchor="t">
+            <a:spAutoFit/>
+          </a:bodyPr>
+          <a:lstStyle/>
+          <a:p>
+            <a:r>
+              <a:rPr lang="ja-JP" altLang="en-US" dirty="0" smtClean="0">
+                <a:latin typeface="Meiryo UI" panose="020B0604030504040204" pitchFamily="50" charset="-128"/>
+                <a:ea typeface="Meiryo UI" panose="020B0604030504040204" pitchFamily="50" charset="-128"/>
+              </a:rPr>
+              <a:t>・</a:t>
+            </a:r>
+            <a:r>
+              <a:rPr lang="en-US" altLang="ja-JP" dirty="0" err="1" smtClean="0">
+                <a:latin typeface="Meiryo UI" panose="020B0604030504040204" pitchFamily="50" charset="-128"/>
+                <a:ea typeface="Meiryo UI" panose="020B0604030504040204" pitchFamily="50" charset="-128"/>
+              </a:rPr>
+              <a:t>SectionList</a:t>
+            </a:r>
+            <a:endParaRPr lang="en-US" altLang="ja-JP" sz="1400" dirty="0" smtClean="0">
+              <a:latin typeface="Meiryo UI" panose="020B0604030504040204" pitchFamily="50" charset="-128"/>
+              <a:ea typeface="Meiryo UI" panose="020B0604030504040204" pitchFamily="50" charset="-128"/>
+            </a:endParaRPr>
+          </a:p>
+          <a:p>
+            <a:r>
+              <a:rPr lang="en-US" altLang="ja-JP" sz="1400" dirty="0"/>
+              <a:t> </a:t>
+            </a:r>
+            <a:r>
+              <a:rPr lang="en-US" altLang="ja-JP" sz="1400" dirty="0" smtClean="0"/>
+              <a:t> </a:t>
+            </a:r>
+            <a:r>
+              <a:rPr lang="ja-JP" altLang="en-US" sz="1400" dirty="0" smtClean="0">
+                <a:latin typeface="Meiryo UI" panose="020B0604030504040204" pitchFamily="50" charset="-128"/>
+                <a:ea typeface="Meiryo UI" panose="020B0604030504040204" pitchFamily="50" charset="-128"/>
+              </a:rPr>
+              <a:t>セクションヘッダー</a:t>
+            </a:r>
+            <a:r>
+              <a:rPr lang="ja-JP" altLang="en-US" sz="1400" dirty="0">
+                <a:latin typeface="Meiryo UI" panose="020B0604030504040204" pitchFamily="50" charset="-128"/>
+                <a:ea typeface="Meiryo UI" panose="020B0604030504040204" pitchFamily="50" charset="-128"/>
+              </a:rPr>
+              <a:t>を使用して、論理的なセクションに分割された一連のデータを</a:t>
+            </a:r>
+            <a:r>
+              <a:rPr lang="ja-JP" altLang="en-US" sz="1400" dirty="0" smtClean="0">
+                <a:latin typeface="Meiryo UI" panose="020B0604030504040204" pitchFamily="50" charset="-128"/>
+                <a:ea typeface="Meiryo UI" panose="020B0604030504040204" pitchFamily="50" charset="-128"/>
+              </a:rPr>
+              <a:t>レンダリングが出来ます。</a:t>
+            </a:r>
+            <a:endParaRPr lang="ja-JP" altLang="en-US" sz="1400" dirty="0">
+              <a:latin typeface="Meiryo UI" panose="020B0604030504040204" pitchFamily="50" charset="-128"/>
+              <a:ea typeface="Meiryo UI" panose="020B0604030504040204" pitchFamily="50" charset="-128"/>
+            </a:endParaRPr>
+          </a:p>
+        </p:txBody>
+      </p:sp>
+      <p:grpSp>
+        <p:nvGrpSpPr>
+          <p:cNvPr id="4" name="グループ化 3"/>
+          <p:cNvGrpSpPr/>
+          <p:nvPr/>
+        </p:nvGrpSpPr>
+        <p:grpSpPr>
+          <a:xfrm>
+            <a:off x="5971256" y="4737650"/>
+            <a:ext cx="3597501" cy="1941627"/>
             <a:chOff x="5638855" y="2677209"/>
             <a:chExt cx="2617526" cy="824461"/>
           </a:xfrm>
@@ -5986,403 +8183,376 @@
       </p:grpSp>
       <p:sp>
         <p:nvSpPr>
-          <p:cNvPr id="6" name="テキスト ボックス 5"/>
-          <p:cNvSpPr txBox="1"/>
-          <p:nvPr/>
-        </p:nvSpPr>
-        <p:spPr>
-          <a:xfrm>
-            <a:off x="503369" y="2879604"/>
-            <a:ext cx="6023773" cy="4616644"/>
-          </a:xfrm>
-          <a:prstGeom prst="rect">
-            <a:avLst/>
-          </a:prstGeom>
-          <a:noFill/>
-          <a:ln w="12700" cap="flat">
-            <a:noFill/>
-            <a:miter lim="400000"/>
-          </a:ln>
-          <a:effectLst/>
-          <a:sp3d/>
-        </p:spPr>
-        <p:style>
-          <a:lnRef idx="0">
-            <a:scrgbClr r="0" g="0" b="0"/>
-          </a:lnRef>
-          <a:fillRef idx="0">
-            <a:scrgbClr r="0" g="0" b="0"/>
-          </a:fillRef>
-          <a:effectRef idx="0">
-            <a:scrgbClr r="0" g="0" b="0"/>
-          </a:effectRef>
-          <a:fontRef idx="none"/>
-        </p:style>
-        <p:txBody>
-          <a:bodyPr rot="0" spcFirstLastPara="1" vertOverflow="overflow" horzOverflow="overflow" vert="horz" wrap="square" lIns="45718" tIns="45718" rIns="45718" bIns="45718" numCol="1" spcCol="38100" rtlCol="0" anchor="t">
-            <a:spAutoFit/>
-          </a:bodyPr>
-          <a:lstStyle/>
-          <a:p>
-            <a:r>
-              <a:rPr lang="en-US" altLang="ja-JP" sz="1200" dirty="0"/>
-              <a:t>import React, { Component } from 'react';</a:t>
-            </a:r>
-          </a:p>
-          <a:p>
-            <a:r>
-              <a:rPr lang="en-US" altLang="ja-JP" sz="1200" dirty="0"/>
-              <a:t>import { Registry, </a:t>
-            </a:r>
-            <a:r>
-              <a:rPr lang="en-US" altLang="ja-JP" sz="1200" dirty="0" err="1"/>
-              <a:t>FlatList</a:t>
-            </a:r>
-            <a:r>
-              <a:rPr lang="en-US" altLang="ja-JP" sz="1200" dirty="0"/>
-              <a:t>, </a:t>
-            </a:r>
-            <a:r>
-              <a:rPr lang="en-US" altLang="ja-JP" sz="1200" dirty="0" err="1"/>
-              <a:t>StyleSheet</a:t>
-            </a:r>
-            <a:r>
-              <a:rPr lang="en-US" altLang="ja-JP" sz="1200" dirty="0"/>
-              <a:t>, Text, View } from 'react-native';</a:t>
-            </a:r>
-          </a:p>
-          <a:p>
-            <a:r>
-              <a:rPr lang="en-US" altLang="ja-JP" sz="1200" dirty="0"/>
-              <a:t/>
-            </a:r>
-            <a:br>
-              <a:rPr lang="en-US" altLang="ja-JP" sz="1200" dirty="0"/>
-            </a:br>
-            <a:r>
-              <a:rPr lang="en-US" altLang="ja-JP" sz="1200" dirty="0"/>
-              <a:t>export default class </a:t>
-            </a:r>
-            <a:r>
-              <a:rPr lang="en-US" altLang="ja-JP" sz="1200" dirty="0" err="1"/>
-              <a:t>FlatListBasics</a:t>
-            </a:r>
-            <a:r>
-              <a:rPr lang="en-US" altLang="ja-JP" sz="1200" dirty="0"/>
-              <a:t> extends Component {</a:t>
-            </a:r>
-          </a:p>
-          <a:p>
-            <a:r>
-              <a:rPr lang="en-US" altLang="ja-JP" sz="1200" dirty="0"/>
-              <a:t>render() {</a:t>
-            </a:r>
-          </a:p>
-          <a:p>
-            <a:r>
-              <a:rPr lang="en-US" altLang="ja-JP" sz="1200" dirty="0"/>
-              <a:t>return (</a:t>
-            </a:r>
-          </a:p>
-          <a:p>
-            <a:r>
-              <a:rPr lang="en-US" altLang="ja-JP" sz="1200" dirty="0"/>
-              <a:t>&lt;View style={</a:t>
-            </a:r>
-            <a:r>
-              <a:rPr lang="en-US" altLang="ja-JP" sz="1200" dirty="0" err="1"/>
-              <a:t>styles.container</a:t>
-            </a:r>
-            <a:r>
-              <a:rPr lang="en-US" altLang="ja-JP" sz="1200" dirty="0"/>
-              <a:t>}&gt;</a:t>
-            </a:r>
-          </a:p>
-          <a:p>
-            <a:r>
-              <a:rPr lang="en-US" altLang="ja-JP" sz="1200" dirty="0"/>
-              <a:t>&lt;</a:t>
-            </a:r>
-            <a:r>
-              <a:rPr lang="en-US" altLang="ja-JP" sz="1200" dirty="0" err="1"/>
-              <a:t>FlatList</a:t>
-            </a:r>
-            <a:endParaRPr lang="en-US" altLang="ja-JP" sz="1200" dirty="0"/>
-          </a:p>
-          <a:p>
-            <a:r>
-              <a:rPr lang="en-US" altLang="ja-JP" sz="1200" dirty="0"/>
-              <a:t>data={[</a:t>
-            </a:r>
-          </a:p>
-          <a:p>
-            <a:r>
-              <a:rPr lang="en-US" altLang="ja-JP" sz="1200" dirty="0"/>
-              <a:t>{key: 'Devin'},</a:t>
-            </a:r>
-          </a:p>
-          <a:p>
-            <a:r>
-              <a:rPr lang="en-US" altLang="ja-JP" sz="1200" dirty="0"/>
-              <a:t>{key: 'Jackson'},</a:t>
-            </a:r>
-          </a:p>
-          <a:p>
-            <a:r>
-              <a:rPr lang="en-US" altLang="ja-JP" sz="1200" dirty="0"/>
-              <a:t>{key: 'James'},</a:t>
-            </a:r>
-          </a:p>
-          <a:p>
-            <a:r>
-              <a:rPr lang="en-US" altLang="ja-JP" sz="1200" dirty="0"/>
-              <a:t>{key: 'Joel</a:t>
-            </a:r>
-            <a:r>
-              <a:rPr lang="en-US" altLang="ja-JP" sz="1200" dirty="0" smtClean="0"/>
-              <a:t>'},</a:t>
-            </a:r>
-          </a:p>
-          <a:p>
-            <a:r>
-              <a:rPr lang="en-US" altLang="ja-JP" sz="1200" dirty="0" smtClean="0"/>
-              <a:t>{key: 'John'},</a:t>
-            </a:r>
-          </a:p>
-          <a:p>
-            <a:r>
-              <a:rPr lang="en-US" altLang="ja-JP" sz="1200" dirty="0" smtClean="0"/>
-              <a:t>]}</a:t>
-            </a:r>
-          </a:p>
-          <a:p>
-            <a:r>
-              <a:rPr lang="en-US" altLang="ja-JP" sz="1200" dirty="0" err="1" smtClean="0"/>
-              <a:t>renderItem</a:t>
-            </a:r>
-            <a:r>
-              <a:rPr lang="en-US" altLang="ja-JP" sz="1200" dirty="0"/>
-              <a:t>={({item}) =&gt; &lt;Text style={</a:t>
-            </a:r>
-            <a:r>
-              <a:rPr lang="en-US" altLang="ja-JP" sz="1200" dirty="0" err="1"/>
-              <a:t>styles.item</a:t>
-            </a:r>
-            <a:r>
-              <a:rPr lang="en-US" altLang="ja-JP" sz="1200" dirty="0"/>
-              <a:t>}&gt;{</a:t>
-            </a:r>
-            <a:r>
-              <a:rPr lang="en-US" altLang="ja-JP" sz="1200" dirty="0" err="1"/>
-              <a:t>item.key</a:t>
-            </a:r>
-            <a:r>
-              <a:rPr lang="en-US" altLang="ja-JP" sz="1200" dirty="0"/>
-              <a:t>}&lt;/Text&gt;}</a:t>
-            </a:r>
-          </a:p>
-          <a:p>
-            <a:r>
-              <a:rPr lang="en-US" altLang="ja-JP" sz="1200" dirty="0"/>
-              <a:t>/&gt;</a:t>
-            </a:r>
-          </a:p>
-          <a:p>
-            <a:r>
-              <a:rPr lang="en-US" altLang="ja-JP" sz="1200" dirty="0"/>
-              <a:t>&lt;/View&gt;</a:t>
-            </a:r>
-          </a:p>
-          <a:p>
-            <a:r>
-              <a:rPr lang="en-US" altLang="ja-JP" sz="1200" dirty="0"/>
-              <a:t>);</a:t>
-            </a:r>
-          </a:p>
-          <a:p>
-            <a:r>
-              <a:rPr lang="en-US" altLang="ja-JP" sz="1200" dirty="0"/>
-              <a:t>}</a:t>
-            </a:r>
-          </a:p>
-          <a:p>
-            <a:r>
-              <a:rPr lang="en-US" altLang="ja-JP" sz="1200" dirty="0"/>
-              <a:t>}</a:t>
-            </a:r>
-          </a:p>
-          <a:p>
-            <a:r>
-              <a:rPr lang="en-US" altLang="ja-JP" sz="1200" dirty="0" smtClean="0"/>
-              <a:t/>
-            </a:r>
-            <a:br>
-              <a:rPr lang="en-US" altLang="ja-JP" sz="1200" dirty="0" smtClean="0"/>
-            </a:br>
-            <a:endParaRPr lang="en-US" altLang="ja-JP" sz="1200" dirty="0" smtClean="0"/>
-          </a:p>
-          <a:p>
-            <a:pPr marL="0" marR="0" indent="0" algn="l" defTabSz="914400" rtl="0" fontAlgn="auto" latinLnBrk="0" hangingPunct="0">
-              <a:lnSpc>
-                <a:spcPct val="100000"/>
-              </a:lnSpc>
-              <a:spcBef>
-                <a:spcPts val="0"/>
-              </a:spcBef>
-              <a:spcAft>
-                <a:spcPts val="0"/>
-              </a:spcAft>
-              <a:buClrTx/>
-              <a:buSzTx/>
-              <a:buFontTx/>
-              <a:buNone/>
-              <a:tabLst/>
-            </a:pPr>
-            <a:endParaRPr kumimoji="0" lang="ja-JP" altLang="en-US" sz="1800" b="0" i="0" u="none" strike="noStrike" cap="none" spc="0" normalizeH="0" baseline="0" dirty="0">
-              <a:ln>
-                <a:noFill/>
-              </a:ln>
-              <a:solidFill>
-                <a:srgbClr val="000000"/>
-              </a:solidFill>
-              <a:effectLst/>
-              <a:uFillTx/>
-              <a:latin typeface="+mn-lt"/>
-              <a:ea typeface="+mn-ea"/>
-              <a:cs typeface="+mn-cs"/>
-              <a:sym typeface="Helvetica"/>
-            </a:endParaRPr>
-          </a:p>
-        </p:txBody>
-      </p:sp>
-      <p:sp>
-        <p:nvSpPr>
-          <p:cNvPr id="26" name="Shape 118"/>
+          <p:cNvPr id="22" name="Shape 102"/>
           <p:cNvSpPr/>
           <p:nvPr/>
         </p:nvSpPr>
         <p:spPr>
           <a:xfrm>
-            <a:off x="500188" y="4028799"/>
-            <a:ext cx="4906516" cy="2194201"/>
+            <a:off x="5728496" y="3144583"/>
+            <a:ext cx="1347483" cy="523220"/>
           </a:xfrm>
           <a:prstGeom prst="rect">
             <a:avLst/>
           </a:prstGeom>
           <a:ln w="12700">
-            <a:solidFill>
-              <a:srgbClr val="FF2600"/>
-            </a:solidFill>
-            <a:miter/>
+            <a:miter lim="400000"/>
           </a:ln>
+          <a:extLst>
+            <a:ext uri="{C572A759-6A51-4108-AA02-DFA0A04FC94B}">
+              <ma14:wrappingTextBoxFlag xmlns:ma14="http://schemas.microsoft.com/office/mac/drawingml/2011/main" xmlns="" val="1"/>
+            </a:ext>
+          </a:extLst>
         </p:spPr>
         <p:txBody>
-          <a:bodyPr lIns="45719" rIns="45719" anchor="ctr"/>
+          <a:bodyPr wrap="none" lIns="45719" rIns="45719">
+            <a:spAutoFit/>
+          </a:bodyPr>
           <a:lstStyle/>
           <a:p>
-            <a:endParaRPr/>
+            <a:pPr>
+              <a:defRPr sz="1600"/>
+            </a:pPr>
+            <a:r>
+              <a:rPr lang="ja-JP" altLang="en-US" sz="1400" dirty="0" smtClean="0">
+                <a:latin typeface="Meiryo UI" panose="020B0604030504040204" pitchFamily="50" charset="-128"/>
+                <a:ea typeface="Meiryo UI" panose="020B0604030504040204" pitchFamily="50" charset="-128"/>
+              </a:rPr>
+              <a:t>①</a:t>
+            </a:r>
+            <a:r>
+              <a:rPr lang="en-US" altLang="ja-JP" sz="1400" dirty="0" err="1" smtClean="0">
+                <a:latin typeface="Meiryo UI" panose="020B0604030504040204" pitchFamily="50" charset="-128"/>
+                <a:ea typeface="Meiryo UI" panose="020B0604030504040204" pitchFamily="50" charset="-128"/>
+              </a:rPr>
+              <a:t>SectionList</a:t>
+            </a:r>
+            <a:r>
+              <a:rPr lang="ja-JP" altLang="en-US" sz="1400" dirty="0" smtClean="0">
+                <a:latin typeface="Meiryo UI" panose="020B0604030504040204" pitchFamily="50" charset="-128"/>
+                <a:ea typeface="Meiryo UI" panose="020B0604030504040204" pitchFamily="50" charset="-128"/>
+              </a:rPr>
+              <a:t>を</a:t>
+            </a:r>
+            <a:endParaRPr lang="en-US" altLang="ja-JP" sz="1400" dirty="0" smtClean="0">
+              <a:latin typeface="Meiryo UI" panose="020B0604030504040204" pitchFamily="50" charset="-128"/>
+              <a:ea typeface="Meiryo UI" panose="020B0604030504040204" pitchFamily="50" charset="-128"/>
+            </a:endParaRPr>
+          </a:p>
+          <a:p>
+            <a:pPr>
+              <a:defRPr sz="1600"/>
+            </a:pPr>
+            <a:r>
+              <a:rPr lang="ja-JP" altLang="en-US" sz="1400" dirty="0">
+                <a:latin typeface="Meiryo UI" panose="020B0604030504040204" pitchFamily="50" charset="-128"/>
+                <a:ea typeface="Meiryo UI" panose="020B0604030504040204" pitchFamily="50" charset="-128"/>
+              </a:rPr>
+              <a:t> </a:t>
+            </a:r>
+            <a:r>
+              <a:rPr lang="ja-JP" altLang="en-US" sz="1400" dirty="0" smtClean="0">
+                <a:latin typeface="Meiryo UI" panose="020B0604030504040204" pitchFamily="50" charset="-128"/>
+                <a:ea typeface="Meiryo UI" panose="020B0604030504040204" pitchFamily="50" charset="-128"/>
+              </a:rPr>
+              <a:t>  インポート</a:t>
+            </a:r>
+            <a:endParaRPr lang="en-US" altLang="ja-JP" sz="1400" dirty="0" smtClean="0">
+              <a:latin typeface="Meiryo UI" panose="020B0604030504040204" pitchFamily="50" charset="-128"/>
+              <a:ea typeface="Meiryo UI" panose="020B0604030504040204" pitchFamily="50" charset="-128"/>
+            </a:endParaRPr>
           </a:p>
         </p:txBody>
       </p:sp>
       <p:sp>
         <p:nvSpPr>
-          <p:cNvPr id="118" name="Shape 118"/>
+          <p:cNvPr id="23" name="Shape 102"/>
           <p:cNvSpPr/>
           <p:nvPr/>
         </p:nvSpPr>
         <p:spPr>
           <a:xfrm>
-            <a:off x="1467415" y="3036548"/>
-            <a:ext cx="845747" cy="255729"/>
+            <a:off x="6199785" y="4933523"/>
+            <a:ext cx="2937662" cy="1600438"/>
           </a:xfrm>
           <a:prstGeom prst="rect">
             <a:avLst/>
           </a:prstGeom>
           <a:ln w="12700">
-            <a:solidFill>
-              <a:srgbClr val="FF2600"/>
-            </a:solidFill>
-            <a:miter/>
+            <a:miter lim="400000"/>
           </a:ln>
+          <a:extLst>
+            <a:ext uri="{C572A759-6A51-4108-AA02-DFA0A04FC94B}">
+              <ma14:wrappingTextBoxFlag xmlns:ma14="http://schemas.microsoft.com/office/mac/drawingml/2011/main" xmlns="" val="1"/>
+            </a:ext>
+          </a:extLst>
         </p:spPr>
         <p:txBody>
-          <a:bodyPr lIns="45719" rIns="45719" anchor="ctr"/>
+          <a:bodyPr wrap="none" lIns="45719" rIns="45719">
+            <a:spAutoFit/>
+          </a:bodyPr>
           <a:lstStyle/>
           <a:p>
-            <a:endParaRPr/>
+            <a:pPr>
+              <a:defRPr sz="1600"/>
+            </a:pPr>
+            <a:r>
+              <a:rPr lang="ja-JP" altLang="en-US" sz="1400" dirty="0" smtClean="0">
+                <a:latin typeface="Meiryo UI" panose="020B0604030504040204" pitchFamily="50" charset="-128"/>
+                <a:ea typeface="Meiryo UI" panose="020B0604030504040204" pitchFamily="50" charset="-128"/>
+              </a:rPr>
+              <a:t>②</a:t>
+            </a:r>
+            <a:r>
+              <a:rPr lang="en-US" altLang="ja-JP" sz="1400" dirty="0" err="1" smtClean="0">
+                <a:latin typeface="Meiryo UI" panose="020B0604030504040204" pitchFamily="50" charset="-128"/>
+                <a:ea typeface="Meiryo UI" panose="020B0604030504040204" pitchFamily="50" charset="-128"/>
+              </a:rPr>
+              <a:t>SectionList</a:t>
+            </a:r>
+            <a:r>
+              <a:rPr lang="ja-JP" altLang="en-US" sz="1400" dirty="0" smtClean="0">
+                <a:latin typeface="Meiryo UI" panose="020B0604030504040204" pitchFamily="50" charset="-128"/>
+                <a:ea typeface="Meiryo UI" panose="020B0604030504040204" pitchFamily="50" charset="-128"/>
+              </a:rPr>
+              <a:t>でデータ名とデータを</a:t>
+            </a:r>
+            <a:endParaRPr lang="en-US" altLang="ja-JP" sz="1400" dirty="0" smtClean="0">
+              <a:latin typeface="Meiryo UI" panose="020B0604030504040204" pitchFamily="50" charset="-128"/>
+              <a:ea typeface="Meiryo UI" panose="020B0604030504040204" pitchFamily="50" charset="-128"/>
+            </a:endParaRPr>
+          </a:p>
+          <a:p>
+            <a:pPr>
+              <a:defRPr sz="1600"/>
+            </a:pPr>
+            <a:r>
+              <a:rPr lang="ja-JP" altLang="en-US" sz="1400" dirty="0">
+                <a:latin typeface="Meiryo UI" panose="020B0604030504040204" pitchFamily="50" charset="-128"/>
+                <a:ea typeface="Meiryo UI" panose="020B0604030504040204" pitchFamily="50" charset="-128"/>
+              </a:rPr>
+              <a:t>　</a:t>
+            </a:r>
+            <a:r>
+              <a:rPr lang="ja-JP" altLang="en-US" sz="1400" dirty="0" smtClean="0">
+                <a:latin typeface="Meiryo UI" panose="020B0604030504040204" pitchFamily="50" charset="-128"/>
+                <a:ea typeface="Meiryo UI" panose="020B0604030504040204" pitchFamily="50" charset="-128"/>
+              </a:rPr>
+              <a:t>設定し</a:t>
+            </a:r>
+            <a:r>
+              <a:rPr lang="en-US" altLang="ja-JP" sz="1400" dirty="0" err="1">
+                <a:latin typeface="Meiryo UI" panose="020B0604030504040204" pitchFamily="50" charset="-128"/>
+                <a:ea typeface="Meiryo UI" panose="020B0604030504040204" pitchFamily="50" charset="-128"/>
+              </a:rPr>
+              <a:t>renderItem</a:t>
+            </a:r>
+            <a:r>
+              <a:rPr lang="ja-JP" altLang="en-US" sz="1400" dirty="0">
+                <a:latin typeface="Meiryo UI" panose="020B0604030504040204" pitchFamily="50" charset="-128"/>
+                <a:ea typeface="Meiryo UI" panose="020B0604030504040204" pitchFamily="50" charset="-128"/>
+              </a:rPr>
+              <a:t>で</a:t>
+            </a:r>
+            <a:r>
+              <a:rPr lang="en-US" altLang="ja-JP" sz="1400" dirty="0">
+                <a:latin typeface="Meiryo UI" panose="020B0604030504040204" pitchFamily="50" charset="-128"/>
+                <a:ea typeface="Meiryo UI" panose="020B0604030504040204" pitchFamily="50" charset="-128"/>
+              </a:rPr>
+              <a:t>1</a:t>
+            </a:r>
+            <a:r>
+              <a:rPr lang="ja-JP" altLang="en-US" sz="1400" dirty="0" err="1">
+                <a:latin typeface="Meiryo UI" panose="020B0604030504040204" pitchFamily="50" charset="-128"/>
+                <a:ea typeface="Meiryo UI" panose="020B0604030504040204" pitchFamily="50" charset="-128"/>
+              </a:rPr>
+              <a:t>つの</a:t>
+            </a:r>
+            <a:r>
+              <a:rPr lang="ja-JP" altLang="en-US" sz="1400" dirty="0">
+                <a:latin typeface="Meiryo UI" panose="020B0604030504040204" pitchFamily="50" charset="-128"/>
+                <a:ea typeface="Meiryo UI" panose="020B0604030504040204" pitchFamily="50" charset="-128"/>
+              </a:rPr>
+              <a:t>項目を</a:t>
+            </a:r>
+            <a:r>
+              <a:rPr lang="ja-JP" altLang="en-US" sz="1400" dirty="0" smtClean="0">
+                <a:latin typeface="Meiryo UI" panose="020B0604030504040204" pitchFamily="50" charset="-128"/>
+                <a:ea typeface="Meiryo UI" panose="020B0604030504040204" pitchFamily="50" charset="-128"/>
+              </a:rPr>
+              <a:t>取</a:t>
+            </a:r>
+            <a:endParaRPr lang="en-US" altLang="ja-JP" sz="1400" dirty="0" smtClean="0">
+              <a:latin typeface="Meiryo UI" panose="020B0604030504040204" pitchFamily="50" charset="-128"/>
+              <a:ea typeface="Meiryo UI" panose="020B0604030504040204" pitchFamily="50" charset="-128"/>
+            </a:endParaRPr>
+          </a:p>
+          <a:p>
+            <a:pPr>
+              <a:defRPr sz="1600"/>
+            </a:pPr>
+            <a:r>
+              <a:rPr lang="ja-JP" altLang="en-US" sz="1400" dirty="0">
+                <a:latin typeface="Meiryo UI" panose="020B0604030504040204" pitchFamily="50" charset="-128"/>
+                <a:ea typeface="Meiryo UI" panose="020B0604030504040204" pitchFamily="50" charset="-128"/>
+              </a:rPr>
+              <a:t>　</a:t>
+            </a:r>
+            <a:r>
+              <a:rPr lang="ja-JP" altLang="en-US" sz="1400" dirty="0" smtClean="0">
+                <a:latin typeface="Meiryo UI" panose="020B0604030504040204" pitchFamily="50" charset="-128"/>
+                <a:ea typeface="Meiryo UI" panose="020B0604030504040204" pitchFamily="50" charset="-128"/>
+              </a:rPr>
+              <a:t>り、レンダリング</a:t>
+            </a:r>
+            <a:r>
+              <a:rPr lang="ja-JP" altLang="en-US" sz="1400" dirty="0">
+                <a:latin typeface="Meiryo UI" panose="020B0604030504040204" pitchFamily="50" charset="-128"/>
+                <a:ea typeface="Meiryo UI" panose="020B0604030504040204" pitchFamily="50" charset="-128"/>
+              </a:rPr>
+              <a:t>するフォーマット</a:t>
+            </a:r>
+            <a:endParaRPr lang="en-US" altLang="ja-JP" sz="1400" dirty="0">
+              <a:latin typeface="Meiryo UI" panose="020B0604030504040204" pitchFamily="50" charset="-128"/>
+              <a:ea typeface="Meiryo UI" panose="020B0604030504040204" pitchFamily="50" charset="-128"/>
+            </a:endParaRPr>
+          </a:p>
+          <a:p>
+            <a:pPr>
+              <a:defRPr sz="1600"/>
+            </a:pPr>
+            <a:r>
+              <a:rPr lang="en-US" altLang="ja-JP" sz="1400" dirty="0">
+                <a:latin typeface="Meiryo UI" panose="020B0604030504040204" pitchFamily="50" charset="-128"/>
+                <a:ea typeface="Meiryo UI" panose="020B0604030504040204" pitchFamily="50" charset="-128"/>
+              </a:rPr>
+              <a:t>   </a:t>
+            </a:r>
+            <a:r>
+              <a:rPr lang="ja-JP" altLang="en-US" sz="1400" dirty="0">
+                <a:latin typeface="Meiryo UI" panose="020B0604030504040204" pitchFamily="50" charset="-128"/>
+                <a:ea typeface="Meiryo UI" panose="020B0604030504040204" pitchFamily="50" charset="-128"/>
+              </a:rPr>
+              <a:t>済みコンポーネントを返します</a:t>
+            </a:r>
+            <a:r>
+              <a:rPr lang="ja-JP" altLang="en-US" sz="1400" dirty="0" smtClean="0">
+                <a:latin typeface="Meiryo UI" panose="020B0604030504040204" pitchFamily="50" charset="-128"/>
+                <a:ea typeface="Meiryo UI" panose="020B0604030504040204" pitchFamily="50" charset="-128"/>
+              </a:rPr>
+              <a:t>。</a:t>
+            </a:r>
+            <a:endParaRPr lang="en-US" altLang="ja-JP" sz="1400" dirty="0" smtClean="0">
+              <a:latin typeface="Meiryo UI" panose="020B0604030504040204" pitchFamily="50" charset="-128"/>
+              <a:ea typeface="Meiryo UI" panose="020B0604030504040204" pitchFamily="50" charset="-128"/>
+            </a:endParaRPr>
+          </a:p>
+          <a:p>
+            <a:pPr>
+              <a:defRPr sz="1600"/>
+            </a:pPr>
+            <a:r>
+              <a:rPr lang="ja-JP" altLang="en-US" sz="1400" dirty="0">
+                <a:latin typeface="Meiryo UI" panose="020B0604030504040204" pitchFamily="50" charset="-128"/>
+                <a:ea typeface="Meiryo UI" panose="020B0604030504040204" pitchFamily="50" charset="-128"/>
+              </a:rPr>
+              <a:t>　</a:t>
+            </a:r>
+            <a:r>
+              <a:rPr lang="en-US" altLang="ja-JP" sz="1400" dirty="0" err="1" smtClean="0">
+                <a:latin typeface="Meiryo UI" panose="020B0604030504040204" pitchFamily="50" charset="-128"/>
+                <a:ea typeface="Meiryo UI" panose="020B0604030504040204" pitchFamily="50" charset="-128"/>
+              </a:rPr>
+              <a:t>renderSectionHeader</a:t>
+            </a:r>
+            <a:r>
+              <a:rPr lang="ja-JP" altLang="en-US" sz="1400" dirty="0" smtClean="0">
+                <a:latin typeface="Meiryo UI" panose="020B0604030504040204" pitchFamily="50" charset="-128"/>
+                <a:ea typeface="Meiryo UI" panose="020B0604030504040204" pitchFamily="50" charset="-128"/>
+              </a:rPr>
+              <a:t>を使用して、</a:t>
+            </a:r>
+            <a:endParaRPr lang="en-US" altLang="ja-JP" sz="1400" dirty="0" smtClean="0">
+              <a:latin typeface="Meiryo UI" panose="020B0604030504040204" pitchFamily="50" charset="-128"/>
+              <a:ea typeface="Meiryo UI" panose="020B0604030504040204" pitchFamily="50" charset="-128"/>
+            </a:endParaRPr>
+          </a:p>
+          <a:p>
+            <a:pPr>
+              <a:defRPr sz="1600"/>
+            </a:pPr>
+            <a:r>
+              <a:rPr lang="ja-JP" altLang="en-US" sz="1400" dirty="0">
+                <a:latin typeface="Meiryo UI" panose="020B0604030504040204" pitchFamily="50" charset="-128"/>
+                <a:ea typeface="Meiryo UI" panose="020B0604030504040204" pitchFamily="50" charset="-128"/>
+              </a:rPr>
+              <a:t>　</a:t>
+            </a:r>
+            <a:r>
+              <a:rPr lang="ja-JP" altLang="en-US" sz="1400" dirty="0" smtClean="0">
+                <a:latin typeface="Meiryo UI" panose="020B0604030504040204" pitchFamily="50" charset="-128"/>
+                <a:ea typeface="Meiryo UI" panose="020B0604030504040204" pitchFamily="50" charset="-128"/>
+              </a:rPr>
+              <a:t>分割されたデータをレンダリングし</a:t>
+            </a:r>
+            <a:endParaRPr lang="en-US" altLang="ja-JP" sz="1400" dirty="0" smtClean="0">
+              <a:latin typeface="Meiryo UI" panose="020B0604030504040204" pitchFamily="50" charset="-128"/>
+              <a:ea typeface="Meiryo UI" panose="020B0604030504040204" pitchFamily="50" charset="-128"/>
+            </a:endParaRPr>
+          </a:p>
+          <a:p>
+            <a:pPr>
+              <a:defRPr sz="1600"/>
+            </a:pPr>
+            <a:r>
+              <a:rPr lang="ja-JP" altLang="en-US" sz="1400" dirty="0">
+                <a:latin typeface="Meiryo UI" panose="020B0604030504040204" pitchFamily="50" charset="-128"/>
+                <a:ea typeface="Meiryo UI" panose="020B0604030504040204" pitchFamily="50" charset="-128"/>
+              </a:rPr>
+              <a:t>　</a:t>
+            </a:r>
+            <a:r>
+              <a:rPr lang="ja-JP" altLang="en-US" sz="1400" dirty="0" smtClean="0">
+                <a:latin typeface="Meiryo UI" panose="020B0604030504040204" pitchFamily="50" charset="-128"/>
+                <a:ea typeface="Meiryo UI" panose="020B0604030504040204" pitchFamily="50" charset="-128"/>
+              </a:rPr>
+              <a:t>ます。</a:t>
+            </a:r>
+            <a:endParaRPr lang="en-US" altLang="ja-JP" sz="1400" dirty="0" smtClean="0">
+              <a:latin typeface="Meiryo UI" panose="020B0604030504040204" pitchFamily="50" charset="-128"/>
+              <a:ea typeface="Meiryo UI" panose="020B0604030504040204" pitchFamily="50" charset="-128"/>
+            </a:endParaRPr>
           </a:p>
         </p:txBody>
       </p:sp>
-      <p:sp>
-        <p:nvSpPr>
-          <p:cNvPr id="3" name="テキスト ボックス 2"/>
-          <p:cNvSpPr txBox="1"/>
+      <p:pic>
+        <p:nvPicPr>
+          <p:cNvPr id="7" name="図 6"/>
+          <p:cNvPicPr>
+            <a:picLocks noChangeAspect="1"/>
+          </p:cNvPicPr>
           <p:nvPr/>
-        </p:nvSpPr>
+        </p:nvPicPr>
+        <p:blipFill>
+          <a:blip r:embed="rId3"/>
+          <a:stretch>
+            <a:fillRect/>
+          </a:stretch>
+        </p:blipFill>
         <p:spPr>
           <a:xfrm>
-            <a:off x="423485" y="2249164"/>
-            <a:ext cx="9787291" cy="646327"/>
+            <a:off x="9842749" y="2541549"/>
+            <a:ext cx="2028175" cy="4137728"/>
           </a:xfrm>
           <a:prstGeom prst="rect">
             <a:avLst/>
           </a:prstGeom>
-          <a:noFill/>
-          <a:ln w="12700" cap="flat">
-            <a:noFill/>
-            <a:miter lim="400000"/>
-          </a:ln>
-          <a:effectLst/>
-          <a:sp3d/>
         </p:spPr>
-        <p:style>
-          <a:lnRef idx="0">
-            <a:scrgbClr r="0" g="0" b="0"/>
-          </a:lnRef>
-          <a:fillRef idx="0">
-            <a:scrgbClr r="0" g="0" b="0"/>
-          </a:fillRef>
-          <a:effectRef idx="0">
-            <a:scrgbClr r="0" g="0" b="0"/>
-          </a:effectRef>
-          <a:fontRef idx="none"/>
-        </p:style>
-        <p:txBody>
-          <a:bodyPr rot="0" spcFirstLastPara="1" vertOverflow="overflow" horzOverflow="overflow" vert="horz" wrap="none" lIns="45718" tIns="45718" rIns="45718" bIns="45718" numCol="1" spcCol="38100" rtlCol="0" anchor="t">
-            <a:spAutoFit/>
-          </a:bodyPr>
-          <a:lstStyle/>
-          <a:p>
-            <a:r>
-              <a:rPr lang="ja-JP" altLang="en-US" dirty="0" smtClean="0"/>
-              <a:t>・</a:t>
-            </a:r>
-            <a:r>
-              <a:rPr lang="en-US" altLang="ja-JP" dirty="0" err="1" smtClean="0"/>
-              <a:t>FlatList</a:t>
-            </a:r>
-            <a:endParaRPr lang="en-US" altLang="ja-JP" dirty="0" smtClean="0"/>
-          </a:p>
-          <a:p>
-            <a:r>
-              <a:rPr lang="ja-JP" altLang="en-US" dirty="0"/>
-              <a:t>　</a:t>
-            </a:r>
-            <a:r>
-              <a:rPr lang="ja-JP" altLang="en-US" dirty="0" smtClean="0"/>
-              <a:t>項目</a:t>
-            </a:r>
-            <a:r>
-              <a:rPr lang="ja-JP" altLang="en-US" dirty="0"/>
-              <a:t>の数が時間の経過とともに変化する可能性がある長いデータのリストに適しています。</a:t>
-            </a:r>
-          </a:p>
-        </p:txBody>
-      </p:sp>
+      </p:pic>
     </p:spTree>
     <p:extLst>
       <p:ext uri="{BB962C8B-B14F-4D97-AF65-F5344CB8AC3E}">
-        <p14:creationId xmlns:p14="http://schemas.microsoft.com/office/powerpoint/2010/main" val="3122518524"/>
+        <p14:creationId xmlns:p14="http://schemas.microsoft.com/office/powerpoint/2010/main" val="2441465788"/>
       </p:ext>
     </p:extLst>
   </p:cSld>
@@ -6400,7 +8570,7 @@
 </p:sld>
 </file>
 
-<file path=ppt/slides/slide13.xml><?xml version="1.0" encoding="utf-8"?>
+<file path=ppt/slides/slide14.xml><?xml version="1.0" encoding="utf-8"?>
 <p:sld xmlns:a="http://schemas.openxmlformats.org/drawingml/2006/main" xmlns:r="http://schemas.openxmlformats.org/officeDocument/2006/relationships" xmlns:p="http://schemas.openxmlformats.org/presentationml/2006/main">
   <p:cSld>
     <p:spTree>
@@ -6538,7 +8708,7 @@
           </a:ln>
           <a:extLst>
             <a:ext uri="{C572A759-6A51-4108-AA02-DFA0A04FC94B}">
-              <ma14:wrappingTextBoxFlag xmlns:ma14="http://schemas.microsoft.com/office/mac/drawingml/2011/main" xmlns:a14="http://schemas.microsoft.com/office/drawing/2010/main" xmlns:m="http://schemas.openxmlformats.org/officeDocument/2006/math" xmlns="" val="1"/>
+              <ma14:wrappingTextBoxFlag xmlns="" xmlns:m="http://schemas.openxmlformats.org/officeDocument/2006/math" xmlns:a14="http://schemas.microsoft.com/office/drawing/2010/main" xmlns:ma14="http://schemas.microsoft.com/office/mac/drawingml/2011/main" val="1"/>
             </a:ext>
           </a:extLst>
         </p:spPr>
@@ -6583,7 +8753,7 @@
           </a:ln>
           <a:extLst>
             <a:ext uri="{C572A759-6A51-4108-AA02-DFA0A04FC94B}">
-              <ma14:wrappingTextBoxFlag xmlns:ma14="http://schemas.microsoft.com/office/mac/drawingml/2011/main" xmlns:a14="http://schemas.microsoft.com/office/drawing/2010/main" xmlns:m="http://schemas.openxmlformats.org/officeDocument/2006/math" xmlns="" val="1"/>
+              <ma14:wrappingTextBoxFlag xmlns="" xmlns:m="http://schemas.openxmlformats.org/officeDocument/2006/math" xmlns:a14="http://schemas.microsoft.com/office/drawing/2010/main" xmlns:ma14="http://schemas.microsoft.com/office/mac/drawingml/2011/main" val="1"/>
             </a:ext>
           </a:extLst>
         </p:spPr>
@@ -6651,7 +8821,7 @@
           </a:ln>
           <a:extLst>
             <a:ext uri="{C572A759-6A51-4108-AA02-DFA0A04FC94B}">
-              <ma14:wrappingTextBoxFlag xmlns:ma14="http://schemas.microsoft.com/office/mac/drawingml/2011/main" xmlns:a14="http://schemas.microsoft.com/office/drawing/2010/main" xmlns:m="http://schemas.openxmlformats.org/officeDocument/2006/math" xmlns="" val="1"/>
+              <ma14:wrappingTextBoxFlag xmlns="" xmlns:m="http://schemas.openxmlformats.org/officeDocument/2006/math" xmlns:a14="http://schemas.microsoft.com/office/drawing/2010/main" xmlns:ma14="http://schemas.microsoft.com/office/mac/drawingml/2011/main" val="1"/>
             </a:ext>
           </a:extLst>
         </p:spPr>
@@ -6697,7 +8867,7 @@
           </a:ln>
           <a:extLst>
             <a:ext uri="{C572A759-6A51-4108-AA02-DFA0A04FC94B}">
-              <ma14:wrappingTextBoxFlag xmlns:ma14="http://schemas.microsoft.com/office/mac/drawingml/2011/main" xmlns:a14="http://schemas.microsoft.com/office/drawing/2010/main" xmlns:m="http://schemas.openxmlformats.org/officeDocument/2006/math" xmlns="" val="1"/>
+              <ma14:wrappingTextBoxFlag xmlns="" xmlns:m="http://schemas.openxmlformats.org/officeDocument/2006/math" xmlns:a14="http://schemas.microsoft.com/office/drawing/2010/main" xmlns:ma14="http://schemas.microsoft.com/office/mac/drawingml/2011/main" val="1"/>
             </a:ext>
           </a:extLst>
         </p:spPr>
@@ -7160,7 +9330,7 @@
 </p:sld>
 </file>
 
-<file path=ppt/slides/slide14.xml><?xml version="1.0" encoding="utf-8"?>
+<file path=ppt/slides/slide15.xml><?xml version="1.0" encoding="utf-8"?>
 <p:sld xmlns:a="http://schemas.openxmlformats.org/drawingml/2006/main" xmlns:r="http://schemas.openxmlformats.org/officeDocument/2006/relationships" xmlns:p="http://schemas.openxmlformats.org/presentationml/2006/main">
   <p:cSld>
     <p:spTree>
@@ -7264,7 +9434,7 @@
           </a:ln>
           <a:extLst>
             <a:ext uri="{C572A759-6A51-4108-AA02-DFA0A04FC94B}">
-              <ma14:wrappingTextBoxFlag xmlns:ma14="http://schemas.microsoft.com/office/mac/drawingml/2011/main" xmlns:a14="http://schemas.microsoft.com/office/drawing/2010/main" xmlns:m="http://schemas.openxmlformats.org/officeDocument/2006/math" xmlns="" val="1"/>
+              <ma14:wrappingTextBoxFlag xmlns="" xmlns:m="http://schemas.openxmlformats.org/officeDocument/2006/math" xmlns:a14="http://schemas.microsoft.com/office/drawing/2010/main" xmlns:ma14="http://schemas.microsoft.com/office/mac/drawingml/2011/main" val="1"/>
             </a:ext>
           </a:extLst>
         </p:spPr>
@@ -7331,7 +9501,7 @@
           </a:ln>
           <a:extLst>
             <a:ext uri="{C572A759-6A51-4108-AA02-DFA0A04FC94B}">
-              <ma14:wrappingTextBoxFlag xmlns:ma14="http://schemas.microsoft.com/office/mac/drawingml/2011/main" xmlns:a14="http://schemas.microsoft.com/office/drawing/2010/main" xmlns:m="http://schemas.openxmlformats.org/officeDocument/2006/math" xmlns="" val="1"/>
+              <ma14:wrappingTextBoxFlag xmlns="" xmlns:m="http://schemas.openxmlformats.org/officeDocument/2006/math" xmlns:a14="http://schemas.microsoft.com/office/drawing/2010/main" xmlns:ma14="http://schemas.microsoft.com/office/mac/drawingml/2011/main" val="1"/>
             </a:ext>
           </a:extLst>
         </p:spPr>
@@ -7746,7 +9916,7 @@
 </p:sld>
 </file>
 
-<file path=ppt/slides/slide15.xml><?xml version="1.0" encoding="utf-8"?>
+<file path=ppt/slides/slide16.xml><?xml version="1.0" encoding="utf-8"?>
 <p:sld xmlns:a="http://schemas.openxmlformats.org/drawingml/2006/main" xmlns:r="http://schemas.openxmlformats.org/officeDocument/2006/relationships" xmlns:p="http://schemas.openxmlformats.org/presentationml/2006/main">
   <p:cSld>
     <p:spTree>
@@ -7822,7 +9992,7 @@
           </a:ln>
           <a:extLst>
             <a:ext uri="{C572A759-6A51-4108-AA02-DFA0A04FC94B}">
-              <ma14:wrappingTextBoxFlag xmlns:ma14="http://schemas.microsoft.com/office/mac/drawingml/2011/main" xmlns:a14="http://schemas.microsoft.com/office/drawing/2010/main" xmlns:m="http://schemas.openxmlformats.org/officeDocument/2006/math" xmlns="" val="1"/>
+              <ma14:wrappingTextBoxFlag xmlns="" xmlns:m="http://schemas.openxmlformats.org/officeDocument/2006/math" xmlns:a14="http://schemas.microsoft.com/office/drawing/2010/main" xmlns:ma14="http://schemas.microsoft.com/office/mac/drawingml/2011/main" val="1"/>
             </a:ext>
           </a:extLst>
         </p:spPr>
@@ -7875,7 +10045,7 @@
           </a:ln>
           <a:extLst>
             <a:ext uri="{C572A759-6A51-4108-AA02-DFA0A04FC94B}">
-              <ma14:wrappingTextBoxFlag xmlns:ma14="http://schemas.microsoft.com/office/mac/drawingml/2011/main" xmlns:a14="http://schemas.microsoft.com/office/drawing/2010/main" xmlns:m="http://schemas.openxmlformats.org/officeDocument/2006/math" xmlns="" val="1"/>
+              <ma14:wrappingTextBoxFlag xmlns="" xmlns:m="http://schemas.openxmlformats.org/officeDocument/2006/math" xmlns:a14="http://schemas.microsoft.com/office/drawing/2010/main" xmlns:ma14="http://schemas.microsoft.com/office/mac/drawingml/2011/main" val="1"/>
             </a:ext>
           </a:extLst>
         </p:spPr>
@@ -9179,7 +11349,7 @@
 </p:sld>
 </file>
 
-<file path=ppt/slides/slide16.xml><?xml version="1.0" encoding="utf-8"?>
+<file path=ppt/slides/slide17.xml><?xml version="1.0" encoding="utf-8"?>
 <p:sld xmlns:a="http://schemas.openxmlformats.org/drawingml/2006/main" xmlns:r="http://schemas.openxmlformats.org/officeDocument/2006/relationships" xmlns:p="http://schemas.openxmlformats.org/presentationml/2006/main">
   <p:cSld>
     <p:spTree>
@@ -9255,7 +11425,7 @@
           </a:ln>
           <a:extLst>
             <a:ext uri="{C572A759-6A51-4108-AA02-DFA0A04FC94B}">
-              <ma14:wrappingTextBoxFlag xmlns:ma14="http://schemas.microsoft.com/office/mac/drawingml/2011/main" xmlns:a14="http://schemas.microsoft.com/office/drawing/2010/main" xmlns:m="http://schemas.openxmlformats.org/officeDocument/2006/math" xmlns="" val="1"/>
+              <ma14:wrappingTextBoxFlag xmlns="" xmlns:m="http://schemas.openxmlformats.org/officeDocument/2006/math" xmlns:a14="http://schemas.microsoft.com/office/drawing/2010/main" xmlns:ma14="http://schemas.microsoft.com/office/mac/drawingml/2011/main" val="1"/>
             </a:ext>
           </a:extLst>
         </p:spPr>
@@ -9322,7 +11492,7 @@
           </a:ln>
           <a:extLst>
             <a:ext uri="{C572A759-6A51-4108-AA02-DFA0A04FC94B}">
-              <ma14:wrappingTextBoxFlag xmlns:ma14="http://schemas.microsoft.com/office/mac/drawingml/2011/main" xmlns:a14="http://schemas.microsoft.com/office/drawing/2010/main" xmlns:m="http://schemas.openxmlformats.org/officeDocument/2006/math" xmlns="" val="1"/>
+              <ma14:wrappingTextBoxFlag xmlns="" xmlns:m="http://schemas.openxmlformats.org/officeDocument/2006/math" xmlns:a14="http://schemas.microsoft.com/office/drawing/2010/main" xmlns:ma14="http://schemas.microsoft.com/office/mac/drawingml/2011/main" val="1"/>
             </a:ext>
           </a:extLst>
         </p:spPr>
@@ -12186,7 +14356,7 @@
 </p:sld>
 </file>
 
-<file path=ppt/slides/slide17.xml><?xml version="1.0" encoding="utf-8"?>
+<file path=ppt/slides/slide18.xml><?xml version="1.0" encoding="utf-8"?>
 <p:sld xmlns:a="http://schemas.openxmlformats.org/drawingml/2006/main" xmlns:r="http://schemas.openxmlformats.org/officeDocument/2006/relationships" xmlns:p="http://schemas.openxmlformats.org/presentationml/2006/main">
   <p:cSld>
     <p:spTree>
@@ -12262,7 +14432,7 @@
           </a:ln>
           <a:extLst>
             <a:ext uri="{C572A759-6A51-4108-AA02-DFA0A04FC94B}">
-              <ma14:wrappingTextBoxFlag xmlns:ma14="http://schemas.microsoft.com/office/mac/drawingml/2011/main" xmlns:a14="http://schemas.microsoft.com/office/drawing/2010/main" xmlns:m="http://schemas.openxmlformats.org/officeDocument/2006/math" xmlns="" val="1"/>
+              <ma14:wrappingTextBoxFlag xmlns="" xmlns:m="http://schemas.openxmlformats.org/officeDocument/2006/math" xmlns:a14="http://schemas.microsoft.com/office/drawing/2010/main" xmlns:ma14="http://schemas.microsoft.com/office/mac/drawingml/2011/main" val="1"/>
             </a:ext>
           </a:extLst>
         </p:spPr>
@@ -12306,7 +14476,7 @@
           </a:ln>
           <a:extLst>
             <a:ext uri="{C572A759-6A51-4108-AA02-DFA0A04FC94B}">
-              <ma14:wrappingTextBoxFlag xmlns:ma14="http://schemas.microsoft.com/office/mac/drawingml/2011/main" xmlns:a14="http://schemas.microsoft.com/office/drawing/2010/main" xmlns:m="http://schemas.openxmlformats.org/officeDocument/2006/math" xmlns="" val="1"/>
+              <ma14:wrappingTextBoxFlag xmlns="" xmlns:m="http://schemas.openxmlformats.org/officeDocument/2006/math" xmlns:a14="http://schemas.microsoft.com/office/drawing/2010/main" xmlns:ma14="http://schemas.microsoft.com/office/mac/drawingml/2011/main" val="1"/>
             </a:ext>
           </a:extLst>
         </p:spPr>
@@ -14089,7 +16259,7 @@
 </p:sld>
 </file>
 
-<file path=ppt/slides/slide18.xml><?xml version="1.0" encoding="utf-8"?>
+<file path=ppt/slides/slide19.xml><?xml version="1.0" encoding="utf-8"?>
 <p:sld xmlns:a="http://schemas.openxmlformats.org/drawingml/2006/main" xmlns:r="http://schemas.openxmlformats.org/officeDocument/2006/relationships" xmlns:p="http://schemas.openxmlformats.org/presentationml/2006/main">
   <p:cSld>
     <p:spTree>
@@ -14165,7 +16335,7 @@
           </a:ln>
           <a:extLst>
             <a:ext uri="{C572A759-6A51-4108-AA02-DFA0A04FC94B}">
-              <ma14:wrappingTextBoxFlag xmlns:ma14="http://schemas.microsoft.com/office/mac/drawingml/2011/main" xmlns:a14="http://schemas.microsoft.com/office/drawing/2010/main" xmlns:m="http://schemas.openxmlformats.org/officeDocument/2006/math" xmlns="" val="1"/>
+              <ma14:wrappingTextBoxFlag xmlns="" xmlns:m="http://schemas.openxmlformats.org/officeDocument/2006/math" xmlns:a14="http://schemas.microsoft.com/office/drawing/2010/main" xmlns:ma14="http://schemas.microsoft.com/office/mac/drawingml/2011/main" val="1"/>
             </a:ext>
           </a:extLst>
         </p:spPr>
@@ -14209,7 +16379,7 @@
           </a:ln>
           <a:extLst>
             <a:ext uri="{C572A759-6A51-4108-AA02-DFA0A04FC94B}">
-              <ma14:wrappingTextBoxFlag xmlns:ma14="http://schemas.microsoft.com/office/mac/drawingml/2011/main" xmlns:a14="http://schemas.microsoft.com/office/drawing/2010/main" xmlns:m="http://schemas.openxmlformats.org/officeDocument/2006/math" xmlns="" val="1"/>
+              <ma14:wrappingTextBoxFlag xmlns="" xmlns:m="http://schemas.openxmlformats.org/officeDocument/2006/math" xmlns:a14="http://schemas.microsoft.com/office/drawing/2010/main" xmlns:ma14="http://schemas.microsoft.com/office/mac/drawingml/2011/main" val="1"/>
             </a:ext>
           </a:extLst>
         </p:spPr>
@@ -15983,604 +18153,6 @@
           </a:ln>
         </p:spPr>
       </p:pic>
-    </p:spTree>
-  </p:cSld>
-  <p:clrMapOvr>
-    <a:masterClrMapping/>
-  </p:clrMapOvr>
-  <p:transition spd="med"/>
-</p:sld>
-</file>
-
-<file path=ppt/slides/slide19.xml><?xml version="1.0" encoding="utf-8"?>
-<p:sld xmlns:a="http://schemas.openxmlformats.org/drawingml/2006/main" xmlns:r="http://schemas.openxmlformats.org/officeDocument/2006/relationships" xmlns:p="http://schemas.openxmlformats.org/presentationml/2006/main">
-  <p:cSld>
-    <p:spTree>
-      <p:nvGrpSpPr>
-        <p:cNvPr id="1" name=""/>
-        <p:cNvGrpSpPr/>
-        <p:nvPr/>
-      </p:nvGrpSpPr>
-      <p:grpSpPr>
-        <a:xfrm>
-          <a:off x="0" y="0"/>
-          <a:ext cx="0" cy="0"/>
-          <a:chOff x="0" y="0"/>
-          <a:chExt cx="0" cy="0"/>
-        </a:xfrm>
-      </p:grpSpPr>
-      <p:sp>
-        <p:nvSpPr>
-          <p:cNvPr id="167" name="Shape 121"/>
-          <p:cNvSpPr txBox="1">
-            <a:spLocks noGrp="1"/>
-          </p:cNvSpPr>
-          <p:nvPr>
-            <p:ph type="title"/>
-          </p:nvPr>
-        </p:nvSpPr>
-        <p:spPr>
-          <a:xfrm>
-            <a:off x="431799" y="339725"/>
-            <a:ext cx="10515601" cy="536575"/>
-          </a:xfrm>
-          <a:prstGeom prst="rect">
-            <a:avLst/>
-          </a:prstGeom>
-        </p:spPr>
-        <p:txBody>
-          <a:bodyPr/>
-          <a:lstStyle>
-            <a:lvl1pPr>
-              <a:lnSpc>
-                <a:spcPct val="100000"/>
-              </a:lnSpc>
-              <a:defRPr sz="2200"/>
-            </a:lvl1pPr>
-          </a:lstStyle>
-          <a:p>
-            <a:r>
-              <a:rPr>
-                <a:latin typeface="Meiryo UI" panose="020B0604030504040204" pitchFamily="50" charset="-128"/>
-                <a:ea typeface="Meiryo UI" panose="020B0604030504040204" pitchFamily="50" charset="-128"/>
-              </a:rPr>
-              <a:t>3-2．React Nativeの基礎知識 ～レイアウト～</a:t>
-            </a:r>
-          </a:p>
-        </p:txBody>
-      </p:sp>
-      <p:sp>
-        <p:nvSpPr>
-          <p:cNvPr id="168" name="Flexに関するレイアウトについて、もう少し複雑なものを作成していきましょう。"/>
-          <p:cNvSpPr txBox="1"/>
-          <p:nvPr/>
-        </p:nvSpPr>
-        <p:spPr>
-          <a:xfrm>
-            <a:off x="577088" y="1211581"/>
-            <a:ext cx="6940357" cy="369328"/>
-          </a:xfrm>
-          <a:prstGeom prst="rect">
-            <a:avLst/>
-          </a:prstGeom>
-          <a:ln w="12700">
-            <a:miter lim="400000"/>
-          </a:ln>
-          <a:extLst>
-            <a:ext uri="{C572A759-6A51-4108-AA02-DFA0A04FC94B}">
-              <ma14:wrappingTextBoxFlag xmlns:ma14="http://schemas.microsoft.com/office/mac/drawingml/2011/main" xmlns:a14="http://schemas.microsoft.com/office/drawing/2010/main" xmlns:m="http://schemas.openxmlformats.org/officeDocument/2006/math" xmlns="" val="1"/>
-            </a:ext>
-          </a:extLst>
-        </p:spPr>
-        <p:txBody>
-          <a:bodyPr wrap="none" lIns="45718" tIns="45718" rIns="45718" bIns="45718">
-            <a:spAutoFit/>
-          </a:bodyPr>
-          <a:lstStyle/>
-          <a:p>
-            <a:r>
-              <a:rPr>
-                <a:latin typeface="Meiryo UI" panose="020B0604030504040204" pitchFamily="50" charset="-128"/>
-                <a:ea typeface="Meiryo UI" panose="020B0604030504040204" pitchFamily="50" charset="-128"/>
-              </a:rPr>
-              <a:t>Flexに関するレイアウトについて、もう少し複雑なものを作成していきましょう。</a:t>
-            </a:r>
-          </a:p>
-        </p:txBody>
-      </p:sp>
-      <p:pic>
-        <p:nvPicPr>
-          <p:cNvPr id="169" name="Screenshot_1550093655.png" descr="Screenshot_1550093655.png"/>
-          <p:cNvPicPr>
-            <a:picLocks noChangeAspect="1"/>
-          </p:cNvPicPr>
-          <p:nvPr/>
-        </p:nvPicPr>
-        <p:blipFill>
-          <a:blip r:embed="rId2">
-            <a:extLst/>
-          </a:blip>
-          <a:stretch>
-            <a:fillRect/>
-          </a:stretch>
-        </p:blipFill>
-        <p:spPr>
-          <a:xfrm>
-            <a:off x="1111193" y="1917700"/>
-            <a:ext cx="2553172" cy="4538972"/>
-          </a:xfrm>
-          <a:prstGeom prst="rect">
-            <a:avLst/>
-          </a:prstGeom>
-          <a:ln w="12700">
-            <a:miter lim="400000"/>
-          </a:ln>
-        </p:spPr>
-      </p:pic>
-      <p:sp>
-        <p:nvSpPr>
-          <p:cNvPr id="170" name="Flexのサイズを調整することで、コンポーネントの大きさを割合として…"/>
-          <p:cNvSpPr txBox="1"/>
-          <p:nvPr/>
-        </p:nvSpPr>
-        <p:spPr>
-          <a:xfrm>
-            <a:off x="4247388" y="1917700"/>
-            <a:ext cx="6055500" cy="646327"/>
-          </a:xfrm>
-          <a:prstGeom prst="rect">
-            <a:avLst/>
-          </a:prstGeom>
-          <a:ln w="12700">
-            <a:miter lim="400000"/>
-          </a:ln>
-          <a:extLst>
-            <a:ext uri="{C572A759-6A51-4108-AA02-DFA0A04FC94B}">
-              <ma14:wrappingTextBoxFlag xmlns:ma14="http://schemas.microsoft.com/office/mac/drawingml/2011/main" xmlns:a14="http://schemas.microsoft.com/office/drawing/2010/main" xmlns:m="http://schemas.openxmlformats.org/officeDocument/2006/math" xmlns="" val="1"/>
-            </a:ext>
-          </a:extLst>
-        </p:spPr>
-        <p:txBody>
-          <a:bodyPr wrap="none" lIns="45718" tIns="45718" rIns="45718" bIns="45718">
-            <a:spAutoFit/>
-          </a:bodyPr>
-          <a:lstStyle/>
-          <a:p>
-            <a:r>
-              <a:rPr>
-                <a:latin typeface="Meiryo UI" panose="020B0604030504040204" pitchFamily="50" charset="-128"/>
-                <a:ea typeface="Meiryo UI" panose="020B0604030504040204" pitchFamily="50" charset="-128"/>
-              </a:rPr>
-              <a:t>Flexのサイズを調整することで、コンポーネントの大きさを割合として</a:t>
-            </a:r>
-          </a:p>
-          <a:p>
-            <a:r>
-              <a:rPr>
-                <a:latin typeface="Meiryo UI" panose="020B0604030504040204" pitchFamily="50" charset="-128"/>
-                <a:ea typeface="Meiryo UI" panose="020B0604030504040204" pitchFamily="50" charset="-128"/>
-              </a:rPr>
-              <a:t>設定することが可能となります。</a:t>
-            </a:r>
-          </a:p>
-        </p:txBody>
-      </p:sp>
-      <p:sp>
-        <p:nvSpPr>
-          <p:cNvPr id="171" name="flex : 1"/>
-          <p:cNvSpPr txBox="1"/>
-          <p:nvPr/>
-        </p:nvSpPr>
-        <p:spPr>
-          <a:xfrm>
-            <a:off x="323088" y="3901438"/>
-            <a:ext cx="675822" cy="276995"/>
-          </a:xfrm>
-          <a:prstGeom prst="rect">
-            <a:avLst/>
-          </a:prstGeom>
-          <a:ln w="12700">
-            <a:miter lim="400000"/>
-          </a:ln>
-          <a:extLst>
-            <a:ext uri="{C572A759-6A51-4108-AA02-DFA0A04FC94B}">
-              <ma14:wrappingTextBoxFlag xmlns:ma14="http://schemas.microsoft.com/office/mac/drawingml/2011/main" xmlns:a14="http://schemas.microsoft.com/office/drawing/2010/main" xmlns:m="http://schemas.openxmlformats.org/officeDocument/2006/math" xmlns="" val="1"/>
-            </a:ext>
-          </a:extLst>
-        </p:spPr>
-        <p:txBody>
-          <a:bodyPr wrap="none" lIns="45718" tIns="45718" rIns="45718" bIns="45718">
-            <a:spAutoFit/>
-          </a:bodyPr>
-          <a:lstStyle>
-            <a:lvl1pPr>
-              <a:defRPr sz="1200"/>
-            </a:lvl1pPr>
-          </a:lstStyle>
-          <a:p>
-            <a:r>
-              <a:rPr dirty="0">
-                <a:latin typeface="Meiryo UI" panose="020B0604030504040204" pitchFamily="50" charset="-128"/>
-                <a:ea typeface="Meiryo UI" panose="020B0604030504040204" pitchFamily="50" charset="-128"/>
-              </a:rPr>
-              <a:t>flex : 1 </a:t>
-            </a:r>
-          </a:p>
-        </p:txBody>
-      </p:sp>
-      <p:sp>
-        <p:nvSpPr>
-          <p:cNvPr id="179" name="接続の線"/>
-          <p:cNvSpPr/>
-          <p:nvPr/>
-        </p:nvSpPr>
-        <p:spPr>
-          <a:xfrm>
-            <a:off x="646442" y="2680973"/>
-            <a:ext cx="464752" cy="1220466"/>
-          </a:xfrm>
-          <a:custGeom>
-            <a:avLst/>
-            <a:gdLst/>
-            <a:ahLst/>
-            <a:cxnLst>
-              <a:cxn ang="0">
-                <a:pos x="wd2" y="hd2"/>
-              </a:cxn>
-              <a:cxn ang="5400000">
-                <a:pos x="wd2" y="hd2"/>
-              </a:cxn>
-              <a:cxn ang="10800000">
-                <a:pos x="wd2" y="hd2"/>
-              </a:cxn>
-              <a:cxn ang="16200000">
-                <a:pos x="wd2" y="hd2"/>
-              </a:cxn>
-            </a:cxnLst>
-            <a:rect l="0" t="0" r="r" b="b"/>
-            <a:pathLst>
-              <a:path w="21600" h="21600" extrusionOk="0">
-                <a:moveTo>
-                  <a:pt x="0" y="21600"/>
-                </a:moveTo>
-                <a:cubicBezTo>
-                  <a:pt x="5948" y="10166"/>
-                  <a:pt x="13148" y="2966"/>
-                  <a:pt x="21600" y="0"/>
-                </a:cubicBezTo>
-              </a:path>
-            </a:pathLst>
-          </a:custGeom>
-          <a:ln w="25400">
-            <a:solidFill>
-              <a:schemeClr val="accent1"/>
-            </a:solidFill>
-          </a:ln>
-        </p:spPr>
-        <p:txBody>
-          <a:bodyPr/>
-          <a:lstStyle/>
-          <a:p>
-            <a:endParaRPr>
-              <a:latin typeface="Meiryo UI" panose="020B0604030504040204" pitchFamily="50" charset="-128"/>
-              <a:ea typeface="Meiryo UI" panose="020B0604030504040204" pitchFamily="50" charset="-128"/>
-            </a:endParaRPr>
-          </a:p>
-        </p:txBody>
-      </p:sp>
-      <p:sp>
-        <p:nvSpPr>
-          <p:cNvPr id="180" name="接続の線"/>
-          <p:cNvSpPr/>
-          <p:nvPr/>
-        </p:nvSpPr>
-        <p:spPr>
-          <a:xfrm>
-            <a:off x="639057" y="4170694"/>
-            <a:ext cx="461461" cy="1821557"/>
-          </a:xfrm>
-          <a:custGeom>
-            <a:avLst/>
-            <a:gdLst/>
-            <a:ahLst/>
-            <a:cxnLst>
-              <a:cxn ang="0">
-                <a:pos x="wd2" y="hd2"/>
-              </a:cxn>
-              <a:cxn ang="5400000">
-                <a:pos x="wd2" y="hd2"/>
-              </a:cxn>
-              <a:cxn ang="10800000">
-                <a:pos x="wd2" y="hd2"/>
-              </a:cxn>
-              <a:cxn ang="16200000">
-                <a:pos x="wd2" y="hd2"/>
-              </a:cxn>
-            </a:cxnLst>
-            <a:rect l="0" t="0" r="r" b="b"/>
-            <a:pathLst>
-              <a:path w="21600" h="21600" extrusionOk="0">
-                <a:moveTo>
-                  <a:pt x="21600" y="21600"/>
-                </a:moveTo>
-                <a:cubicBezTo>
-                  <a:pt x="14660" y="20906"/>
-                  <a:pt x="7460" y="13706"/>
-                  <a:pt x="0" y="0"/>
-                </a:cubicBezTo>
-              </a:path>
-            </a:pathLst>
-          </a:custGeom>
-          <a:ln w="25400">
-            <a:solidFill>
-              <a:schemeClr val="accent1"/>
-            </a:solidFill>
-          </a:ln>
-        </p:spPr>
-        <p:txBody>
-          <a:bodyPr/>
-          <a:lstStyle/>
-          <a:p>
-            <a:endParaRPr>
-              <a:latin typeface="Meiryo UI" panose="020B0604030504040204" pitchFamily="50" charset="-128"/>
-              <a:ea typeface="Meiryo UI" panose="020B0604030504040204" pitchFamily="50" charset="-128"/>
-            </a:endParaRPr>
-          </a:p>
-        </p:txBody>
-      </p:sp>
-      <p:sp>
-        <p:nvSpPr>
-          <p:cNvPr id="174" name="flex : 1"/>
-          <p:cNvSpPr txBox="1"/>
-          <p:nvPr/>
-        </p:nvSpPr>
-        <p:spPr>
-          <a:xfrm>
-            <a:off x="3256788" y="2898138"/>
-            <a:ext cx="675822" cy="276995"/>
-          </a:xfrm>
-          <a:prstGeom prst="rect">
-            <a:avLst/>
-          </a:prstGeom>
-          <a:ln w="12700">
-            <a:miter lim="400000"/>
-          </a:ln>
-          <a:extLst>
-            <a:ext uri="{C572A759-6A51-4108-AA02-DFA0A04FC94B}">
-              <ma14:wrappingTextBoxFlag xmlns:ma14="http://schemas.microsoft.com/office/mac/drawingml/2011/main" xmlns:a14="http://schemas.microsoft.com/office/drawing/2010/main" xmlns:m="http://schemas.openxmlformats.org/officeDocument/2006/math" xmlns="" val="1"/>
-            </a:ext>
-          </a:extLst>
-        </p:spPr>
-        <p:txBody>
-          <a:bodyPr wrap="none" lIns="45718" tIns="45718" rIns="45718" bIns="45718">
-            <a:spAutoFit/>
-          </a:bodyPr>
-          <a:lstStyle>
-            <a:lvl1pPr>
-              <a:defRPr sz="1200"/>
-            </a:lvl1pPr>
-          </a:lstStyle>
-          <a:p>
-            <a:r>
-              <a:rPr>
-                <a:latin typeface="Meiryo UI" panose="020B0604030504040204" pitchFamily="50" charset="-128"/>
-                <a:ea typeface="Meiryo UI" panose="020B0604030504040204" pitchFamily="50" charset="-128"/>
-              </a:rPr>
-              <a:t>flex : 1 </a:t>
-            </a:r>
-          </a:p>
-        </p:txBody>
-      </p:sp>
-      <p:sp>
-        <p:nvSpPr>
-          <p:cNvPr id="175" name="flex : 2"/>
-          <p:cNvSpPr txBox="1"/>
-          <p:nvPr/>
-        </p:nvSpPr>
-        <p:spPr>
-          <a:xfrm>
-            <a:off x="3256788" y="3723638"/>
-            <a:ext cx="675822" cy="276995"/>
-          </a:xfrm>
-          <a:prstGeom prst="rect">
-            <a:avLst/>
-          </a:prstGeom>
-          <a:ln w="12700">
-            <a:miter lim="400000"/>
-          </a:ln>
-          <a:extLst>
-            <a:ext uri="{C572A759-6A51-4108-AA02-DFA0A04FC94B}">
-              <ma14:wrappingTextBoxFlag xmlns:ma14="http://schemas.microsoft.com/office/mac/drawingml/2011/main" xmlns:a14="http://schemas.microsoft.com/office/drawing/2010/main" xmlns:m="http://schemas.openxmlformats.org/officeDocument/2006/math" xmlns="" val="1"/>
-            </a:ext>
-          </a:extLst>
-        </p:spPr>
-        <p:txBody>
-          <a:bodyPr wrap="none" lIns="45718" tIns="45718" rIns="45718" bIns="45718">
-            <a:spAutoFit/>
-          </a:bodyPr>
-          <a:lstStyle>
-            <a:lvl1pPr>
-              <a:defRPr sz="1200"/>
-            </a:lvl1pPr>
-          </a:lstStyle>
-          <a:p>
-            <a:r>
-              <a:rPr>
-                <a:latin typeface="Meiryo UI" panose="020B0604030504040204" pitchFamily="50" charset="-128"/>
-                <a:ea typeface="Meiryo UI" panose="020B0604030504040204" pitchFamily="50" charset="-128"/>
-              </a:rPr>
-              <a:t>flex : 2 </a:t>
-            </a:r>
-          </a:p>
-        </p:txBody>
-      </p:sp>
-      <p:sp>
-        <p:nvSpPr>
-          <p:cNvPr id="176" name="flex : 3"/>
-          <p:cNvSpPr txBox="1"/>
-          <p:nvPr/>
-        </p:nvSpPr>
-        <p:spPr>
-          <a:xfrm>
-            <a:off x="3256788" y="5189214"/>
-            <a:ext cx="622923" cy="276995"/>
-          </a:xfrm>
-          <a:prstGeom prst="rect">
-            <a:avLst/>
-          </a:prstGeom>
-          <a:ln w="12700">
-            <a:miter lim="400000"/>
-          </a:ln>
-          <a:extLst>
-            <a:ext uri="{C572A759-6A51-4108-AA02-DFA0A04FC94B}">
-              <ma14:wrappingTextBoxFlag xmlns:ma14="http://schemas.microsoft.com/office/mac/drawingml/2011/main" xmlns:a14="http://schemas.microsoft.com/office/drawing/2010/main" xmlns:m="http://schemas.openxmlformats.org/officeDocument/2006/math" xmlns="" val="1"/>
-            </a:ext>
-          </a:extLst>
-        </p:spPr>
-        <p:txBody>
-          <a:bodyPr wrap="none" lIns="45718" tIns="45718" rIns="45718" bIns="45718">
-            <a:spAutoFit/>
-          </a:bodyPr>
-          <a:lstStyle>
-            <a:lvl1pPr>
-              <a:defRPr sz="1200"/>
-            </a:lvl1pPr>
-          </a:lstStyle>
-          <a:p>
-            <a:r>
-              <a:rPr>
-                <a:latin typeface="Meiryo UI" panose="020B0604030504040204" pitchFamily="50" charset="-128"/>
-                <a:ea typeface="Meiryo UI" panose="020B0604030504040204" pitchFamily="50" charset="-128"/>
-              </a:rPr>
-              <a:t>flex : 3</a:t>
-            </a:r>
-          </a:p>
-        </p:txBody>
-      </p:sp>
-      <p:sp>
-        <p:nvSpPr>
-          <p:cNvPr id="177" name="・全体の割合でflex:1を設定します。…"/>
-          <p:cNvSpPr txBox="1"/>
-          <p:nvPr/>
-        </p:nvSpPr>
-        <p:spPr>
-          <a:xfrm>
-            <a:off x="4247389" y="2966719"/>
-            <a:ext cx="7418651" cy="646327"/>
-          </a:xfrm>
-          <a:prstGeom prst="rect">
-            <a:avLst/>
-          </a:prstGeom>
-          <a:ln w="12700">
-            <a:miter lim="400000"/>
-          </a:ln>
-          <a:extLst>
-            <a:ext uri="{C572A759-6A51-4108-AA02-DFA0A04FC94B}">
-              <ma14:wrappingTextBoxFlag xmlns:ma14="http://schemas.microsoft.com/office/mac/drawingml/2011/main" xmlns:a14="http://schemas.microsoft.com/office/drawing/2010/main" xmlns:m="http://schemas.openxmlformats.org/officeDocument/2006/math" xmlns="" val="1"/>
-            </a:ext>
-          </a:extLst>
-        </p:spPr>
-        <p:txBody>
-          <a:bodyPr lIns="45718" tIns="45718" rIns="45718" bIns="45718">
-            <a:spAutoFit/>
-          </a:bodyPr>
-          <a:lstStyle/>
-          <a:p>
-            <a:r>
-              <a:rPr>
-                <a:latin typeface="Meiryo UI" panose="020B0604030504040204" pitchFamily="50" charset="-128"/>
-                <a:ea typeface="Meiryo UI" panose="020B0604030504040204" pitchFamily="50" charset="-128"/>
-              </a:rPr>
-              <a:t>・全体の割合でflex:1を設定します。</a:t>
-            </a:r>
-          </a:p>
-          <a:p>
-            <a:r>
-              <a:rPr>
-                <a:latin typeface="Meiryo UI" panose="020B0604030504040204" pitchFamily="50" charset="-128"/>
-                <a:ea typeface="Meiryo UI" panose="020B0604030504040204" pitchFamily="50" charset="-128"/>
-              </a:rPr>
-              <a:t>　こうすることで画面全体のサイズを使用可能となる。</a:t>
-            </a:r>
-          </a:p>
-        </p:txBody>
-      </p:sp>
-      <p:sp>
-        <p:nvSpPr>
-          <p:cNvPr id="178" name="・そのあとに各コンポーネントに対して、flexを指定していきます。…"/>
-          <p:cNvSpPr txBox="1"/>
-          <p:nvPr/>
-        </p:nvSpPr>
-        <p:spPr>
-          <a:xfrm>
-            <a:off x="4247389" y="3847530"/>
-            <a:ext cx="7418651" cy="646327"/>
-          </a:xfrm>
-          <a:prstGeom prst="rect">
-            <a:avLst/>
-          </a:prstGeom>
-          <a:ln w="12700">
-            <a:miter lim="400000"/>
-          </a:ln>
-          <a:extLst>
-            <a:ext uri="{C572A759-6A51-4108-AA02-DFA0A04FC94B}">
-              <ma14:wrappingTextBoxFlag xmlns:ma14="http://schemas.microsoft.com/office/mac/drawingml/2011/main" xmlns:a14="http://schemas.microsoft.com/office/drawing/2010/main" xmlns:m="http://schemas.openxmlformats.org/officeDocument/2006/math" xmlns="" val="1"/>
-            </a:ext>
-          </a:extLst>
-        </p:spPr>
-        <p:txBody>
-          <a:bodyPr lIns="45718" tIns="45718" rIns="45718" bIns="45718">
-            <a:spAutoFit/>
-          </a:bodyPr>
-          <a:lstStyle/>
-          <a:p>
-            <a:r>
-              <a:rPr dirty="0">
-                <a:latin typeface="Meiryo UI" panose="020B0604030504040204" pitchFamily="50" charset="-128"/>
-                <a:ea typeface="Meiryo UI" panose="020B0604030504040204" pitchFamily="50" charset="-128"/>
-              </a:rPr>
-              <a:t>・</a:t>
-            </a:r>
-            <a:r>
-              <a:rPr dirty="0" err="1">
-                <a:latin typeface="Meiryo UI" panose="020B0604030504040204" pitchFamily="50" charset="-128"/>
-                <a:ea typeface="Meiryo UI" panose="020B0604030504040204" pitchFamily="50" charset="-128"/>
-              </a:rPr>
-              <a:t>そのあとに各コンポーネントに対して、flexを指定していきます</a:t>
-            </a:r>
-            <a:r>
-              <a:rPr dirty="0">
-                <a:latin typeface="Meiryo UI" panose="020B0604030504040204" pitchFamily="50" charset="-128"/>
-                <a:ea typeface="Meiryo UI" panose="020B0604030504040204" pitchFamily="50" charset="-128"/>
-              </a:rPr>
-              <a:t>。</a:t>
-            </a:r>
-          </a:p>
-          <a:p>
-            <a:r>
-              <a:rPr dirty="0">
-                <a:latin typeface="Meiryo UI" panose="020B0604030504040204" pitchFamily="50" charset="-128"/>
-                <a:ea typeface="Meiryo UI" panose="020B0604030504040204" pitchFamily="50" charset="-128"/>
-              </a:rPr>
-              <a:t>　</a:t>
-            </a:r>
-            <a:r>
-              <a:rPr dirty="0" err="1">
-                <a:latin typeface="Meiryo UI" panose="020B0604030504040204" pitchFamily="50" charset="-128"/>
-                <a:ea typeface="Meiryo UI" panose="020B0604030504040204" pitchFamily="50" charset="-128"/>
-              </a:rPr>
-              <a:t>そうしたら、うまく割合を調整して表示してくれます</a:t>
-            </a:r>
-            <a:r>
-              <a:rPr dirty="0">
-                <a:latin typeface="Meiryo UI" panose="020B0604030504040204" pitchFamily="50" charset="-128"/>
-                <a:ea typeface="Meiryo UI" panose="020B0604030504040204" pitchFamily="50" charset="-128"/>
-              </a:rPr>
-              <a:t>。</a:t>
-            </a:r>
-          </a:p>
-        </p:txBody>
-      </p:sp>
     </p:spTree>
   </p:cSld>
   <p:clrMapOvr>
@@ -16726,10 +18298,16 @@
               </a:defRPr>
             </a:pPr>
             <a:r>
-              <a:rPr dirty="0" err="1"/>
+              <a:rPr dirty="0" err="1">
+                <a:latin typeface="Meiryo UI" panose="020B0604030504040204" pitchFamily="50" charset="-128"/>
+                <a:ea typeface="Meiryo UI" panose="020B0604030504040204" pitchFamily="50" charset="-128"/>
+              </a:rPr>
               <a:t>コンポーネントの使い方</a:t>
             </a:r>
-            <a:endParaRPr dirty="0"/>
+            <a:endParaRPr dirty="0">
+              <a:latin typeface="Meiryo UI" panose="020B0604030504040204" pitchFamily="50" charset="-128"/>
+              <a:ea typeface="Meiryo UI" panose="020B0604030504040204" pitchFamily="50" charset="-128"/>
+            </a:endParaRPr>
           </a:p>
           <a:p>
             <a:pPr marL="0" indent="0" defTabSz="554990">
@@ -16750,26 +18328,81 @@
               </a:defRPr>
             </a:pPr>
             <a:r>
-              <a:rPr dirty="0"/>
+              <a:rPr dirty="0">
+                <a:latin typeface="Meiryo UI" panose="020B0604030504040204" pitchFamily="50" charset="-128"/>
+                <a:ea typeface="Meiryo UI" panose="020B0604030504040204" pitchFamily="50" charset="-128"/>
+              </a:rPr>
               <a:t>　①</a:t>
             </a:r>
             <a:r>
-              <a:rPr dirty="0" err="1"/>
+              <a:rPr dirty="0" err="1">
+                <a:latin typeface="Meiryo UI" panose="020B0604030504040204" pitchFamily="50" charset="-128"/>
+                <a:ea typeface="Meiryo UI" panose="020B0604030504040204" pitchFamily="50" charset="-128"/>
+              </a:rPr>
               <a:t>コンポーネントをインポートする</a:t>
             </a:r>
             <a:r>
-              <a:rPr dirty="0"/>
-              <a:t>　②</a:t>
-            </a:r>
-            <a:r>
-              <a:rPr dirty="0" err="1"/>
+              <a:rPr dirty="0">
+                <a:latin typeface="Meiryo UI" panose="020B0604030504040204" pitchFamily="50" charset="-128"/>
+                <a:ea typeface="Meiryo UI" panose="020B0604030504040204" pitchFamily="50" charset="-128"/>
+              </a:rPr>
+              <a:t>　</a:t>
+            </a:r>
+            <a:endParaRPr lang="en-US" dirty="0" smtClean="0">
+              <a:latin typeface="Meiryo UI" panose="020B0604030504040204" pitchFamily="50" charset="-128"/>
+              <a:ea typeface="Meiryo UI" panose="020B0604030504040204" pitchFamily="50" charset="-128"/>
+            </a:endParaRPr>
+          </a:p>
+          <a:p>
+            <a:pPr marL="0" indent="0" defTabSz="554990">
+              <a:lnSpc>
+                <a:spcPct val="100000"/>
+              </a:lnSpc>
+              <a:spcBef>
+                <a:spcPts val="0"/>
+              </a:spcBef>
+              <a:buSzTx/>
+              <a:buFontTx/>
+              <a:buNone/>
+              <a:defRPr sz="1804">
+                <a:latin typeface="ヒラギノ角ゴ ProN W3"/>
+                <a:ea typeface="ヒラギノ角ゴ ProN W3"/>
+                <a:cs typeface="ヒラギノ角ゴ ProN W3"/>
+                <a:sym typeface="ヒラギノ角ゴ ProN W3"/>
+              </a:defRPr>
+            </a:pPr>
+            <a:r>
+              <a:rPr lang="ja-JP" altLang="en-US" dirty="0">
+                <a:latin typeface="Meiryo UI" panose="020B0604030504040204" pitchFamily="50" charset="-128"/>
+                <a:ea typeface="Meiryo UI" panose="020B0604030504040204" pitchFamily="50" charset="-128"/>
+              </a:rPr>
+              <a:t>　</a:t>
+            </a:r>
+            <a:r>
+              <a:rPr dirty="0" smtClean="0">
+                <a:latin typeface="Meiryo UI" panose="020B0604030504040204" pitchFamily="50" charset="-128"/>
+                <a:ea typeface="Meiryo UI" panose="020B0604030504040204" pitchFamily="50" charset="-128"/>
+              </a:rPr>
+              <a:t>②</a:t>
+            </a:r>
+            <a:r>
+              <a:rPr dirty="0" err="1">
+                <a:latin typeface="Meiryo UI" panose="020B0604030504040204" pitchFamily="50" charset="-128"/>
+                <a:ea typeface="Meiryo UI" panose="020B0604030504040204" pitchFamily="50" charset="-128"/>
+              </a:rPr>
               <a:t>JSX</a:t>
             </a:r>
             <a:r>
-              <a:rPr dirty="0" err="1" smtClean="0"/>
+              <a:rPr dirty="0" err="1" smtClean="0">
+                <a:latin typeface="Meiryo UI" panose="020B0604030504040204" pitchFamily="50" charset="-128"/>
+                <a:ea typeface="Meiryo UI" panose="020B0604030504040204" pitchFamily="50" charset="-128"/>
+              </a:rPr>
               <a:t>で配置する</a:t>
             </a:r>
-            <a:endParaRPr dirty="0"/>
+            <a:endParaRPr dirty="0">
+              <a:latin typeface="Meiryo UI" panose="020B0604030504040204" pitchFamily="50" charset="-128"/>
+              <a:ea typeface="Meiryo UI" panose="020B0604030504040204" pitchFamily="50" charset="-128"/>
+            </a:endParaRPr>
           </a:p>
         </p:txBody>
       </p:sp>
@@ -17004,7 +18637,7 @@
           <p:spPr>
             <a:xfrm>
               <a:off x="553736" y="3238653"/>
-              <a:ext cx="6058730" cy="336551"/>
+              <a:ext cx="3747082" cy="370373"/>
             </a:xfrm>
             <a:prstGeom prst="rect">
               <a:avLst/>
@@ -17033,7 +18666,7 @@
           <p:spPr>
             <a:xfrm>
               <a:off x="577046" y="4459369"/>
-              <a:ext cx="7952352" cy="760746"/>
+              <a:ext cx="6783964" cy="760746"/>
             </a:xfrm>
             <a:prstGeom prst="rect">
               <a:avLst/>
@@ -17159,7 +18792,7 @@
           <p:spPr>
             <a:xfrm>
               <a:off x="6886018" y="2388148"/>
-              <a:ext cx="3059999" cy="646331"/>
+              <a:ext cx="2477871" cy="646331"/>
             </a:xfrm>
             <a:prstGeom prst="rect">
               <a:avLst/>
@@ -17183,33 +18816,47 @@
                 <a:defRPr sz="1600"/>
               </a:pPr>
               <a:r>
-                <a:rPr lang="ja-JP" altLang="en-US" sz="1200" dirty="0" smtClean="0"/>
+                <a:rPr lang="ja-JP" altLang="en-US" sz="1200" dirty="0" smtClean="0">
+                  <a:latin typeface="Meiryo UI" panose="020B0604030504040204" pitchFamily="50" charset="-128"/>
+                  <a:ea typeface="Meiryo UI" panose="020B0604030504040204" pitchFamily="50" charset="-128"/>
+                </a:rPr>
                 <a:t>①</a:t>
               </a:r>
               <a:r>
-                <a:rPr sz="1200" dirty="0" err="1" smtClean="0"/>
-                <a:t>react-native</a:t>
+                <a:rPr sz="1200" dirty="0" err="1" smtClean="0">
+                  <a:latin typeface="Meiryo UI" panose="020B0604030504040204" pitchFamily="50" charset="-128"/>
+                  <a:ea typeface="Meiryo UI" panose="020B0604030504040204" pitchFamily="50" charset="-128"/>
+                </a:rPr>
+                <a:t>react-nativeからViewモジュール</a:t>
               </a:r>
               <a:r>
-                <a:rPr sz="1200" dirty="0" err="1"/>
-                <a:t>からViewモジュール</a:t>
-              </a:r>
-              <a:r>
-                <a:rPr sz="1200" dirty="0" smtClean="0"/>
+                <a:rPr sz="1200" dirty="0" smtClean="0">
+                  <a:latin typeface="Meiryo UI" panose="020B0604030504040204" pitchFamily="50" charset="-128"/>
+                  <a:ea typeface="Meiryo UI" panose="020B0604030504040204" pitchFamily="50" charset="-128"/>
+                </a:rPr>
                 <a:t>、</a:t>
               </a:r>
-              <a:endParaRPr lang="en-US" sz="1200" dirty="0" smtClean="0"/>
+              <a:endParaRPr lang="en-US" sz="1200" dirty="0" smtClean="0">
+                <a:latin typeface="Meiryo UI" panose="020B0604030504040204" pitchFamily="50" charset="-128"/>
+                <a:ea typeface="Meiryo UI" panose="020B0604030504040204" pitchFamily="50" charset="-128"/>
+              </a:endParaRPr>
             </a:p>
             <a:p>
               <a:pPr>
                 <a:defRPr sz="1600"/>
               </a:pPr>
               <a:r>
-                <a:rPr sz="1200" dirty="0" err="1" smtClean="0"/>
+                <a:rPr sz="1200" dirty="0" err="1" smtClean="0">
+                  <a:latin typeface="Meiryo UI" panose="020B0604030504040204" pitchFamily="50" charset="-128"/>
+                  <a:ea typeface="Meiryo UI" panose="020B0604030504040204" pitchFamily="50" charset="-128"/>
+                </a:rPr>
                 <a:t>Textモジュールをインポートしています</a:t>
               </a:r>
               <a:r>
-                <a:rPr sz="1200" dirty="0"/>
+                <a:rPr sz="1200" dirty="0" smtClean="0">
+                  <a:latin typeface="Meiryo UI" panose="020B0604030504040204" pitchFamily="50" charset="-128"/>
+                  <a:ea typeface="Meiryo UI" panose="020B0604030504040204" pitchFamily="50" charset="-128"/>
+                </a:rPr>
                 <a:t>。</a:t>
               </a:r>
             </a:p>
@@ -17327,7 +18974,7 @@
           <p:spPr>
             <a:xfrm>
               <a:off x="7253357" y="5404843"/>
-              <a:ext cx="2037564" cy="276999"/>
+              <a:ext cx="1759311" cy="276999"/>
             </a:xfrm>
             <a:prstGeom prst="rect">
               <a:avLst/>
@@ -17351,18 +18998,30 @@
                 <a:defRPr sz="1600"/>
               </a:pPr>
               <a:r>
-                <a:rPr lang="ja-JP" altLang="en-US" sz="1200" dirty="0" smtClean="0"/>
+                <a:rPr lang="ja-JP" altLang="en-US" sz="1200" dirty="0" smtClean="0">
+                  <a:latin typeface="Meiryo UI" panose="020B0604030504040204" pitchFamily="50" charset="-128"/>
+                  <a:ea typeface="Meiryo UI" panose="020B0604030504040204" pitchFamily="50" charset="-128"/>
+                </a:rPr>
                 <a:t>②</a:t>
               </a:r>
               <a:r>
-                <a:rPr lang="en-US" altLang="ja-JP" sz="1200" dirty="0" smtClean="0"/>
+                <a:rPr lang="en-US" altLang="ja-JP" sz="1200" dirty="0" smtClean="0">
+                  <a:latin typeface="Meiryo UI" panose="020B0604030504040204" pitchFamily="50" charset="-128"/>
+                  <a:ea typeface="Meiryo UI" panose="020B0604030504040204" pitchFamily="50" charset="-128"/>
+                </a:rPr>
                 <a:t>JSX</a:t>
               </a:r>
               <a:r>
-                <a:rPr lang="ja-JP" altLang="en-US" sz="1200" dirty="0" smtClean="0"/>
+                <a:rPr lang="ja-JP" altLang="en-US" sz="1200" dirty="0" smtClean="0">
+                  <a:latin typeface="Meiryo UI" panose="020B0604030504040204" pitchFamily="50" charset="-128"/>
+                  <a:ea typeface="Meiryo UI" panose="020B0604030504040204" pitchFamily="50" charset="-128"/>
+                </a:rPr>
                 <a:t>で配置しています。</a:t>
               </a:r>
-              <a:endParaRPr sz="1200" dirty="0"/>
+              <a:endParaRPr sz="1200" dirty="0">
+                <a:latin typeface="Meiryo UI" panose="020B0604030504040204" pitchFamily="50" charset="-128"/>
+                <a:ea typeface="Meiryo UI" panose="020B0604030504040204" pitchFamily="50" charset="-128"/>
+              </a:endParaRPr>
             </a:p>
           </p:txBody>
         </p:sp>
@@ -17394,7 +19053,7 @@
     </p:spTree>
     <p:extLst>
       <p:ext uri="{BB962C8B-B14F-4D97-AF65-F5344CB8AC3E}">
-        <p14:creationId xmlns:p14="http://schemas.microsoft.com/office/powerpoint/2010/main" val="2177866321"/>
+        <p14:creationId xmlns:p14="http://schemas.microsoft.com/office/powerpoint/2010/main" val="435232175"/>
       </p:ext>
     </p:extLst>
   </p:cSld>
@@ -17406,6 +19065,604 @@
 </file>
 
 <file path=ppt/slides/slide20.xml><?xml version="1.0" encoding="utf-8"?>
+<p:sld xmlns:a="http://schemas.openxmlformats.org/drawingml/2006/main" xmlns:r="http://schemas.openxmlformats.org/officeDocument/2006/relationships" xmlns:p="http://schemas.openxmlformats.org/presentationml/2006/main">
+  <p:cSld>
+    <p:spTree>
+      <p:nvGrpSpPr>
+        <p:cNvPr id="1" name=""/>
+        <p:cNvGrpSpPr/>
+        <p:nvPr/>
+      </p:nvGrpSpPr>
+      <p:grpSpPr>
+        <a:xfrm>
+          <a:off x="0" y="0"/>
+          <a:ext cx="0" cy="0"/>
+          <a:chOff x="0" y="0"/>
+          <a:chExt cx="0" cy="0"/>
+        </a:xfrm>
+      </p:grpSpPr>
+      <p:sp>
+        <p:nvSpPr>
+          <p:cNvPr id="167" name="Shape 121"/>
+          <p:cNvSpPr txBox="1">
+            <a:spLocks noGrp="1"/>
+          </p:cNvSpPr>
+          <p:nvPr>
+            <p:ph type="title"/>
+          </p:nvPr>
+        </p:nvSpPr>
+        <p:spPr>
+          <a:xfrm>
+            <a:off x="431799" y="339725"/>
+            <a:ext cx="10515601" cy="536575"/>
+          </a:xfrm>
+          <a:prstGeom prst="rect">
+            <a:avLst/>
+          </a:prstGeom>
+        </p:spPr>
+        <p:txBody>
+          <a:bodyPr/>
+          <a:lstStyle>
+            <a:lvl1pPr>
+              <a:lnSpc>
+                <a:spcPct val="100000"/>
+              </a:lnSpc>
+              <a:defRPr sz="2200"/>
+            </a:lvl1pPr>
+          </a:lstStyle>
+          <a:p>
+            <a:r>
+              <a:rPr>
+                <a:latin typeface="Meiryo UI" panose="020B0604030504040204" pitchFamily="50" charset="-128"/>
+                <a:ea typeface="Meiryo UI" panose="020B0604030504040204" pitchFamily="50" charset="-128"/>
+              </a:rPr>
+              <a:t>3-2．React Nativeの基礎知識 ～レイアウト～</a:t>
+            </a:r>
+          </a:p>
+        </p:txBody>
+      </p:sp>
+      <p:sp>
+        <p:nvSpPr>
+          <p:cNvPr id="168" name="Flexに関するレイアウトについて、もう少し複雑なものを作成していきましょう。"/>
+          <p:cNvSpPr txBox="1"/>
+          <p:nvPr/>
+        </p:nvSpPr>
+        <p:spPr>
+          <a:xfrm>
+            <a:off x="577088" y="1211581"/>
+            <a:ext cx="6940357" cy="369328"/>
+          </a:xfrm>
+          <a:prstGeom prst="rect">
+            <a:avLst/>
+          </a:prstGeom>
+          <a:ln w="12700">
+            <a:miter lim="400000"/>
+          </a:ln>
+          <a:extLst>
+            <a:ext uri="{C572A759-6A51-4108-AA02-DFA0A04FC94B}">
+              <ma14:wrappingTextBoxFlag xmlns="" xmlns:m="http://schemas.openxmlformats.org/officeDocument/2006/math" xmlns:a14="http://schemas.microsoft.com/office/drawing/2010/main" xmlns:ma14="http://schemas.microsoft.com/office/mac/drawingml/2011/main" val="1"/>
+            </a:ext>
+          </a:extLst>
+        </p:spPr>
+        <p:txBody>
+          <a:bodyPr wrap="none" lIns="45718" tIns="45718" rIns="45718" bIns="45718">
+            <a:spAutoFit/>
+          </a:bodyPr>
+          <a:lstStyle/>
+          <a:p>
+            <a:r>
+              <a:rPr>
+                <a:latin typeface="Meiryo UI" panose="020B0604030504040204" pitchFamily="50" charset="-128"/>
+                <a:ea typeface="Meiryo UI" panose="020B0604030504040204" pitchFamily="50" charset="-128"/>
+              </a:rPr>
+              <a:t>Flexに関するレイアウトについて、もう少し複雑なものを作成していきましょう。</a:t>
+            </a:r>
+          </a:p>
+        </p:txBody>
+      </p:sp>
+      <p:pic>
+        <p:nvPicPr>
+          <p:cNvPr id="169" name="Screenshot_1550093655.png" descr="Screenshot_1550093655.png"/>
+          <p:cNvPicPr>
+            <a:picLocks noChangeAspect="1"/>
+          </p:cNvPicPr>
+          <p:nvPr/>
+        </p:nvPicPr>
+        <p:blipFill>
+          <a:blip r:embed="rId2">
+            <a:extLst/>
+          </a:blip>
+          <a:stretch>
+            <a:fillRect/>
+          </a:stretch>
+        </p:blipFill>
+        <p:spPr>
+          <a:xfrm>
+            <a:off x="1111193" y="1917700"/>
+            <a:ext cx="2553172" cy="4538972"/>
+          </a:xfrm>
+          <a:prstGeom prst="rect">
+            <a:avLst/>
+          </a:prstGeom>
+          <a:ln w="12700">
+            <a:miter lim="400000"/>
+          </a:ln>
+        </p:spPr>
+      </p:pic>
+      <p:sp>
+        <p:nvSpPr>
+          <p:cNvPr id="170" name="Flexのサイズを調整することで、コンポーネントの大きさを割合として…"/>
+          <p:cNvSpPr txBox="1"/>
+          <p:nvPr/>
+        </p:nvSpPr>
+        <p:spPr>
+          <a:xfrm>
+            <a:off x="4247388" y="1917700"/>
+            <a:ext cx="6055500" cy="646327"/>
+          </a:xfrm>
+          <a:prstGeom prst="rect">
+            <a:avLst/>
+          </a:prstGeom>
+          <a:ln w="12700">
+            <a:miter lim="400000"/>
+          </a:ln>
+          <a:extLst>
+            <a:ext uri="{C572A759-6A51-4108-AA02-DFA0A04FC94B}">
+              <ma14:wrappingTextBoxFlag xmlns="" xmlns:m="http://schemas.openxmlformats.org/officeDocument/2006/math" xmlns:a14="http://schemas.microsoft.com/office/drawing/2010/main" xmlns:ma14="http://schemas.microsoft.com/office/mac/drawingml/2011/main" val="1"/>
+            </a:ext>
+          </a:extLst>
+        </p:spPr>
+        <p:txBody>
+          <a:bodyPr wrap="none" lIns="45718" tIns="45718" rIns="45718" bIns="45718">
+            <a:spAutoFit/>
+          </a:bodyPr>
+          <a:lstStyle/>
+          <a:p>
+            <a:r>
+              <a:rPr>
+                <a:latin typeface="Meiryo UI" panose="020B0604030504040204" pitchFamily="50" charset="-128"/>
+                <a:ea typeface="Meiryo UI" panose="020B0604030504040204" pitchFamily="50" charset="-128"/>
+              </a:rPr>
+              <a:t>Flexのサイズを調整することで、コンポーネントの大きさを割合として</a:t>
+            </a:r>
+          </a:p>
+          <a:p>
+            <a:r>
+              <a:rPr>
+                <a:latin typeface="Meiryo UI" panose="020B0604030504040204" pitchFamily="50" charset="-128"/>
+                <a:ea typeface="Meiryo UI" panose="020B0604030504040204" pitchFamily="50" charset="-128"/>
+              </a:rPr>
+              <a:t>設定することが可能となります。</a:t>
+            </a:r>
+          </a:p>
+        </p:txBody>
+      </p:sp>
+      <p:sp>
+        <p:nvSpPr>
+          <p:cNvPr id="171" name="flex : 1"/>
+          <p:cNvSpPr txBox="1"/>
+          <p:nvPr/>
+        </p:nvSpPr>
+        <p:spPr>
+          <a:xfrm>
+            <a:off x="323088" y="3901438"/>
+            <a:ext cx="675822" cy="276995"/>
+          </a:xfrm>
+          <a:prstGeom prst="rect">
+            <a:avLst/>
+          </a:prstGeom>
+          <a:ln w="12700">
+            <a:miter lim="400000"/>
+          </a:ln>
+          <a:extLst>
+            <a:ext uri="{C572A759-6A51-4108-AA02-DFA0A04FC94B}">
+              <ma14:wrappingTextBoxFlag xmlns="" xmlns:m="http://schemas.openxmlformats.org/officeDocument/2006/math" xmlns:a14="http://schemas.microsoft.com/office/drawing/2010/main" xmlns:ma14="http://schemas.microsoft.com/office/mac/drawingml/2011/main" val="1"/>
+            </a:ext>
+          </a:extLst>
+        </p:spPr>
+        <p:txBody>
+          <a:bodyPr wrap="none" lIns="45718" tIns="45718" rIns="45718" bIns="45718">
+            <a:spAutoFit/>
+          </a:bodyPr>
+          <a:lstStyle>
+            <a:lvl1pPr>
+              <a:defRPr sz="1200"/>
+            </a:lvl1pPr>
+          </a:lstStyle>
+          <a:p>
+            <a:r>
+              <a:rPr dirty="0">
+                <a:latin typeface="Meiryo UI" panose="020B0604030504040204" pitchFamily="50" charset="-128"/>
+                <a:ea typeface="Meiryo UI" panose="020B0604030504040204" pitchFamily="50" charset="-128"/>
+              </a:rPr>
+              <a:t>flex : 1 </a:t>
+            </a:r>
+          </a:p>
+        </p:txBody>
+      </p:sp>
+      <p:sp>
+        <p:nvSpPr>
+          <p:cNvPr id="179" name="接続の線"/>
+          <p:cNvSpPr/>
+          <p:nvPr/>
+        </p:nvSpPr>
+        <p:spPr>
+          <a:xfrm>
+            <a:off x="646442" y="2680973"/>
+            <a:ext cx="464752" cy="1220466"/>
+          </a:xfrm>
+          <a:custGeom>
+            <a:avLst/>
+            <a:gdLst/>
+            <a:ahLst/>
+            <a:cxnLst>
+              <a:cxn ang="0">
+                <a:pos x="wd2" y="hd2"/>
+              </a:cxn>
+              <a:cxn ang="5400000">
+                <a:pos x="wd2" y="hd2"/>
+              </a:cxn>
+              <a:cxn ang="10800000">
+                <a:pos x="wd2" y="hd2"/>
+              </a:cxn>
+              <a:cxn ang="16200000">
+                <a:pos x="wd2" y="hd2"/>
+              </a:cxn>
+            </a:cxnLst>
+            <a:rect l="0" t="0" r="r" b="b"/>
+            <a:pathLst>
+              <a:path w="21600" h="21600" extrusionOk="0">
+                <a:moveTo>
+                  <a:pt x="0" y="21600"/>
+                </a:moveTo>
+                <a:cubicBezTo>
+                  <a:pt x="5948" y="10166"/>
+                  <a:pt x="13148" y="2966"/>
+                  <a:pt x="21600" y="0"/>
+                </a:cubicBezTo>
+              </a:path>
+            </a:pathLst>
+          </a:custGeom>
+          <a:ln w="25400">
+            <a:solidFill>
+              <a:schemeClr val="accent1"/>
+            </a:solidFill>
+          </a:ln>
+        </p:spPr>
+        <p:txBody>
+          <a:bodyPr/>
+          <a:lstStyle/>
+          <a:p>
+            <a:endParaRPr>
+              <a:latin typeface="Meiryo UI" panose="020B0604030504040204" pitchFamily="50" charset="-128"/>
+              <a:ea typeface="Meiryo UI" panose="020B0604030504040204" pitchFamily="50" charset="-128"/>
+            </a:endParaRPr>
+          </a:p>
+        </p:txBody>
+      </p:sp>
+      <p:sp>
+        <p:nvSpPr>
+          <p:cNvPr id="180" name="接続の線"/>
+          <p:cNvSpPr/>
+          <p:nvPr/>
+        </p:nvSpPr>
+        <p:spPr>
+          <a:xfrm>
+            <a:off x="639057" y="4170694"/>
+            <a:ext cx="461461" cy="1821557"/>
+          </a:xfrm>
+          <a:custGeom>
+            <a:avLst/>
+            <a:gdLst/>
+            <a:ahLst/>
+            <a:cxnLst>
+              <a:cxn ang="0">
+                <a:pos x="wd2" y="hd2"/>
+              </a:cxn>
+              <a:cxn ang="5400000">
+                <a:pos x="wd2" y="hd2"/>
+              </a:cxn>
+              <a:cxn ang="10800000">
+                <a:pos x="wd2" y="hd2"/>
+              </a:cxn>
+              <a:cxn ang="16200000">
+                <a:pos x="wd2" y="hd2"/>
+              </a:cxn>
+            </a:cxnLst>
+            <a:rect l="0" t="0" r="r" b="b"/>
+            <a:pathLst>
+              <a:path w="21600" h="21600" extrusionOk="0">
+                <a:moveTo>
+                  <a:pt x="21600" y="21600"/>
+                </a:moveTo>
+                <a:cubicBezTo>
+                  <a:pt x="14660" y="20906"/>
+                  <a:pt x="7460" y="13706"/>
+                  <a:pt x="0" y="0"/>
+                </a:cubicBezTo>
+              </a:path>
+            </a:pathLst>
+          </a:custGeom>
+          <a:ln w="25400">
+            <a:solidFill>
+              <a:schemeClr val="accent1"/>
+            </a:solidFill>
+          </a:ln>
+        </p:spPr>
+        <p:txBody>
+          <a:bodyPr/>
+          <a:lstStyle/>
+          <a:p>
+            <a:endParaRPr>
+              <a:latin typeface="Meiryo UI" panose="020B0604030504040204" pitchFamily="50" charset="-128"/>
+              <a:ea typeface="Meiryo UI" panose="020B0604030504040204" pitchFamily="50" charset="-128"/>
+            </a:endParaRPr>
+          </a:p>
+        </p:txBody>
+      </p:sp>
+      <p:sp>
+        <p:nvSpPr>
+          <p:cNvPr id="174" name="flex : 1"/>
+          <p:cNvSpPr txBox="1"/>
+          <p:nvPr/>
+        </p:nvSpPr>
+        <p:spPr>
+          <a:xfrm>
+            <a:off x="3256788" y="2898138"/>
+            <a:ext cx="675822" cy="276995"/>
+          </a:xfrm>
+          <a:prstGeom prst="rect">
+            <a:avLst/>
+          </a:prstGeom>
+          <a:ln w="12700">
+            <a:miter lim="400000"/>
+          </a:ln>
+          <a:extLst>
+            <a:ext uri="{C572A759-6A51-4108-AA02-DFA0A04FC94B}">
+              <ma14:wrappingTextBoxFlag xmlns="" xmlns:m="http://schemas.openxmlformats.org/officeDocument/2006/math" xmlns:a14="http://schemas.microsoft.com/office/drawing/2010/main" xmlns:ma14="http://schemas.microsoft.com/office/mac/drawingml/2011/main" val="1"/>
+            </a:ext>
+          </a:extLst>
+        </p:spPr>
+        <p:txBody>
+          <a:bodyPr wrap="none" lIns="45718" tIns="45718" rIns="45718" bIns="45718">
+            <a:spAutoFit/>
+          </a:bodyPr>
+          <a:lstStyle>
+            <a:lvl1pPr>
+              <a:defRPr sz="1200"/>
+            </a:lvl1pPr>
+          </a:lstStyle>
+          <a:p>
+            <a:r>
+              <a:rPr>
+                <a:latin typeface="Meiryo UI" panose="020B0604030504040204" pitchFamily="50" charset="-128"/>
+                <a:ea typeface="Meiryo UI" panose="020B0604030504040204" pitchFamily="50" charset="-128"/>
+              </a:rPr>
+              <a:t>flex : 1 </a:t>
+            </a:r>
+          </a:p>
+        </p:txBody>
+      </p:sp>
+      <p:sp>
+        <p:nvSpPr>
+          <p:cNvPr id="175" name="flex : 2"/>
+          <p:cNvSpPr txBox="1"/>
+          <p:nvPr/>
+        </p:nvSpPr>
+        <p:spPr>
+          <a:xfrm>
+            <a:off x="3256788" y="3723638"/>
+            <a:ext cx="675822" cy="276995"/>
+          </a:xfrm>
+          <a:prstGeom prst="rect">
+            <a:avLst/>
+          </a:prstGeom>
+          <a:ln w="12700">
+            <a:miter lim="400000"/>
+          </a:ln>
+          <a:extLst>
+            <a:ext uri="{C572A759-6A51-4108-AA02-DFA0A04FC94B}">
+              <ma14:wrappingTextBoxFlag xmlns="" xmlns:m="http://schemas.openxmlformats.org/officeDocument/2006/math" xmlns:a14="http://schemas.microsoft.com/office/drawing/2010/main" xmlns:ma14="http://schemas.microsoft.com/office/mac/drawingml/2011/main" val="1"/>
+            </a:ext>
+          </a:extLst>
+        </p:spPr>
+        <p:txBody>
+          <a:bodyPr wrap="none" lIns="45718" tIns="45718" rIns="45718" bIns="45718">
+            <a:spAutoFit/>
+          </a:bodyPr>
+          <a:lstStyle>
+            <a:lvl1pPr>
+              <a:defRPr sz="1200"/>
+            </a:lvl1pPr>
+          </a:lstStyle>
+          <a:p>
+            <a:r>
+              <a:rPr>
+                <a:latin typeface="Meiryo UI" panose="020B0604030504040204" pitchFamily="50" charset="-128"/>
+                <a:ea typeface="Meiryo UI" panose="020B0604030504040204" pitchFamily="50" charset="-128"/>
+              </a:rPr>
+              <a:t>flex : 2 </a:t>
+            </a:r>
+          </a:p>
+        </p:txBody>
+      </p:sp>
+      <p:sp>
+        <p:nvSpPr>
+          <p:cNvPr id="176" name="flex : 3"/>
+          <p:cNvSpPr txBox="1"/>
+          <p:nvPr/>
+        </p:nvSpPr>
+        <p:spPr>
+          <a:xfrm>
+            <a:off x="3256788" y="5189214"/>
+            <a:ext cx="622923" cy="276995"/>
+          </a:xfrm>
+          <a:prstGeom prst="rect">
+            <a:avLst/>
+          </a:prstGeom>
+          <a:ln w="12700">
+            <a:miter lim="400000"/>
+          </a:ln>
+          <a:extLst>
+            <a:ext uri="{C572A759-6A51-4108-AA02-DFA0A04FC94B}">
+              <ma14:wrappingTextBoxFlag xmlns="" xmlns:m="http://schemas.openxmlformats.org/officeDocument/2006/math" xmlns:a14="http://schemas.microsoft.com/office/drawing/2010/main" xmlns:ma14="http://schemas.microsoft.com/office/mac/drawingml/2011/main" val="1"/>
+            </a:ext>
+          </a:extLst>
+        </p:spPr>
+        <p:txBody>
+          <a:bodyPr wrap="none" lIns="45718" tIns="45718" rIns="45718" bIns="45718">
+            <a:spAutoFit/>
+          </a:bodyPr>
+          <a:lstStyle>
+            <a:lvl1pPr>
+              <a:defRPr sz="1200"/>
+            </a:lvl1pPr>
+          </a:lstStyle>
+          <a:p>
+            <a:r>
+              <a:rPr>
+                <a:latin typeface="Meiryo UI" panose="020B0604030504040204" pitchFamily="50" charset="-128"/>
+                <a:ea typeface="Meiryo UI" panose="020B0604030504040204" pitchFamily="50" charset="-128"/>
+              </a:rPr>
+              <a:t>flex : 3</a:t>
+            </a:r>
+          </a:p>
+        </p:txBody>
+      </p:sp>
+      <p:sp>
+        <p:nvSpPr>
+          <p:cNvPr id="177" name="・全体の割合でflex:1を設定します。…"/>
+          <p:cNvSpPr txBox="1"/>
+          <p:nvPr/>
+        </p:nvSpPr>
+        <p:spPr>
+          <a:xfrm>
+            <a:off x="4247389" y="2966719"/>
+            <a:ext cx="7418651" cy="646327"/>
+          </a:xfrm>
+          <a:prstGeom prst="rect">
+            <a:avLst/>
+          </a:prstGeom>
+          <a:ln w="12700">
+            <a:miter lim="400000"/>
+          </a:ln>
+          <a:extLst>
+            <a:ext uri="{C572A759-6A51-4108-AA02-DFA0A04FC94B}">
+              <ma14:wrappingTextBoxFlag xmlns="" xmlns:m="http://schemas.openxmlformats.org/officeDocument/2006/math" xmlns:a14="http://schemas.microsoft.com/office/drawing/2010/main" xmlns:ma14="http://schemas.microsoft.com/office/mac/drawingml/2011/main" val="1"/>
+            </a:ext>
+          </a:extLst>
+        </p:spPr>
+        <p:txBody>
+          <a:bodyPr lIns="45718" tIns="45718" rIns="45718" bIns="45718">
+            <a:spAutoFit/>
+          </a:bodyPr>
+          <a:lstStyle/>
+          <a:p>
+            <a:r>
+              <a:rPr>
+                <a:latin typeface="Meiryo UI" panose="020B0604030504040204" pitchFamily="50" charset="-128"/>
+                <a:ea typeface="Meiryo UI" panose="020B0604030504040204" pitchFamily="50" charset="-128"/>
+              </a:rPr>
+              <a:t>・全体の割合でflex:1を設定します。</a:t>
+            </a:r>
+          </a:p>
+          <a:p>
+            <a:r>
+              <a:rPr>
+                <a:latin typeface="Meiryo UI" panose="020B0604030504040204" pitchFamily="50" charset="-128"/>
+                <a:ea typeface="Meiryo UI" panose="020B0604030504040204" pitchFamily="50" charset="-128"/>
+              </a:rPr>
+              <a:t>　こうすることで画面全体のサイズを使用可能となる。</a:t>
+            </a:r>
+          </a:p>
+        </p:txBody>
+      </p:sp>
+      <p:sp>
+        <p:nvSpPr>
+          <p:cNvPr id="178" name="・そのあとに各コンポーネントに対して、flexを指定していきます。…"/>
+          <p:cNvSpPr txBox="1"/>
+          <p:nvPr/>
+        </p:nvSpPr>
+        <p:spPr>
+          <a:xfrm>
+            <a:off x="4247389" y="3847530"/>
+            <a:ext cx="7418651" cy="646327"/>
+          </a:xfrm>
+          <a:prstGeom prst="rect">
+            <a:avLst/>
+          </a:prstGeom>
+          <a:ln w="12700">
+            <a:miter lim="400000"/>
+          </a:ln>
+          <a:extLst>
+            <a:ext uri="{C572A759-6A51-4108-AA02-DFA0A04FC94B}">
+              <ma14:wrappingTextBoxFlag xmlns="" xmlns:m="http://schemas.openxmlformats.org/officeDocument/2006/math" xmlns:a14="http://schemas.microsoft.com/office/drawing/2010/main" xmlns:ma14="http://schemas.microsoft.com/office/mac/drawingml/2011/main" val="1"/>
+            </a:ext>
+          </a:extLst>
+        </p:spPr>
+        <p:txBody>
+          <a:bodyPr lIns="45718" tIns="45718" rIns="45718" bIns="45718">
+            <a:spAutoFit/>
+          </a:bodyPr>
+          <a:lstStyle/>
+          <a:p>
+            <a:r>
+              <a:rPr dirty="0">
+                <a:latin typeface="Meiryo UI" panose="020B0604030504040204" pitchFamily="50" charset="-128"/>
+                <a:ea typeface="Meiryo UI" panose="020B0604030504040204" pitchFamily="50" charset="-128"/>
+              </a:rPr>
+              <a:t>・</a:t>
+            </a:r>
+            <a:r>
+              <a:rPr dirty="0" err="1">
+                <a:latin typeface="Meiryo UI" panose="020B0604030504040204" pitchFamily="50" charset="-128"/>
+                <a:ea typeface="Meiryo UI" panose="020B0604030504040204" pitchFamily="50" charset="-128"/>
+              </a:rPr>
+              <a:t>そのあとに各コンポーネントに対して、flexを指定していきます</a:t>
+            </a:r>
+            <a:r>
+              <a:rPr dirty="0">
+                <a:latin typeface="Meiryo UI" panose="020B0604030504040204" pitchFamily="50" charset="-128"/>
+                <a:ea typeface="Meiryo UI" panose="020B0604030504040204" pitchFamily="50" charset="-128"/>
+              </a:rPr>
+              <a:t>。</a:t>
+            </a:r>
+          </a:p>
+          <a:p>
+            <a:r>
+              <a:rPr dirty="0">
+                <a:latin typeface="Meiryo UI" panose="020B0604030504040204" pitchFamily="50" charset="-128"/>
+                <a:ea typeface="Meiryo UI" panose="020B0604030504040204" pitchFamily="50" charset="-128"/>
+              </a:rPr>
+              <a:t>　</a:t>
+            </a:r>
+            <a:r>
+              <a:rPr dirty="0" err="1">
+                <a:latin typeface="Meiryo UI" panose="020B0604030504040204" pitchFamily="50" charset="-128"/>
+                <a:ea typeface="Meiryo UI" panose="020B0604030504040204" pitchFamily="50" charset="-128"/>
+              </a:rPr>
+              <a:t>そうしたら、うまく割合を調整して表示してくれます</a:t>
+            </a:r>
+            <a:r>
+              <a:rPr dirty="0">
+                <a:latin typeface="Meiryo UI" panose="020B0604030504040204" pitchFamily="50" charset="-128"/>
+                <a:ea typeface="Meiryo UI" panose="020B0604030504040204" pitchFamily="50" charset="-128"/>
+              </a:rPr>
+              <a:t>。</a:t>
+            </a:r>
+          </a:p>
+        </p:txBody>
+      </p:sp>
+    </p:spTree>
+  </p:cSld>
+  <p:clrMapOvr>
+    <a:masterClrMapping/>
+  </p:clrMapOvr>
+  <p:transition spd="med"/>
+</p:sld>
+</file>
+
+<file path=ppt/slides/slide21.xml><?xml version="1.0" encoding="utf-8"?>
 <p:sld xmlns:a="http://schemas.openxmlformats.org/drawingml/2006/main" xmlns:r="http://schemas.openxmlformats.org/officeDocument/2006/relationships" xmlns:p="http://schemas.openxmlformats.org/presentationml/2006/main">
   <p:cSld>
     <p:spTree>
@@ -17481,7 +19738,7 @@
           </a:ln>
           <a:extLst>
             <a:ext uri="{C572A759-6A51-4108-AA02-DFA0A04FC94B}">
-              <ma14:wrappingTextBoxFlag xmlns:ma14="http://schemas.microsoft.com/office/mac/drawingml/2011/main" xmlns:a14="http://schemas.microsoft.com/office/drawing/2010/main" xmlns:m="http://schemas.openxmlformats.org/officeDocument/2006/math" xmlns="" val="1"/>
+              <ma14:wrappingTextBoxFlag xmlns="" xmlns:m="http://schemas.openxmlformats.org/officeDocument/2006/math" xmlns:a14="http://schemas.microsoft.com/office/drawing/2010/main" xmlns:ma14="http://schemas.microsoft.com/office/mac/drawingml/2011/main" val="1"/>
             </a:ext>
           </a:extLst>
         </p:spPr>
@@ -17525,7 +19782,7 @@
           </a:ln>
           <a:extLst>
             <a:ext uri="{C572A759-6A51-4108-AA02-DFA0A04FC94B}">
-              <ma14:wrappingTextBoxFlag xmlns:ma14="http://schemas.microsoft.com/office/mac/drawingml/2011/main" xmlns:a14="http://schemas.microsoft.com/office/drawing/2010/main" xmlns:m="http://schemas.openxmlformats.org/officeDocument/2006/math" xmlns="" val="1"/>
+              <ma14:wrappingTextBoxFlag xmlns="" xmlns:m="http://schemas.openxmlformats.org/officeDocument/2006/math" xmlns:a14="http://schemas.microsoft.com/office/drawing/2010/main" xmlns:ma14="http://schemas.microsoft.com/office/mac/drawingml/2011/main" val="1"/>
             </a:ext>
           </a:extLst>
         </p:spPr>
@@ -19634,7 +21891,7 @@
 </p:sld>
 </file>
 
-<file path=ppt/slides/slide21.xml><?xml version="1.0" encoding="utf-8"?>
+<file path=ppt/slides/slide22.xml><?xml version="1.0" encoding="utf-8"?>
 <p:sld xmlns:a="http://schemas.openxmlformats.org/drawingml/2006/main" xmlns:r="http://schemas.openxmlformats.org/officeDocument/2006/relationships" xmlns:p="http://schemas.openxmlformats.org/presentationml/2006/main">
   <p:cSld>
     <p:spTree>
@@ -19710,7 +21967,7 @@
           </a:ln>
           <a:extLst>
             <a:ext uri="{C572A759-6A51-4108-AA02-DFA0A04FC94B}">
-              <ma14:wrappingTextBoxFlag xmlns:ma14="http://schemas.microsoft.com/office/mac/drawingml/2011/main" xmlns:a14="http://schemas.microsoft.com/office/drawing/2010/main" xmlns:m="http://schemas.openxmlformats.org/officeDocument/2006/math" xmlns="" val="1"/>
+              <ma14:wrappingTextBoxFlag xmlns="" xmlns:m="http://schemas.openxmlformats.org/officeDocument/2006/math" xmlns:a14="http://schemas.microsoft.com/office/drawing/2010/main" xmlns:ma14="http://schemas.microsoft.com/office/mac/drawingml/2011/main" val="1"/>
             </a:ext>
           </a:extLst>
         </p:spPr>
@@ -19754,7 +22011,7 @@
           </a:ln>
           <a:extLst>
             <a:ext uri="{C572A759-6A51-4108-AA02-DFA0A04FC94B}">
-              <ma14:wrappingTextBoxFlag xmlns:ma14="http://schemas.microsoft.com/office/mac/drawingml/2011/main" xmlns:a14="http://schemas.microsoft.com/office/drawing/2010/main" xmlns:m="http://schemas.openxmlformats.org/officeDocument/2006/math" xmlns="" val="1"/>
+              <ma14:wrappingTextBoxFlag xmlns="" xmlns:m="http://schemas.openxmlformats.org/officeDocument/2006/math" xmlns:a14="http://schemas.microsoft.com/office/drawing/2010/main" xmlns:ma14="http://schemas.microsoft.com/office/mac/drawingml/2011/main" val="1"/>
             </a:ext>
           </a:extLst>
         </p:spPr>
@@ -21496,7 +23753,7 @@
 </p:sld>
 </file>
 
-<file path=ppt/slides/slide22.xml><?xml version="1.0" encoding="utf-8"?>
+<file path=ppt/slides/slide23.xml><?xml version="1.0" encoding="utf-8"?>
 <p:sld xmlns:a="http://schemas.openxmlformats.org/drawingml/2006/main" xmlns:r="http://schemas.openxmlformats.org/officeDocument/2006/relationships" xmlns:p="http://schemas.openxmlformats.org/presentationml/2006/main">
   <p:cSld>
     <p:spTree>
@@ -21572,7 +23829,7 @@
           </a:ln>
           <a:extLst>
             <a:ext uri="{C572A759-6A51-4108-AA02-DFA0A04FC94B}">
-              <ma14:wrappingTextBoxFlag xmlns:ma14="http://schemas.microsoft.com/office/mac/drawingml/2011/main" xmlns:a14="http://schemas.microsoft.com/office/drawing/2010/main" xmlns:m="http://schemas.openxmlformats.org/officeDocument/2006/math" xmlns="" val="1"/>
+              <ma14:wrappingTextBoxFlag xmlns="" xmlns:m="http://schemas.openxmlformats.org/officeDocument/2006/math" xmlns:a14="http://schemas.microsoft.com/office/drawing/2010/main" xmlns:ma14="http://schemas.microsoft.com/office/mac/drawingml/2011/main" val="1"/>
             </a:ext>
           </a:extLst>
         </p:spPr>
@@ -21616,7 +23873,7 @@
           </a:ln>
           <a:extLst>
             <a:ext uri="{C572A759-6A51-4108-AA02-DFA0A04FC94B}">
-              <ma14:wrappingTextBoxFlag xmlns:ma14="http://schemas.microsoft.com/office/mac/drawingml/2011/main" xmlns:a14="http://schemas.microsoft.com/office/drawing/2010/main" xmlns:m="http://schemas.openxmlformats.org/officeDocument/2006/math" xmlns="" val="1"/>
+              <ma14:wrappingTextBoxFlag xmlns="" xmlns:m="http://schemas.openxmlformats.org/officeDocument/2006/math" xmlns:a14="http://schemas.microsoft.com/office/drawing/2010/main" xmlns:ma14="http://schemas.microsoft.com/office/mac/drawingml/2011/main" val="1"/>
             </a:ext>
           </a:extLst>
         </p:spPr>
@@ -23592,10 +25849,16 @@
               </a:defRPr>
             </a:pPr>
             <a:r>
-              <a:rPr lang="ja-JP" altLang="en-US" dirty="0" smtClean="0"/>
+              <a:rPr lang="ja-JP" altLang="en-US" dirty="0" smtClean="0">
+                <a:latin typeface="Meiryo UI" panose="020B0604030504040204" pitchFamily="50" charset="-128"/>
+                <a:ea typeface="Meiryo UI" panose="020B0604030504040204" pitchFamily="50" charset="-128"/>
+              </a:rPr>
               <a:t>スタイルでコンポーネントの見た目をカスタマイズする。</a:t>
             </a:r>
-            <a:endParaRPr lang="en-US" altLang="ja-JP" dirty="0" smtClean="0"/>
+            <a:endParaRPr lang="en-US" altLang="ja-JP" dirty="0" smtClean="0">
+              <a:latin typeface="Meiryo UI" panose="020B0604030504040204" pitchFamily="50" charset="-128"/>
+              <a:ea typeface="Meiryo UI" panose="020B0604030504040204" pitchFamily="50" charset="-128"/>
+            </a:endParaRPr>
           </a:p>
           <a:p>
             <a:pPr marL="0" indent="0" defTabSz="554990">
@@ -23616,10 +25879,16 @@
               </a:defRPr>
             </a:pPr>
             <a:r>
-              <a:rPr lang="ja-JP" altLang="en-US" dirty="0" smtClean="0"/>
-              <a:t>①　スタイルを定義する。</a:t>
-            </a:r>
-            <a:endParaRPr lang="en-US" altLang="ja-JP" dirty="0" smtClean="0"/>
+              <a:rPr lang="ja-JP" altLang="en-US" dirty="0" smtClean="0">
+                <a:latin typeface="Meiryo UI" panose="020B0604030504040204" pitchFamily="50" charset="-128"/>
+                <a:ea typeface="Meiryo UI" panose="020B0604030504040204" pitchFamily="50" charset="-128"/>
+              </a:rPr>
+              <a:t>　①スタイルを定義する。</a:t>
+            </a:r>
+            <a:endParaRPr lang="en-US" altLang="ja-JP" dirty="0" smtClean="0">
+              <a:latin typeface="Meiryo UI" panose="020B0604030504040204" pitchFamily="50" charset="-128"/>
+              <a:ea typeface="Meiryo UI" panose="020B0604030504040204" pitchFamily="50" charset="-128"/>
+            </a:endParaRPr>
           </a:p>
           <a:p>
             <a:pPr marL="0" indent="0" defTabSz="554990">
@@ -23640,26 +25909,37 @@
               </a:defRPr>
             </a:pPr>
             <a:r>
-              <a:rPr lang="ja-JP" altLang="en-US" dirty="0" smtClean="0"/>
-              <a:t>②</a:t>
-            </a:r>
-            <a:r>
-              <a:rPr lang="ja-JP" altLang="en-US" dirty="0"/>
-              <a:t> </a:t>
-            </a:r>
-            <a:r>
-              <a:rPr lang="en-US" altLang="ja-JP" dirty="0"/>
+              <a:rPr lang="ja-JP" altLang="en-US" dirty="0" smtClean="0">
+                <a:latin typeface="Meiryo UI" panose="020B0604030504040204" pitchFamily="50" charset="-128"/>
+                <a:ea typeface="Meiryo UI" panose="020B0604030504040204" pitchFamily="50" charset="-128"/>
+              </a:rPr>
+              <a:t>　②</a:t>
+            </a:r>
+            <a:r>
+              <a:rPr lang="en-US" altLang="ja-JP" dirty="0" smtClean="0">
+                <a:latin typeface="Meiryo UI" panose="020B0604030504040204" pitchFamily="50" charset="-128"/>
+                <a:ea typeface="Meiryo UI" panose="020B0604030504040204" pitchFamily="50" charset="-128"/>
+              </a:rPr>
               <a:t>JSX</a:t>
             </a:r>
             <a:r>
-              <a:rPr lang="ja-JP" altLang="en-US" dirty="0"/>
+              <a:rPr lang="ja-JP" altLang="en-US" dirty="0">
+                <a:latin typeface="Meiryo UI" panose="020B0604030504040204" pitchFamily="50" charset="-128"/>
+                <a:ea typeface="Meiryo UI" panose="020B0604030504040204" pitchFamily="50" charset="-128"/>
+              </a:rPr>
               <a:t>内</a:t>
             </a:r>
             <a:r>
-              <a:rPr lang="ja-JP" altLang="en-US" dirty="0" smtClean="0"/>
+              <a:rPr lang="ja-JP" altLang="en-US" dirty="0" smtClean="0">
+                <a:latin typeface="Meiryo UI" panose="020B0604030504040204" pitchFamily="50" charset="-128"/>
+                <a:ea typeface="Meiryo UI" panose="020B0604030504040204" pitchFamily="50" charset="-128"/>
+              </a:rPr>
               <a:t>でスタイルを設定する。</a:t>
             </a:r>
-            <a:endParaRPr dirty="0"/>
+            <a:endParaRPr dirty="0">
+              <a:latin typeface="Meiryo UI" panose="020B0604030504040204" pitchFamily="50" charset="-128"/>
+              <a:ea typeface="Meiryo UI" panose="020B0604030504040204" pitchFamily="50" charset="-128"/>
+            </a:endParaRPr>
           </a:p>
         </p:txBody>
       </p:sp>
@@ -23672,7 +25952,7 @@
         <p:grpSpPr>
           <a:xfrm>
             <a:off x="3590477" y="4757284"/>
-            <a:ext cx="3455214" cy="1614488"/>
+            <a:ext cx="3455214" cy="1940610"/>
             <a:chOff x="6807200" y="2118020"/>
             <a:chExt cx="3426336" cy="1204948"/>
           </a:xfrm>
@@ -23768,7 +26048,7 @@
           <p:spPr>
             <a:xfrm>
               <a:off x="6886018" y="2230016"/>
-              <a:ext cx="2990999" cy="1033669"/>
+              <a:ext cx="2557038" cy="859960"/>
             </a:xfrm>
             <a:prstGeom prst="rect">
               <a:avLst/>
@@ -23792,150 +26072,252 @@
                 <a:defRPr sz="1600"/>
               </a:pPr>
               <a:r>
-                <a:rPr lang="ja-JP" altLang="en-US" sz="1200" dirty="0" smtClean="0"/>
+                <a:rPr lang="ja-JP" altLang="en-US" sz="1200" dirty="0" smtClean="0">
+                  <a:latin typeface="Meiryo UI" panose="020B0604030504040204" pitchFamily="50" charset="-128"/>
+                  <a:ea typeface="Meiryo UI" panose="020B0604030504040204" pitchFamily="50" charset="-128"/>
+                </a:rPr>
                 <a:t>①</a:t>
               </a:r>
               <a:r>
-                <a:rPr lang="ja-JP" altLang="en-US" sz="1200" dirty="0"/>
+                <a:rPr lang="ja-JP" altLang="en-US" sz="1200" dirty="0">
+                  <a:latin typeface="Meiryo UI" panose="020B0604030504040204" pitchFamily="50" charset="-128"/>
+                  <a:ea typeface="Meiryo UI" panose="020B0604030504040204" pitchFamily="50" charset="-128"/>
+                </a:rPr>
                 <a:t>スタイルを</a:t>
               </a:r>
               <a:r>
-                <a:rPr lang="ja-JP" altLang="en-US" sz="1200" dirty="0" smtClean="0"/>
+                <a:rPr lang="ja-JP" altLang="en-US" sz="1200" dirty="0" smtClean="0">
+                  <a:latin typeface="Meiryo UI" panose="020B0604030504040204" pitchFamily="50" charset="-128"/>
+                  <a:ea typeface="Meiryo UI" panose="020B0604030504040204" pitchFamily="50" charset="-128"/>
+                </a:rPr>
                 <a:t>定義します。</a:t>
               </a:r>
-              <a:endParaRPr lang="en-US" altLang="ja-JP" sz="1200" dirty="0" smtClean="0"/>
+              <a:endParaRPr lang="en-US" altLang="ja-JP" sz="1200" dirty="0" smtClean="0">
+                <a:latin typeface="Meiryo UI" panose="020B0604030504040204" pitchFamily="50" charset="-128"/>
+                <a:ea typeface="Meiryo UI" panose="020B0604030504040204" pitchFamily="50" charset="-128"/>
+              </a:endParaRPr>
             </a:p>
             <a:p>
               <a:pPr>
                 <a:defRPr sz="1600"/>
               </a:pPr>
               <a:r>
-                <a:rPr lang="ja-JP" altLang="en-US" sz="1200" dirty="0" smtClean="0"/>
+                <a:rPr lang="ja-JP" altLang="en-US" sz="1200" dirty="0" smtClean="0">
+                  <a:latin typeface="Meiryo UI" panose="020B0604030504040204" pitchFamily="50" charset="-128"/>
+                  <a:ea typeface="Meiryo UI" panose="020B0604030504040204" pitchFamily="50" charset="-128"/>
+                </a:rPr>
                 <a:t>（</a:t>
               </a:r>
               <a:r>
-                <a:rPr lang="en-US" altLang="ja-JP" sz="1200" dirty="0"/>
+                <a:rPr lang="en-US" altLang="ja-JP" sz="1200" dirty="0">
+                  <a:latin typeface="Meiryo UI" panose="020B0604030504040204" pitchFamily="50" charset="-128"/>
+                  <a:ea typeface="Meiryo UI" panose="020B0604030504040204" pitchFamily="50" charset="-128"/>
+                </a:rPr>
                 <a:t>※ Learn the Basic</a:t>
               </a:r>
               <a:r>
-                <a:rPr lang="ja-JP" altLang="en-US" sz="1200" dirty="0"/>
+                <a:rPr lang="ja-JP" altLang="en-US" sz="1200" dirty="0">
+                  <a:latin typeface="Meiryo UI" panose="020B0604030504040204" pitchFamily="50" charset="-128"/>
+                  <a:ea typeface="Meiryo UI" panose="020B0604030504040204" pitchFamily="50" charset="-128"/>
+                </a:rPr>
                 <a:t>② </a:t>
               </a:r>
               <a:r>
-                <a:rPr lang="ja-JP" altLang="en-US" sz="1200" dirty="0" smtClean="0"/>
+                <a:rPr lang="ja-JP" altLang="en-US" sz="1200" dirty="0" smtClean="0">
+                  <a:latin typeface="Meiryo UI" panose="020B0604030504040204" pitchFamily="50" charset="-128"/>
+                  <a:ea typeface="Meiryo UI" panose="020B0604030504040204" pitchFamily="50" charset="-128"/>
+                </a:rPr>
                 <a:t>のスタイル</a:t>
               </a:r>
-              <a:endParaRPr lang="en-US" altLang="ja-JP" sz="1200" dirty="0" smtClean="0"/>
+              <a:endParaRPr lang="en-US" altLang="ja-JP" sz="1200" dirty="0" smtClean="0">
+                <a:latin typeface="Meiryo UI" panose="020B0604030504040204" pitchFamily="50" charset="-128"/>
+                <a:ea typeface="Meiryo UI" panose="020B0604030504040204" pitchFamily="50" charset="-128"/>
+              </a:endParaRPr>
             </a:p>
             <a:p>
               <a:pPr>
                 <a:defRPr sz="1600"/>
               </a:pPr>
               <a:r>
-                <a:rPr lang="ja-JP" altLang="en-US" sz="1200" dirty="0"/>
+                <a:rPr lang="ja-JP" altLang="en-US" sz="1200" dirty="0">
+                  <a:latin typeface="Meiryo UI" panose="020B0604030504040204" pitchFamily="50" charset="-128"/>
+                  <a:ea typeface="Meiryo UI" panose="020B0604030504040204" pitchFamily="50" charset="-128"/>
+                </a:rPr>
                 <a:t>　</a:t>
               </a:r>
               <a:r>
-                <a:rPr lang="ja-JP" altLang="en-US" sz="1200" dirty="0" smtClean="0"/>
+                <a:rPr lang="ja-JP" altLang="en-US" sz="1200" dirty="0" smtClean="0">
+                  <a:latin typeface="Meiryo UI" panose="020B0604030504040204" pitchFamily="50" charset="-128"/>
+                  <a:ea typeface="Meiryo UI" panose="020B0604030504040204" pitchFamily="50" charset="-128"/>
+                </a:rPr>
                 <a:t>記述のように</a:t>
               </a:r>
               <a:r>
-                <a:rPr lang="en-US" altLang="ja-JP" sz="1200" dirty="0" smtClean="0"/>
+                <a:rPr lang="en-US" altLang="ja-JP" sz="1200" dirty="0" smtClean="0">
+                  <a:latin typeface="Meiryo UI" panose="020B0604030504040204" pitchFamily="50" charset="-128"/>
+                  <a:ea typeface="Meiryo UI" panose="020B0604030504040204" pitchFamily="50" charset="-128"/>
+                </a:rPr>
                 <a:t>JSX</a:t>
               </a:r>
               <a:r>
-                <a:rPr lang="ja-JP" altLang="en-US" sz="1200" dirty="0" smtClean="0"/>
+                <a:rPr lang="ja-JP" altLang="en-US" sz="1200" dirty="0" smtClean="0">
+                  <a:latin typeface="Meiryo UI" panose="020B0604030504040204" pitchFamily="50" charset="-128"/>
+                  <a:ea typeface="Meiryo UI" panose="020B0604030504040204" pitchFamily="50" charset="-128"/>
+                </a:rPr>
                 <a:t>内でコンポーネント毎</a:t>
               </a:r>
-              <a:endParaRPr lang="en-US" altLang="ja-JP" sz="1200" dirty="0" smtClean="0"/>
+              <a:endParaRPr lang="en-US" altLang="ja-JP" sz="1200" dirty="0" smtClean="0">
+                <a:latin typeface="Meiryo UI" panose="020B0604030504040204" pitchFamily="50" charset="-128"/>
+                <a:ea typeface="Meiryo UI" panose="020B0604030504040204" pitchFamily="50" charset="-128"/>
+              </a:endParaRPr>
             </a:p>
             <a:p>
               <a:pPr>
                 <a:defRPr sz="1600"/>
               </a:pPr>
               <a:r>
-                <a:rPr lang="ja-JP" altLang="en-US" sz="1200" dirty="0" smtClean="0"/>
+                <a:rPr lang="ja-JP" altLang="en-US" sz="1200" dirty="0" smtClean="0">
+                  <a:latin typeface="Meiryo UI" panose="020B0604030504040204" pitchFamily="50" charset="-128"/>
+                  <a:ea typeface="Meiryo UI" panose="020B0604030504040204" pitchFamily="50" charset="-128"/>
+                </a:rPr>
                 <a:t>　に直接記述し、適用することも可能で</a:t>
               </a:r>
-              <a:endParaRPr lang="en-US" altLang="ja-JP" sz="1200" dirty="0" smtClean="0"/>
+              <a:endParaRPr lang="en-US" altLang="ja-JP" sz="1200" dirty="0" smtClean="0">
+                <a:latin typeface="Meiryo UI" panose="020B0604030504040204" pitchFamily="50" charset="-128"/>
+                <a:ea typeface="Meiryo UI" panose="020B0604030504040204" pitchFamily="50" charset="-128"/>
+              </a:endParaRPr>
             </a:p>
             <a:p>
               <a:pPr>
                 <a:defRPr sz="1600"/>
               </a:pPr>
               <a:r>
-                <a:rPr lang="ja-JP" altLang="en-US" sz="1200" dirty="0"/>
+                <a:rPr lang="ja-JP" altLang="en-US" sz="1200" dirty="0">
+                  <a:latin typeface="Meiryo UI" panose="020B0604030504040204" pitchFamily="50" charset="-128"/>
+                  <a:ea typeface="Meiryo UI" panose="020B0604030504040204" pitchFamily="50" charset="-128"/>
+                </a:rPr>
                 <a:t>　</a:t>
               </a:r>
               <a:r>
-                <a:rPr lang="ja-JP" altLang="en-US" sz="1200" dirty="0" err="1" smtClean="0"/>
+                <a:rPr lang="ja-JP" altLang="en-US" sz="1200" dirty="0" err="1" smtClean="0">
+                  <a:latin typeface="Meiryo UI" panose="020B0604030504040204" pitchFamily="50" charset="-128"/>
+                  <a:ea typeface="Meiryo UI" panose="020B0604030504040204" pitchFamily="50" charset="-128"/>
+                </a:rPr>
                 <a:t>す</a:t>
               </a:r>
               <a:r>
-                <a:rPr lang="ja-JP" altLang="en-US" sz="1200" dirty="0" smtClean="0"/>
+                <a:rPr lang="ja-JP" altLang="en-US" sz="1200" dirty="0" smtClean="0">
+                  <a:latin typeface="Meiryo UI" panose="020B0604030504040204" pitchFamily="50" charset="-128"/>
+                  <a:ea typeface="Meiryo UI" panose="020B0604030504040204" pitchFamily="50" charset="-128"/>
+                </a:rPr>
                 <a:t>が、</a:t>
               </a:r>
               <a:r>
-                <a:rPr lang="ja-JP" altLang="en-US" sz="1200" dirty="0"/>
+                <a:rPr lang="ja-JP" altLang="en-US" sz="1200" dirty="0">
+                  <a:latin typeface="Meiryo UI" panose="020B0604030504040204" pitchFamily="50" charset="-128"/>
+                  <a:ea typeface="Meiryo UI" panose="020B0604030504040204" pitchFamily="50" charset="-128"/>
+                </a:rPr>
                 <a:t> </a:t>
               </a:r>
               <a:r>
-                <a:rPr lang="ja-JP" altLang="en-US" sz="1200" dirty="0" smtClean="0"/>
+                <a:rPr lang="ja-JP" altLang="en-US" sz="1200" dirty="0" smtClean="0">
+                  <a:latin typeface="Meiryo UI" panose="020B0604030504040204" pitchFamily="50" charset="-128"/>
+                  <a:ea typeface="Meiryo UI" panose="020B0604030504040204" pitchFamily="50" charset="-128"/>
+                </a:rPr>
                 <a:t>左記のように</a:t>
               </a:r>
               <a:r>
-                <a:rPr lang="en-US" altLang="ja-JP" sz="1200" dirty="0" smtClean="0"/>
+                <a:rPr lang="en-US" altLang="ja-JP" sz="1200" dirty="0" smtClean="0">
+                  <a:latin typeface="Meiryo UI" panose="020B0604030504040204" pitchFamily="50" charset="-128"/>
+                  <a:ea typeface="Meiryo UI" panose="020B0604030504040204" pitchFamily="50" charset="-128"/>
+                </a:rPr>
                 <a:t>1</a:t>
               </a:r>
               <a:r>
-                <a:rPr lang="ja-JP" altLang="en-US" sz="1200" dirty="0" err="1"/>
+                <a:rPr lang="ja-JP" altLang="en-US" sz="1200" dirty="0" err="1">
+                  <a:latin typeface="Meiryo UI" panose="020B0604030504040204" pitchFamily="50" charset="-128"/>
+                  <a:ea typeface="Meiryo UI" panose="020B0604030504040204" pitchFamily="50" charset="-128"/>
+                </a:rPr>
                 <a:t>つの</a:t>
               </a:r>
               <a:r>
-                <a:rPr lang="ja-JP" altLang="en-US" sz="1200" dirty="0"/>
+                <a:rPr lang="ja-JP" altLang="en-US" sz="1200" dirty="0">
+                  <a:latin typeface="Meiryo UI" panose="020B0604030504040204" pitchFamily="50" charset="-128"/>
+                  <a:ea typeface="Meiryo UI" panose="020B0604030504040204" pitchFamily="50" charset="-128"/>
+                </a:rPr>
                 <a:t>場所で複数</a:t>
               </a:r>
               <a:r>
-                <a:rPr lang="ja-JP" altLang="en-US" sz="1200" dirty="0" smtClean="0"/>
+                <a:rPr lang="ja-JP" altLang="en-US" sz="1200" dirty="0" smtClean="0">
+                  <a:latin typeface="Meiryo UI" panose="020B0604030504040204" pitchFamily="50" charset="-128"/>
+                  <a:ea typeface="Meiryo UI" panose="020B0604030504040204" pitchFamily="50" charset="-128"/>
+                </a:rPr>
                 <a:t>の</a:t>
               </a:r>
-              <a:endParaRPr lang="en-US" altLang="ja-JP" sz="1200" dirty="0" smtClean="0"/>
+              <a:endParaRPr lang="en-US" altLang="ja-JP" sz="1200" dirty="0" smtClean="0">
+                <a:latin typeface="Meiryo UI" panose="020B0604030504040204" pitchFamily="50" charset="-128"/>
+                <a:ea typeface="Meiryo UI" panose="020B0604030504040204" pitchFamily="50" charset="-128"/>
+              </a:endParaRPr>
             </a:p>
             <a:p>
               <a:pPr>
                 <a:defRPr sz="1600"/>
               </a:pPr>
               <a:r>
-                <a:rPr lang="ja-JP" altLang="en-US" sz="1200" dirty="0"/>
+                <a:rPr lang="ja-JP" altLang="en-US" sz="1200" dirty="0">
+                  <a:latin typeface="Meiryo UI" panose="020B0604030504040204" pitchFamily="50" charset="-128"/>
+                  <a:ea typeface="Meiryo UI" panose="020B0604030504040204" pitchFamily="50" charset="-128"/>
+                </a:rPr>
                 <a:t>　</a:t>
               </a:r>
               <a:r>
-                <a:rPr lang="ja-JP" altLang="en-US" sz="1200" dirty="0" smtClean="0"/>
+                <a:rPr lang="ja-JP" altLang="en-US" sz="1200" dirty="0" smtClean="0">
+                  <a:latin typeface="Meiryo UI" panose="020B0604030504040204" pitchFamily="50" charset="-128"/>
+                  <a:ea typeface="Meiryo UI" panose="020B0604030504040204" pitchFamily="50" charset="-128"/>
+                </a:rPr>
                 <a:t>スタイル</a:t>
               </a:r>
               <a:r>
-                <a:rPr lang="ja-JP" altLang="en-US" sz="1200" dirty="0"/>
+                <a:rPr lang="ja-JP" altLang="en-US" sz="1200" dirty="0">
+                  <a:latin typeface="Meiryo UI" panose="020B0604030504040204" pitchFamily="50" charset="-128"/>
+                  <a:ea typeface="Meiryo UI" panose="020B0604030504040204" pitchFamily="50" charset="-128"/>
+                </a:rPr>
                 <a:t>を</a:t>
               </a:r>
               <a:r>
-                <a:rPr lang="ja-JP" altLang="en-US" sz="1200" dirty="0" smtClean="0"/>
+                <a:rPr lang="ja-JP" altLang="en-US" sz="1200" dirty="0" smtClean="0">
+                  <a:latin typeface="Meiryo UI" panose="020B0604030504040204" pitchFamily="50" charset="-128"/>
+                  <a:ea typeface="Meiryo UI" panose="020B0604030504040204" pitchFamily="50" charset="-128"/>
+                </a:rPr>
                 <a:t>定義することで煩雑な記述を</a:t>
               </a:r>
-              <a:endParaRPr lang="en-US" altLang="ja-JP" sz="1200" dirty="0" smtClean="0"/>
+              <a:endParaRPr lang="en-US" altLang="ja-JP" sz="1200" dirty="0" smtClean="0">
+                <a:latin typeface="Meiryo UI" panose="020B0604030504040204" pitchFamily="50" charset="-128"/>
+                <a:ea typeface="Meiryo UI" panose="020B0604030504040204" pitchFamily="50" charset="-128"/>
+              </a:endParaRPr>
             </a:p>
             <a:p>
               <a:pPr>
                 <a:defRPr sz="1600"/>
               </a:pPr>
               <a:r>
-                <a:rPr lang="ja-JP" altLang="en-US" sz="1200" dirty="0"/>
+                <a:rPr lang="ja-JP" altLang="en-US" sz="1200" dirty="0">
+                  <a:latin typeface="Meiryo UI" panose="020B0604030504040204" pitchFamily="50" charset="-128"/>
+                  <a:ea typeface="Meiryo UI" panose="020B0604030504040204" pitchFamily="50" charset="-128"/>
+                </a:rPr>
                 <a:t>　</a:t>
               </a:r>
               <a:r>
-                <a:rPr lang="ja-JP" altLang="en-US" sz="1200" dirty="0" smtClean="0"/>
+                <a:rPr lang="ja-JP" altLang="en-US" sz="1200" dirty="0" smtClean="0">
+                  <a:latin typeface="Meiryo UI" panose="020B0604030504040204" pitchFamily="50" charset="-128"/>
+                  <a:ea typeface="Meiryo UI" panose="020B0604030504040204" pitchFamily="50" charset="-128"/>
+                </a:rPr>
                 <a:t>避けることができます。）</a:t>
               </a:r>
-              <a:endParaRPr sz="1200" dirty="0"/>
+              <a:endParaRPr sz="1200" dirty="0">
+                <a:latin typeface="Meiryo UI" panose="020B0604030504040204" pitchFamily="50" charset="-128"/>
+                <a:ea typeface="Meiryo UI" panose="020B0604030504040204" pitchFamily="50" charset="-128"/>
+              </a:endParaRPr>
             </a:p>
           </p:txBody>
         </p:sp>
@@ -24045,7 +26427,7 @@
           <p:spPr>
             <a:xfrm>
               <a:off x="6886017" y="2388147"/>
-              <a:ext cx="4026518" cy="651733"/>
+              <a:ext cx="3263461" cy="651733"/>
             </a:xfrm>
             <a:prstGeom prst="rect">
               <a:avLst/>
@@ -24069,28 +26451,46 @@
                 <a:defRPr sz="1600"/>
               </a:pPr>
               <a:r>
-                <a:rPr lang="ja-JP" altLang="en-US" sz="1200" dirty="0" smtClean="0"/>
+                <a:rPr lang="ja-JP" altLang="en-US" sz="1200" dirty="0" smtClean="0">
+                  <a:latin typeface="Meiryo UI" panose="020B0604030504040204" pitchFamily="50" charset="-128"/>
+                  <a:ea typeface="Meiryo UI" panose="020B0604030504040204" pitchFamily="50" charset="-128"/>
+                </a:rPr>
                 <a:t>②スタイル定義をコンポーネントに</a:t>
               </a:r>
-              <a:endParaRPr lang="en-US" altLang="ja-JP" sz="1200" dirty="0" smtClean="0"/>
+              <a:endParaRPr lang="en-US" altLang="ja-JP" sz="1200" dirty="0" smtClean="0">
+                <a:latin typeface="Meiryo UI" panose="020B0604030504040204" pitchFamily="50" charset="-128"/>
+                <a:ea typeface="Meiryo UI" panose="020B0604030504040204" pitchFamily="50" charset="-128"/>
+              </a:endParaRPr>
             </a:p>
             <a:p>
               <a:pPr>
                 <a:defRPr sz="1600"/>
               </a:pPr>
               <a:r>
-                <a:rPr lang="ja-JP" altLang="en-US" sz="1200" dirty="0"/>
+                <a:rPr lang="ja-JP" altLang="en-US" sz="1200" dirty="0">
+                  <a:latin typeface="Meiryo UI" panose="020B0604030504040204" pitchFamily="50" charset="-128"/>
+                  <a:ea typeface="Meiryo UI" panose="020B0604030504040204" pitchFamily="50" charset="-128"/>
+                </a:rPr>
                 <a:t>　</a:t>
               </a:r>
               <a:r>
-                <a:rPr lang="ja-JP" altLang="en-US" sz="1200" dirty="0" smtClean="0"/>
+                <a:rPr lang="ja-JP" altLang="en-US" sz="1200" dirty="0" smtClean="0">
+                  <a:latin typeface="Meiryo UI" panose="020B0604030504040204" pitchFamily="50" charset="-128"/>
+                  <a:ea typeface="Meiryo UI" panose="020B0604030504040204" pitchFamily="50" charset="-128"/>
+                </a:rPr>
                 <a:t>適用します</a:t>
               </a:r>
               <a:r>
-                <a:rPr lang="ja-JP" altLang="en-US" dirty="0" smtClean="0"/>
+                <a:rPr lang="ja-JP" altLang="en-US" dirty="0" smtClean="0">
+                  <a:latin typeface="Meiryo UI" panose="020B0604030504040204" pitchFamily="50" charset="-128"/>
+                  <a:ea typeface="Meiryo UI" panose="020B0604030504040204" pitchFamily="50" charset="-128"/>
+                </a:rPr>
                 <a:t>。</a:t>
               </a:r>
-              <a:endParaRPr dirty="0"/>
+              <a:endParaRPr dirty="0">
+                <a:latin typeface="Meiryo UI" panose="020B0604030504040204" pitchFamily="50" charset="-128"/>
+                <a:ea typeface="Meiryo UI" panose="020B0604030504040204" pitchFamily="50" charset="-128"/>
+              </a:endParaRPr>
             </a:p>
           </p:txBody>
         </p:sp>
@@ -24156,7 +26556,7 @@
         </p:nvSpPr>
         <p:spPr>
           <a:xfrm>
-            <a:off x="7747850" y="2329780"/>
+            <a:off x="7548554" y="2355886"/>
             <a:ext cx="1325041" cy="338554"/>
           </a:xfrm>
           <a:prstGeom prst="rect">
@@ -24181,10 +26581,16 @@
               <a:defRPr sz="1600"/>
             </a:pPr>
             <a:r>
-              <a:rPr lang="ja-JP" altLang="en-US" dirty="0" smtClean="0"/>
+              <a:rPr lang="ja-JP" altLang="en-US" dirty="0" smtClean="0">
+                <a:latin typeface="Meiryo UI" panose="020B0604030504040204" pitchFamily="50" charset="-128"/>
+                <a:ea typeface="Meiryo UI" panose="020B0604030504040204" pitchFamily="50" charset="-128"/>
+              </a:rPr>
               <a:t>スタイル適用前</a:t>
             </a:r>
-            <a:endParaRPr dirty="0"/>
+            <a:endParaRPr dirty="0">
+              <a:latin typeface="Meiryo UI" panose="020B0604030504040204" pitchFamily="50" charset="-128"/>
+              <a:ea typeface="Meiryo UI" panose="020B0604030504040204" pitchFamily="50" charset="-128"/>
+            </a:endParaRPr>
           </a:p>
         </p:txBody>
       </p:sp>
@@ -24196,7 +26602,7 @@
         </p:nvSpPr>
         <p:spPr>
           <a:xfrm>
-            <a:off x="10239383" y="2323230"/>
+            <a:off x="10113376" y="2329780"/>
             <a:ext cx="1325041" cy="338554"/>
           </a:xfrm>
           <a:prstGeom prst="rect">
@@ -24221,10 +26627,16 @@
               <a:defRPr sz="1600"/>
             </a:pPr>
             <a:r>
-              <a:rPr lang="ja-JP" altLang="en-US" dirty="0" smtClean="0"/>
+              <a:rPr lang="ja-JP" altLang="en-US" dirty="0" smtClean="0">
+                <a:latin typeface="Meiryo UI" panose="020B0604030504040204" pitchFamily="50" charset="-128"/>
+                <a:ea typeface="Meiryo UI" panose="020B0604030504040204" pitchFamily="50" charset="-128"/>
+              </a:rPr>
               <a:t>スタイル適用後</a:t>
             </a:r>
-            <a:endParaRPr dirty="0"/>
+            <a:endParaRPr dirty="0">
+              <a:latin typeface="Meiryo UI" panose="020B0604030504040204" pitchFamily="50" charset="-128"/>
+              <a:ea typeface="Meiryo UI" panose="020B0604030504040204" pitchFamily="50" charset="-128"/>
+            </a:endParaRPr>
           </a:p>
         </p:txBody>
       </p:sp>
@@ -24244,8 +26656,8 @@
         </p:blipFill>
         <p:spPr>
           <a:xfrm>
-            <a:off x="7498875" y="2749558"/>
-            <a:ext cx="1877584" cy="3818717"/>
+            <a:off x="7498875" y="2749559"/>
+            <a:ext cx="1877584" cy="3777228"/>
           </a:xfrm>
           <a:prstGeom prst="rect">
             <a:avLst/>
@@ -24255,7 +26667,7 @@
     </p:spTree>
     <p:extLst>
       <p:ext uri="{BB962C8B-B14F-4D97-AF65-F5344CB8AC3E}">
-        <p14:creationId xmlns:p14="http://schemas.microsoft.com/office/powerpoint/2010/main" val="3684239520"/>
+        <p14:creationId xmlns:p14="http://schemas.microsoft.com/office/powerpoint/2010/main" val="1403709217"/>
       </p:ext>
     </p:extLst>
   </p:cSld>
@@ -24623,10 +27035,16 @@
               </a:defRPr>
             </a:pPr>
             <a:r>
-              <a:rPr lang="ja-JP" altLang="en-US" dirty="0" smtClean="0"/>
+              <a:rPr lang="ja-JP" altLang="en-US" dirty="0" smtClean="0">
+                <a:latin typeface="Meiryo UI" panose="020B0604030504040204" pitchFamily="50" charset="-128"/>
+                <a:ea typeface="Meiryo UI" panose="020B0604030504040204" pitchFamily="50" charset="-128"/>
+              </a:rPr>
               <a:t>コンポーネントの高さによって画面上のサイズが決まります。寸法の指定は下記の方法があります。</a:t>
             </a:r>
-            <a:endParaRPr lang="en-US" altLang="ja-JP" dirty="0" smtClean="0"/>
+            <a:endParaRPr lang="en-US" altLang="ja-JP" dirty="0" smtClean="0">
+              <a:latin typeface="Meiryo UI" panose="020B0604030504040204" pitchFamily="50" charset="-128"/>
+              <a:ea typeface="Meiryo UI" panose="020B0604030504040204" pitchFamily="50" charset="-128"/>
+            </a:endParaRPr>
           </a:p>
           <a:p>
             <a:pPr marL="0" indent="0" defTabSz="554990">
@@ -24647,14 +27065,23 @@
               </a:defRPr>
             </a:pPr>
             <a:r>
-              <a:rPr lang="ja-JP" altLang="en-US" dirty="0"/>
+              <a:rPr lang="ja-JP" altLang="en-US" dirty="0">
+                <a:latin typeface="Meiryo UI" panose="020B0604030504040204" pitchFamily="50" charset="-128"/>
+                <a:ea typeface="Meiryo UI" panose="020B0604030504040204" pitchFamily="50" charset="-128"/>
+              </a:rPr>
               <a:t>・</a:t>
             </a:r>
             <a:r>
-              <a:rPr lang="ja-JP" altLang="en-US" dirty="0" smtClean="0"/>
+              <a:rPr lang="ja-JP" altLang="en-US" dirty="0" smtClean="0">
+                <a:latin typeface="Meiryo UI" panose="020B0604030504040204" pitchFamily="50" charset="-128"/>
+                <a:ea typeface="Meiryo UI" panose="020B0604030504040204" pitchFamily="50" charset="-128"/>
+              </a:rPr>
               <a:t>固定寸法</a:t>
             </a:r>
-            <a:endParaRPr lang="en-US" altLang="ja-JP" dirty="0" smtClean="0"/>
+            <a:endParaRPr lang="en-US" altLang="ja-JP" dirty="0" smtClean="0">
+              <a:latin typeface="Meiryo UI" panose="020B0604030504040204" pitchFamily="50" charset="-128"/>
+              <a:ea typeface="Meiryo UI" panose="020B0604030504040204" pitchFamily="50" charset="-128"/>
+            </a:endParaRPr>
           </a:p>
           <a:p>
             <a:pPr marL="0" indent="0" defTabSz="554990">
@@ -24675,14 +27102,23 @@
               </a:defRPr>
             </a:pPr>
             <a:r>
-              <a:rPr lang="ja-JP" altLang="en-US" dirty="0"/>
+              <a:rPr lang="ja-JP" altLang="en-US" dirty="0">
+                <a:latin typeface="Meiryo UI" panose="020B0604030504040204" pitchFamily="50" charset="-128"/>
+                <a:ea typeface="Meiryo UI" panose="020B0604030504040204" pitchFamily="50" charset="-128"/>
+              </a:rPr>
               <a:t>・</a:t>
             </a:r>
             <a:r>
-              <a:rPr lang="ja-JP" altLang="en-US" dirty="0" smtClean="0"/>
+              <a:rPr lang="ja-JP" altLang="en-US" dirty="0" smtClean="0">
+                <a:latin typeface="Meiryo UI" panose="020B0604030504040204" pitchFamily="50" charset="-128"/>
+                <a:ea typeface="Meiryo UI" panose="020B0604030504040204" pitchFamily="50" charset="-128"/>
+              </a:rPr>
               <a:t>フレックス寸法</a:t>
             </a:r>
-            <a:endParaRPr dirty="0"/>
+            <a:endParaRPr dirty="0">
+              <a:latin typeface="Meiryo UI" panose="020B0604030504040204" pitchFamily="50" charset="-128"/>
+              <a:ea typeface="Meiryo UI" panose="020B0604030504040204" pitchFamily="50" charset="-128"/>
+            </a:endParaRPr>
           </a:p>
         </p:txBody>
       </p:sp>
@@ -24791,7 +27227,7 @@
           <p:spPr>
             <a:xfrm>
               <a:off x="7105709" y="2370462"/>
-              <a:ext cx="2825679" cy="669435"/>
+              <a:ext cx="2670319" cy="669435"/>
             </a:xfrm>
             <a:prstGeom prst="rect">
               <a:avLst/>
@@ -24815,122 +27251,122 @@
                 <a:defRPr sz="1600"/>
               </a:pPr>
               <a:r>
-                <a:rPr lang="ja-JP" altLang="en-US" sz="1200" dirty="0" smtClean="0"/>
+                <a:rPr lang="ja-JP" altLang="en-US" sz="1200" dirty="0" smtClean="0">
+                  <a:latin typeface="Meiryo UI" panose="020B0604030504040204" pitchFamily="50" charset="-128"/>
+                  <a:ea typeface="Meiryo UI" panose="020B0604030504040204" pitchFamily="50" charset="-128"/>
+                </a:rPr>
                 <a:t>①スタイルに</a:t>
               </a:r>
               <a:r>
-                <a:rPr lang="en-US" altLang="ja-JP" sz="1200" dirty="0" err="1" smtClean="0"/>
+                <a:rPr lang="en-US" altLang="ja-JP" sz="1200" dirty="0" err="1" smtClean="0">
+                  <a:latin typeface="Meiryo UI" panose="020B0604030504040204" pitchFamily="50" charset="-128"/>
+                  <a:ea typeface="Meiryo UI" panose="020B0604030504040204" pitchFamily="50" charset="-128"/>
+                </a:rPr>
                 <a:t>width,height</a:t>
               </a:r>
               <a:r>
-                <a:rPr lang="ja-JP" altLang="en-US" sz="1200" dirty="0" smtClean="0"/>
+                <a:rPr lang="ja-JP" altLang="en-US" sz="1200" dirty="0" smtClean="0">
+                  <a:latin typeface="Meiryo UI" panose="020B0604030504040204" pitchFamily="50" charset="-128"/>
+                  <a:ea typeface="Meiryo UI" panose="020B0604030504040204" pitchFamily="50" charset="-128"/>
+                </a:rPr>
                 <a:t>を</a:t>
               </a:r>
-              <a:endParaRPr lang="en-US" altLang="ja-JP" sz="1200" dirty="0" smtClean="0"/>
+              <a:endParaRPr lang="en-US" altLang="ja-JP" sz="1200" dirty="0" smtClean="0">
+                <a:latin typeface="Meiryo UI" panose="020B0604030504040204" pitchFamily="50" charset="-128"/>
+                <a:ea typeface="Meiryo UI" panose="020B0604030504040204" pitchFamily="50" charset="-128"/>
+              </a:endParaRPr>
             </a:p>
             <a:p>
               <a:pPr>
                 <a:defRPr sz="1600"/>
               </a:pPr>
               <a:r>
-                <a:rPr lang="ja-JP" altLang="en-US" sz="1200" dirty="0"/>
-                <a:t>固定</a:t>
+                <a:rPr lang="ja-JP" altLang="en-US" sz="1200" dirty="0" smtClean="0">
+                  <a:latin typeface="Meiryo UI" panose="020B0604030504040204" pitchFamily="50" charset="-128"/>
+                  <a:ea typeface="Meiryo UI" panose="020B0604030504040204" pitchFamily="50" charset="-128"/>
+                </a:rPr>
+                <a:t>固定で指定しています。</a:t>
               </a:r>
-              <a:r>
-                <a:rPr lang="ja-JP" altLang="en-US" sz="1200" dirty="0" smtClean="0"/>
-                <a:t>で指定しています。</a:t>
-              </a:r>
-              <a:endParaRPr lang="en-US" altLang="ja-JP" sz="1200" dirty="0" smtClean="0"/>
+              <a:endParaRPr lang="en-US" altLang="ja-JP" sz="1200" dirty="0" smtClean="0">
+                <a:latin typeface="Meiryo UI" panose="020B0604030504040204" pitchFamily="50" charset="-128"/>
+                <a:ea typeface="Meiryo UI" panose="020B0604030504040204" pitchFamily="50" charset="-128"/>
+              </a:endParaRPr>
             </a:p>
             <a:p>
               <a:pPr>
                 <a:defRPr sz="1600"/>
               </a:pPr>
               <a:r>
-                <a:rPr lang="ja-JP" altLang="en-US" sz="1200" dirty="0" smtClean="0"/>
+                <a:rPr lang="ja-JP" altLang="en-US" sz="1200" dirty="0" smtClean="0">
+                  <a:latin typeface="Meiryo UI" panose="020B0604030504040204" pitchFamily="50" charset="-128"/>
+                  <a:ea typeface="Meiryo UI" panose="020B0604030504040204" pitchFamily="50" charset="-128"/>
+                </a:rPr>
                 <a:t>（</a:t>
               </a:r>
               <a:r>
-                <a:rPr lang="en-US" altLang="ja-JP" sz="1200" dirty="0" smtClean="0"/>
-                <a:t>※React </a:t>
+                <a:rPr lang="en-US" altLang="ja-JP" sz="1200" dirty="0" smtClean="0">
+                  <a:latin typeface="Meiryo UI" panose="020B0604030504040204" pitchFamily="50" charset="-128"/>
+                  <a:ea typeface="Meiryo UI" panose="020B0604030504040204" pitchFamily="50" charset="-128"/>
+                </a:rPr>
+                <a:t>※React Native</a:t>
               </a:r>
               <a:r>
-                <a:rPr lang="en-US" altLang="ja-JP" sz="1200" dirty="0"/>
-                <a:t>Native</a:t>
+                <a:rPr lang="ja-JP" altLang="en-US" sz="1200" dirty="0" smtClean="0">
+                  <a:latin typeface="Meiryo UI" panose="020B0604030504040204" pitchFamily="50" charset="-128"/>
+                  <a:ea typeface="Meiryo UI" panose="020B0604030504040204" pitchFamily="50" charset="-128"/>
+                </a:rPr>
+                <a:t>の寸法はすべて</a:t>
               </a:r>
-              <a:r>
-                <a:rPr lang="ja-JP" altLang="en-US" sz="1200" dirty="0"/>
-                <a:t>の寸法</a:t>
-              </a:r>
-              <a:r>
-                <a:rPr lang="ja-JP" altLang="en-US" sz="1200" dirty="0" smtClean="0"/>
-                <a:t>は</a:t>
-              </a:r>
-              <a:r>
-                <a:rPr lang="ja-JP" altLang="en-US" sz="1200" dirty="0" smtClean="0"/>
-                <a:t>すべて</a:t>
-              </a:r>
-              <a:endParaRPr lang="en-US" altLang="ja-JP" sz="1200" dirty="0" smtClean="0"/>
+              <a:endParaRPr lang="en-US" altLang="ja-JP" sz="1200" dirty="0" smtClean="0">
+                <a:latin typeface="Meiryo UI" panose="020B0604030504040204" pitchFamily="50" charset="-128"/>
+                <a:ea typeface="Meiryo UI" panose="020B0604030504040204" pitchFamily="50" charset="-128"/>
+              </a:endParaRPr>
             </a:p>
             <a:p>
               <a:pPr>
                 <a:defRPr sz="1600"/>
               </a:pPr>
               <a:r>
-                <a:rPr lang="en-US" altLang="ja-JP" sz="1200" dirty="0"/>
-                <a:t> </a:t>
+                <a:rPr lang="en-US" altLang="ja-JP" sz="1200" dirty="0" smtClean="0">
+                  <a:latin typeface="Meiryo UI" panose="020B0604030504040204" pitchFamily="50" charset="-128"/>
+                  <a:ea typeface="Meiryo UI" panose="020B0604030504040204" pitchFamily="50" charset="-128"/>
+                </a:rPr>
+                <a:t>    </a:t>
               </a:r>
               <a:r>
-                <a:rPr lang="en-US" altLang="ja-JP" sz="1200" dirty="0" smtClean="0"/>
-                <a:t>   </a:t>
+                <a:rPr lang="ja-JP" altLang="en-US" sz="1200" dirty="0" smtClean="0">
+                  <a:latin typeface="Meiryo UI" panose="020B0604030504040204" pitchFamily="50" charset="-128"/>
+                  <a:ea typeface="Meiryo UI" panose="020B0604030504040204" pitchFamily="50" charset="-128"/>
+                </a:rPr>
+                <a:t>単位がなく、密度に依存しない</a:t>
               </a:r>
-              <a:r>
-                <a:rPr lang="ja-JP" altLang="en-US" sz="1200" dirty="0" smtClean="0"/>
-                <a:t>単位がなく</a:t>
-              </a:r>
-              <a:r>
-                <a:rPr lang="ja-JP" altLang="en-US" sz="1200" dirty="0" smtClean="0"/>
-                <a:t>、密度</a:t>
-              </a:r>
-              <a:r>
-                <a:rPr lang="ja-JP" altLang="en-US" sz="1200" dirty="0"/>
-                <a:t>に</a:t>
-              </a:r>
-              <a:r>
-                <a:rPr lang="ja-JP" altLang="en-US" sz="1200" dirty="0" smtClean="0"/>
-                <a:t>依存</a:t>
-              </a:r>
-              <a:r>
-                <a:rPr lang="ja-JP" altLang="en-US" sz="1200" dirty="0" smtClean="0"/>
-                <a:t>しない</a:t>
-              </a:r>
-              <a:endParaRPr lang="en-US" altLang="ja-JP" sz="1200" dirty="0" smtClean="0"/>
+              <a:endParaRPr lang="en-US" altLang="ja-JP" sz="1200" dirty="0" smtClean="0">
+                <a:latin typeface="Meiryo UI" panose="020B0604030504040204" pitchFamily="50" charset="-128"/>
+                <a:ea typeface="Meiryo UI" panose="020B0604030504040204" pitchFamily="50" charset="-128"/>
+              </a:endParaRPr>
             </a:p>
             <a:p>
               <a:pPr>
                 <a:defRPr sz="1600"/>
               </a:pPr>
               <a:r>
-                <a:rPr lang="en-US" altLang="ja-JP" sz="1200" dirty="0"/>
-                <a:t> </a:t>
+                <a:rPr lang="en-US" altLang="ja-JP" sz="1200" dirty="0" smtClean="0">
+                  <a:latin typeface="Meiryo UI" panose="020B0604030504040204" pitchFamily="50" charset="-128"/>
+                  <a:ea typeface="Meiryo UI" panose="020B0604030504040204" pitchFamily="50" charset="-128"/>
+                </a:rPr>
+                <a:t>    </a:t>
               </a:r>
               <a:r>
-                <a:rPr lang="en-US" altLang="ja-JP" sz="1200" dirty="0" smtClean="0"/>
-                <a:t>   </a:t>
+                <a:rPr lang="ja-JP" altLang="en-US" sz="1200" dirty="0" smtClean="0">
+                  <a:latin typeface="Meiryo UI" panose="020B0604030504040204" pitchFamily="50" charset="-128"/>
+                  <a:ea typeface="Meiryo UI" panose="020B0604030504040204" pitchFamily="50" charset="-128"/>
+                </a:rPr>
+                <a:t>ピクセルを表します。）</a:t>
               </a:r>
-              <a:r>
-                <a:rPr lang="ja-JP" altLang="en-US" sz="1200" dirty="0" smtClean="0"/>
-                <a:t>ピクセル</a:t>
-              </a:r>
-              <a:r>
-                <a:rPr lang="ja-JP" altLang="en-US" sz="1200" dirty="0"/>
-                <a:t>を表します</a:t>
-              </a:r>
-              <a:r>
-                <a:rPr lang="ja-JP" altLang="en-US" sz="1200" dirty="0" smtClean="0"/>
-                <a:t>。）</a:t>
-              </a:r>
-              <a:endParaRPr sz="1200" dirty="0"/>
+              <a:endParaRPr sz="1200" dirty="0">
+                <a:latin typeface="Meiryo UI" panose="020B0604030504040204" pitchFamily="50" charset="-128"/>
+                <a:ea typeface="Meiryo UI" panose="020B0604030504040204" pitchFamily="50" charset="-128"/>
+              </a:endParaRPr>
             </a:p>
           </p:txBody>
         </p:sp>
@@ -24957,10 +27393,16 @@
           <a:lstStyle/>
           <a:p>
             <a:r>
-              <a:rPr lang="ja-JP" altLang="en-US" dirty="0" smtClean="0"/>
+              <a:rPr lang="ja-JP" altLang="en-US" dirty="0" smtClean="0">
+                <a:latin typeface="Meiryo UI" panose="020B0604030504040204" pitchFamily="50" charset="-128"/>
+                <a:ea typeface="Meiryo UI" panose="020B0604030504040204" pitchFamily="50" charset="-128"/>
+              </a:rPr>
               <a:t>・固定寸法</a:t>
             </a:r>
-            <a:endParaRPr lang="ja-JP" altLang="en-US" dirty="0"/>
+            <a:endParaRPr lang="ja-JP" altLang="en-US" dirty="0">
+              <a:latin typeface="Meiryo UI" panose="020B0604030504040204" pitchFamily="50" charset="-128"/>
+              <a:ea typeface="Meiryo UI" panose="020B0604030504040204" pitchFamily="50" charset="-128"/>
+            </a:endParaRPr>
           </a:p>
         </p:txBody>
       </p:sp>
@@ -24991,7 +27433,7 @@
     </p:spTree>
     <p:extLst>
       <p:ext uri="{BB962C8B-B14F-4D97-AF65-F5344CB8AC3E}">
-        <p14:creationId xmlns:p14="http://schemas.microsoft.com/office/powerpoint/2010/main" val="1946699606"/>
+        <p14:creationId xmlns:p14="http://schemas.microsoft.com/office/powerpoint/2010/main" val="3322327440"/>
       </p:ext>
     </p:extLst>
   </p:cSld>
@@ -25423,10 +27865,16 @@
               </a:defRPr>
             </a:pPr>
             <a:r>
-              <a:rPr lang="ja-JP" altLang="en-US" dirty="0" smtClean="0"/>
+              <a:rPr lang="ja-JP" altLang="en-US" dirty="0" smtClean="0">
+                <a:latin typeface="Meiryo UI" panose="020B0604030504040204" pitchFamily="50" charset="-128"/>
+                <a:ea typeface="Meiryo UI" panose="020B0604030504040204" pitchFamily="50" charset="-128"/>
+              </a:rPr>
               <a:t>コンポーネントの高さによって画面上のサイズが決まります。寸法の指定は下記の方法があります。</a:t>
             </a:r>
-            <a:endParaRPr lang="en-US" altLang="ja-JP" dirty="0" smtClean="0"/>
+            <a:endParaRPr lang="en-US" altLang="ja-JP" dirty="0" smtClean="0">
+              <a:latin typeface="Meiryo UI" panose="020B0604030504040204" pitchFamily="50" charset="-128"/>
+              <a:ea typeface="Meiryo UI" panose="020B0604030504040204" pitchFamily="50" charset="-128"/>
+            </a:endParaRPr>
           </a:p>
           <a:p>
             <a:pPr marL="0" indent="0" defTabSz="554990">
@@ -25447,14 +27895,23 @@
               </a:defRPr>
             </a:pPr>
             <a:r>
-              <a:rPr lang="ja-JP" altLang="en-US" dirty="0"/>
+              <a:rPr lang="ja-JP" altLang="en-US" dirty="0">
+                <a:latin typeface="Meiryo UI" panose="020B0604030504040204" pitchFamily="50" charset="-128"/>
+                <a:ea typeface="Meiryo UI" panose="020B0604030504040204" pitchFamily="50" charset="-128"/>
+              </a:rPr>
               <a:t>・</a:t>
             </a:r>
             <a:r>
-              <a:rPr lang="ja-JP" altLang="en-US" dirty="0" smtClean="0"/>
+              <a:rPr lang="ja-JP" altLang="en-US" dirty="0" smtClean="0">
+                <a:latin typeface="Meiryo UI" panose="020B0604030504040204" pitchFamily="50" charset="-128"/>
+                <a:ea typeface="Meiryo UI" panose="020B0604030504040204" pitchFamily="50" charset="-128"/>
+              </a:rPr>
               <a:t>固定寸法</a:t>
             </a:r>
-            <a:endParaRPr lang="en-US" altLang="ja-JP" dirty="0" smtClean="0"/>
+            <a:endParaRPr lang="en-US" altLang="ja-JP" dirty="0" smtClean="0">
+              <a:latin typeface="Meiryo UI" panose="020B0604030504040204" pitchFamily="50" charset="-128"/>
+              <a:ea typeface="Meiryo UI" panose="020B0604030504040204" pitchFamily="50" charset="-128"/>
+            </a:endParaRPr>
           </a:p>
           <a:p>
             <a:pPr marL="0" indent="0" defTabSz="554990">
@@ -25475,14 +27932,23 @@
               </a:defRPr>
             </a:pPr>
             <a:r>
-              <a:rPr lang="ja-JP" altLang="en-US" dirty="0"/>
+              <a:rPr lang="ja-JP" altLang="en-US" dirty="0">
+                <a:latin typeface="Meiryo UI" panose="020B0604030504040204" pitchFamily="50" charset="-128"/>
+                <a:ea typeface="Meiryo UI" panose="020B0604030504040204" pitchFamily="50" charset="-128"/>
+              </a:rPr>
               <a:t>・</a:t>
             </a:r>
             <a:r>
-              <a:rPr lang="ja-JP" altLang="en-US" dirty="0" smtClean="0"/>
+              <a:rPr lang="ja-JP" altLang="en-US" dirty="0" smtClean="0">
+                <a:latin typeface="Meiryo UI" panose="020B0604030504040204" pitchFamily="50" charset="-128"/>
+                <a:ea typeface="Meiryo UI" panose="020B0604030504040204" pitchFamily="50" charset="-128"/>
+              </a:rPr>
               <a:t>フレックス寸法</a:t>
             </a:r>
-            <a:endParaRPr dirty="0"/>
+            <a:endParaRPr dirty="0">
+              <a:latin typeface="Meiryo UI" panose="020B0604030504040204" pitchFamily="50" charset="-128"/>
+              <a:ea typeface="Meiryo UI" panose="020B0604030504040204" pitchFamily="50" charset="-128"/>
+            </a:endParaRPr>
           </a:p>
         </p:txBody>
       </p:sp>
@@ -25495,7 +27961,7 @@
         <p:grpSpPr>
           <a:xfrm>
             <a:off x="5960721" y="3755266"/>
-            <a:ext cx="3676765" cy="2259299"/>
+            <a:ext cx="3304841" cy="2259299"/>
             <a:chOff x="6807200" y="2118020"/>
             <a:chExt cx="3859023" cy="1204948"/>
           </a:xfrm>
@@ -25591,7 +28057,7 @@
           <p:spPr>
             <a:xfrm>
               <a:off x="7006777" y="2331848"/>
-              <a:ext cx="3488756" cy="738657"/>
+              <a:ext cx="3384629" cy="738657"/>
             </a:xfrm>
             <a:prstGeom prst="rect">
               <a:avLst/>
@@ -25606,7 +28072,7 @@
             </a:extLst>
           </p:spPr>
           <p:txBody>
-            <a:bodyPr wrap="none" lIns="45719" rIns="45719">
+            <a:bodyPr wrap="square" lIns="45719" rIns="45719">
               <a:spAutoFit/>
             </a:bodyPr>
             <a:lstStyle/>
@@ -25615,134 +28081,224 @@
                 <a:defRPr sz="1600"/>
               </a:pPr>
               <a:r>
-                <a:rPr lang="ja-JP" altLang="en-US" sz="1200" dirty="0" smtClean="0"/>
+                <a:rPr lang="ja-JP" altLang="en-US" sz="1200" dirty="0" smtClean="0">
+                  <a:latin typeface="Meiryo UI" panose="020B0604030504040204" pitchFamily="50" charset="-128"/>
+                  <a:ea typeface="Meiryo UI" panose="020B0604030504040204" pitchFamily="50" charset="-128"/>
+                </a:rPr>
                 <a:t>①スタイルに</a:t>
               </a:r>
               <a:r>
-                <a:rPr lang="en-US" altLang="ja-JP" sz="1200" dirty="0" smtClean="0"/>
+                <a:rPr lang="en-US" altLang="ja-JP" sz="1200" dirty="0" smtClean="0">
+                  <a:latin typeface="Meiryo UI" panose="020B0604030504040204" pitchFamily="50" charset="-128"/>
+                  <a:ea typeface="Meiryo UI" panose="020B0604030504040204" pitchFamily="50" charset="-128"/>
+                </a:rPr>
                 <a:t>fix</a:t>
               </a:r>
               <a:r>
-                <a:rPr lang="ja-JP" altLang="en-US" sz="1200" dirty="0" smtClean="0"/>
+                <a:rPr lang="ja-JP" altLang="en-US" sz="1200" dirty="0" smtClean="0">
+                  <a:latin typeface="Meiryo UI" panose="020B0604030504040204" pitchFamily="50" charset="-128"/>
+                  <a:ea typeface="Meiryo UI" panose="020B0604030504040204" pitchFamily="50" charset="-128"/>
+                </a:rPr>
                 <a:t>を指定しています。</a:t>
               </a:r>
-              <a:endParaRPr lang="en-US" altLang="ja-JP" sz="1200" dirty="0" smtClean="0"/>
+              <a:endParaRPr lang="en-US" altLang="ja-JP" sz="1200" dirty="0" smtClean="0">
+                <a:latin typeface="Meiryo UI" panose="020B0604030504040204" pitchFamily="50" charset="-128"/>
+                <a:ea typeface="Meiryo UI" panose="020B0604030504040204" pitchFamily="50" charset="-128"/>
+              </a:endParaRPr>
             </a:p>
             <a:p>
               <a:pPr>
                 <a:defRPr sz="1600"/>
               </a:pPr>
               <a:r>
-                <a:rPr lang="en-US" altLang="ja-JP" sz="1200" dirty="0" smtClean="0"/>
+                <a:rPr lang="en-US" altLang="ja-JP" sz="1200" dirty="0" smtClean="0">
+                  <a:latin typeface="Meiryo UI" panose="020B0604030504040204" pitchFamily="50" charset="-128"/>
+                  <a:ea typeface="Meiryo UI" panose="020B0604030504040204" pitchFamily="50" charset="-128"/>
+                </a:rPr>
                 <a:t>fix</a:t>
               </a:r>
               <a:r>
-                <a:rPr lang="ja-JP" altLang="en-US" sz="1200" dirty="0" smtClean="0"/>
+                <a:rPr lang="ja-JP" altLang="en-US" sz="1200" dirty="0" smtClean="0">
+                  <a:latin typeface="Meiryo UI" panose="020B0604030504040204" pitchFamily="50" charset="-128"/>
+                  <a:ea typeface="Meiryo UI" panose="020B0604030504040204" pitchFamily="50" charset="-128"/>
+                </a:rPr>
                 <a:t>は同じ</a:t>
               </a:r>
               <a:r>
-                <a:rPr lang="ja-JP" altLang="en-US" sz="1200" dirty="0"/>
+                <a:rPr lang="ja-JP" altLang="en-US" sz="1200" dirty="0">
+                  <a:latin typeface="Meiryo UI" panose="020B0604030504040204" pitchFamily="50" charset="-128"/>
+                  <a:ea typeface="Meiryo UI" panose="020B0604030504040204" pitchFamily="50" charset="-128"/>
+                </a:rPr>
                 <a:t>親を持つ他の</a:t>
               </a:r>
               <a:r>
-                <a:rPr lang="ja-JP" altLang="en-US" sz="1200" dirty="0" smtClean="0"/>
+                <a:rPr lang="ja-JP" altLang="en-US" sz="1200" dirty="0" smtClean="0">
+                  <a:latin typeface="Meiryo UI" panose="020B0604030504040204" pitchFamily="50" charset="-128"/>
+                  <a:ea typeface="Meiryo UI" panose="020B0604030504040204" pitchFamily="50" charset="-128"/>
+                </a:rPr>
                 <a:t>コンポーネント間で</a:t>
               </a:r>
-              <a:endParaRPr lang="en-US" altLang="ja-JP" sz="1200" dirty="0" smtClean="0"/>
+              <a:endParaRPr lang="en-US" altLang="ja-JP" sz="1200" dirty="0" smtClean="0">
+                <a:latin typeface="Meiryo UI" panose="020B0604030504040204" pitchFamily="50" charset="-128"/>
+                <a:ea typeface="Meiryo UI" panose="020B0604030504040204" pitchFamily="50" charset="-128"/>
+              </a:endParaRPr>
             </a:p>
             <a:p>
               <a:pPr>
                 <a:defRPr sz="1600"/>
               </a:pPr>
               <a:r>
-                <a:rPr lang="ja-JP" altLang="en-US" sz="1200" dirty="0" smtClean="0"/>
+                <a:rPr lang="ja-JP" altLang="en-US" sz="1200" dirty="0" smtClean="0">
+                  <a:latin typeface="Meiryo UI" panose="020B0604030504040204" pitchFamily="50" charset="-128"/>
+                  <a:ea typeface="Meiryo UI" panose="020B0604030504040204" pitchFamily="50" charset="-128"/>
+                </a:rPr>
                 <a:t>均等</a:t>
               </a:r>
               <a:r>
-                <a:rPr lang="ja-JP" altLang="en-US" sz="1200" dirty="0"/>
+                <a:rPr lang="ja-JP" altLang="en-US" sz="1200" dirty="0">
+                  <a:latin typeface="Meiryo UI" panose="020B0604030504040204" pitchFamily="50" charset="-128"/>
+                  <a:ea typeface="Meiryo UI" panose="020B0604030504040204" pitchFamily="50" charset="-128"/>
+                </a:rPr>
                 <a:t>に共有されている、使用可能</a:t>
               </a:r>
               <a:r>
-                <a:rPr lang="ja-JP" altLang="en-US" sz="1200" dirty="0" smtClean="0"/>
+                <a:rPr lang="ja-JP" altLang="en-US" sz="1200" dirty="0" smtClean="0">
+                  <a:latin typeface="Meiryo UI" panose="020B0604030504040204" pitchFamily="50" charset="-128"/>
+                  <a:ea typeface="Meiryo UI" panose="020B0604030504040204" pitchFamily="50" charset="-128"/>
+                </a:rPr>
                 <a:t>なスペー</a:t>
               </a:r>
-              <a:endParaRPr lang="en-US" altLang="ja-JP" sz="1200" dirty="0" smtClean="0"/>
+              <a:endParaRPr lang="en-US" altLang="ja-JP" sz="1200" dirty="0" smtClean="0">
+                <a:latin typeface="Meiryo UI" panose="020B0604030504040204" pitchFamily="50" charset="-128"/>
+                <a:ea typeface="Meiryo UI" panose="020B0604030504040204" pitchFamily="50" charset="-128"/>
+              </a:endParaRPr>
             </a:p>
             <a:p>
               <a:pPr>
                 <a:defRPr sz="1600"/>
               </a:pPr>
               <a:r>
-                <a:rPr lang="ja-JP" altLang="en-US" sz="1200" dirty="0" smtClean="0"/>
+                <a:rPr lang="ja-JP" altLang="en-US" sz="1200" dirty="0" smtClean="0">
+                  <a:latin typeface="Meiryo UI" panose="020B0604030504040204" pitchFamily="50" charset="-128"/>
+                  <a:ea typeface="Meiryo UI" panose="020B0604030504040204" pitchFamily="50" charset="-128"/>
+                </a:rPr>
                 <a:t>ス</a:t>
               </a:r>
               <a:r>
-                <a:rPr lang="ja-JP" altLang="en-US" sz="1200" dirty="0"/>
+                <a:rPr lang="ja-JP" altLang="en-US" sz="1200" dirty="0">
+                  <a:latin typeface="Meiryo UI" panose="020B0604030504040204" pitchFamily="50" charset="-128"/>
+                  <a:ea typeface="Meiryo UI" panose="020B0604030504040204" pitchFamily="50" charset="-128"/>
+                </a:rPr>
                 <a:t>をすべて埋めるように</a:t>
               </a:r>
               <a:r>
-                <a:rPr lang="ja-JP" altLang="en-US" sz="1200" dirty="0" smtClean="0"/>
+                <a:rPr lang="ja-JP" altLang="en-US" sz="1200" dirty="0" smtClean="0">
+                  <a:latin typeface="Meiryo UI" panose="020B0604030504040204" pitchFamily="50" charset="-128"/>
+                  <a:ea typeface="Meiryo UI" panose="020B0604030504040204" pitchFamily="50" charset="-128"/>
+                </a:rPr>
                 <a:t>コンポーネントに指示</a:t>
               </a:r>
-              <a:endParaRPr lang="en-US" altLang="ja-JP" sz="1200" dirty="0" smtClean="0"/>
+              <a:endParaRPr lang="en-US" altLang="ja-JP" sz="1200" dirty="0" smtClean="0">
+                <a:latin typeface="Meiryo UI" panose="020B0604030504040204" pitchFamily="50" charset="-128"/>
+                <a:ea typeface="Meiryo UI" panose="020B0604030504040204" pitchFamily="50" charset="-128"/>
+              </a:endParaRPr>
             </a:p>
             <a:p>
               <a:pPr>
                 <a:defRPr sz="1600"/>
               </a:pPr>
               <a:r>
-                <a:rPr lang="ja-JP" altLang="en-US" sz="1200" dirty="0" smtClean="0"/>
+                <a:rPr lang="ja-JP" altLang="en-US" sz="1200" dirty="0" smtClean="0">
+                  <a:latin typeface="Meiryo UI" panose="020B0604030504040204" pitchFamily="50" charset="-128"/>
+                  <a:ea typeface="Meiryo UI" panose="020B0604030504040204" pitchFamily="50" charset="-128"/>
+                </a:rPr>
                 <a:t>します。</a:t>
               </a:r>
               <a:r>
-                <a:rPr lang="en-US" altLang="ja-JP" sz="1200" dirty="0" smtClean="0"/>
+                <a:rPr lang="en-US" altLang="ja-JP" sz="1200" dirty="0" smtClean="0">
+                  <a:latin typeface="Meiryo UI" panose="020B0604030504040204" pitchFamily="50" charset="-128"/>
+                  <a:ea typeface="Meiryo UI" panose="020B0604030504040204" pitchFamily="50" charset="-128"/>
+                </a:rPr>
                 <a:t>fix</a:t>
               </a:r>
               <a:r>
-                <a:rPr lang="ja-JP" altLang="en-US" sz="1200" dirty="0" smtClean="0"/>
+                <a:rPr lang="ja-JP" altLang="en-US" sz="1200" dirty="0" smtClean="0">
+                  <a:latin typeface="Meiryo UI" panose="020B0604030504040204" pitchFamily="50" charset="-128"/>
+                  <a:ea typeface="Meiryo UI" panose="020B0604030504040204" pitchFamily="50" charset="-128"/>
+                </a:rPr>
                 <a:t>値が</a:t>
               </a:r>
               <a:r>
-                <a:rPr lang="ja-JP" altLang="en-US" sz="1200" dirty="0"/>
+                <a:rPr lang="ja-JP" altLang="en-US" sz="1200" dirty="0">
+                  <a:latin typeface="Meiryo UI" panose="020B0604030504040204" pitchFamily="50" charset="-128"/>
+                  <a:ea typeface="Meiryo UI" panose="020B0604030504040204" pitchFamily="50" charset="-128"/>
+                </a:rPr>
                 <a:t>大きいほど、その兄弟と</a:t>
               </a:r>
               <a:r>
-                <a:rPr lang="ja-JP" altLang="en-US" sz="1200" dirty="0" smtClean="0"/>
+                <a:rPr lang="ja-JP" altLang="en-US" sz="1200" dirty="0" smtClean="0">
+                  <a:latin typeface="Meiryo UI" panose="020B0604030504040204" pitchFamily="50" charset="-128"/>
+                  <a:ea typeface="Meiryo UI" panose="020B0604030504040204" pitchFamily="50" charset="-128"/>
+                </a:rPr>
                 <a:t>比較</a:t>
               </a:r>
-              <a:endParaRPr lang="en-US" altLang="ja-JP" sz="1200" dirty="0" smtClean="0"/>
+              <a:endParaRPr lang="en-US" altLang="ja-JP" sz="1200" dirty="0" smtClean="0">
+                <a:latin typeface="Meiryo UI" panose="020B0604030504040204" pitchFamily="50" charset="-128"/>
+                <a:ea typeface="Meiryo UI" panose="020B0604030504040204" pitchFamily="50" charset="-128"/>
+              </a:endParaRPr>
             </a:p>
             <a:p>
               <a:pPr>
                 <a:defRPr sz="1600"/>
               </a:pPr>
               <a:r>
-                <a:rPr lang="ja-JP" altLang="en-US" sz="1200" dirty="0" smtClean="0"/>
+                <a:rPr lang="ja-JP" altLang="en-US" sz="1200" dirty="0" smtClean="0">
+                  <a:latin typeface="Meiryo UI" panose="020B0604030504040204" pitchFamily="50" charset="-128"/>
+                  <a:ea typeface="Meiryo UI" panose="020B0604030504040204" pitchFamily="50" charset="-128"/>
+                </a:rPr>
                 <a:t>して</a:t>
               </a:r>
               <a:r>
-                <a:rPr lang="ja-JP" altLang="en-US" sz="1200" dirty="0"/>
+                <a:rPr lang="ja-JP" altLang="en-US" sz="1200" dirty="0">
+                  <a:latin typeface="Meiryo UI" panose="020B0604030504040204" pitchFamily="50" charset="-128"/>
+                  <a:ea typeface="Meiryo UI" panose="020B0604030504040204" pitchFamily="50" charset="-128"/>
+                </a:rPr>
                 <a:t>コンポーネントが占めるスペースの比率</a:t>
               </a:r>
               <a:r>
-                <a:rPr lang="ja-JP" altLang="en-US" sz="1200" dirty="0" smtClean="0"/>
+                <a:rPr lang="ja-JP" altLang="en-US" sz="1200" dirty="0" smtClean="0">
+                  <a:latin typeface="Meiryo UI" panose="020B0604030504040204" pitchFamily="50" charset="-128"/>
+                  <a:ea typeface="Meiryo UI" panose="020B0604030504040204" pitchFamily="50" charset="-128"/>
+                </a:rPr>
                 <a:t>が</a:t>
               </a:r>
-              <a:endParaRPr lang="en-US" altLang="ja-JP" sz="1200" dirty="0" smtClean="0"/>
+              <a:endParaRPr lang="en-US" altLang="ja-JP" sz="1200" dirty="0" smtClean="0">
+                <a:latin typeface="Meiryo UI" panose="020B0604030504040204" pitchFamily="50" charset="-128"/>
+                <a:ea typeface="Meiryo UI" panose="020B0604030504040204" pitchFamily="50" charset="-128"/>
+              </a:endParaRPr>
             </a:p>
             <a:p>
               <a:pPr>
                 <a:defRPr sz="1600"/>
               </a:pPr>
               <a:r>
-                <a:rPr lang="ja-JP" altLang="en-US" sz="1200" dirty="0" smtClean="0"/>
+                <a:rPr lang="ja-JP" altLang="en-US" sz="1200" dirty="0" smtClean="0">
+                  <a:latin typeface="Meiryo UI" panose="020B0604030504040204" pitchFamily="50" charset="-128"/>
+                  <a:ea typeface="Meiryo UI" panose="020B0604030504040204" pitchFamily="50" charset="-128"/>
+                </a:rPr>
                 <a:t>高く</a:t>
               </a:r>
               <a:r>
-                <a:rPr lang="ja-JP" altLang="en-US" sz="1200" dirty="0"/>
+                <a:rPr lang="ja-JP" altLang="en-US" sz="1200" dirty="0">
+                  <a:latin typeface="Meiryo UI" panose="020B0604030504040204" pitchFamily="50" charset="-128"/>
+                  <a:ea typeface="Meiryo UI" panose="020B0604030504040204" pitchFamily="50" charset="-128"/>
+                </a:rPr>
                 <a:t>なります。</a:t>
               </a:r>
-              <a:endParaRPr lang="en-US" altLang="ja-JP" sz="1200" dirty="0" smtClean="0"/>
+              <a:endParaRPr lang="en-US" altLang="ja-JP" sz="1200" dirty="0" smtClean="0">
+                <a:latin typeface="Meiryo UI" panose="020B0604030504040204" pitchFamily="50" charset="-128"/>
+                <a:ea typeface="Meiryo UI" panose="020B0604030504040204" pitchFamily="50" charset="-128"/>
+              </a:endParaRPr>
             </a:p>
           </p:txBody>
         </p:sp>
@@ -25769,18 +28325,30 @@
           <a:lstStyle/>
           <a:p>
             <a:r>
-              <a:rPr lang="ja-JP" altLang="en-US" dirty="0" smtClean="0"/>
+              <a:rPr lang="ja-JP" altLang="en-US" dirty="0" smtClean="0">
+                <a:latin typeface="Meiryo UI" panose="020B0604030504040204" pitchFamily="50" charset="-128"/>
+                <a:ea typeface="Meiryo UI" panose="020B0604030504040204" pitchFamily="50" charset="-128"/>
+              </a:rPr>
               <a:t>・</a:t>
             </a:r>
             <a:r>
-              <a:rPr lang="ja-JP" altLang="en-US" dirty="0"/>
+              <a:rPr lang="ja-JP" altLang="en-US" dirty="0">
+                <a:latin typeface="Meiryo UI" panose="020B0604030504040204" pitchFamily="50" charset="-128"/>
+                <a:ea typeface="Meiryo UI" panose="020B0604030504040204" pitchFamily="50" charset="-128"/>
+              </a:rPr>
               <a:t>フレックス</a:t>
             </a:r>
             <a:r>
-              <a:rPr lang="ja-JP" altLang="en-US" dirty="0" smtClean="0"/>
+              <a:rPr lang="ja-JP" altLang="en-US" dirty="0" smtClean="0">
+                <a:latin typeface="Meiryo UI" panose="020B0604030504040204" pitchFamily="50" charset="-128"/>
+                <a:ea typeface="Meiryo UI" panose="020B0604030504040204" pitchFamily="50" charset="-128"/>
+              </a:rPr>
               <a:t>寸法</a:t>
             </a:r>
-            <a:endParaRPr lang="ja-JP" altLang="en-US" dirty="0"/>
+            <a:endParaRPr lang="ja-JP" altLang="en-US" dirty="0">
+              <a:latin typeface="Meiryo UI" panose="020B0604030504040204" pitchFamily="50" charset="-128"/>
+              <a:ea typeface="Meiryo UI" panose="020B0604030504040204" pitchFamily="50" charset="-128"/>
+            </a:endParaRPr>
           </a:p>
         </p:txBody>
       </p:sp>
@@ -25811,7 +28379,7 @@
     </p:spTree>
     <p:extLst>
       <p:ext uri="{BB962C8B-B14F-4D97-AF65-F5344CB8AC3E}">
-        <p14:creationId xmlns:p14="http://schemas.microsoft.com/office/powerpoint/2010/main" val="126576292"/>
+        <p14:creationId xmlns:p14="http://schemas.microsoft.com/office/powerpoint/2010/main" val="1511372760"/>
       </p:ext>
     </p:extLst>
   </p:cSld>
@@ -26459,7 +29027,7 @@
         <p:spPr>
           <a:xfrm>
             <a:off x="6978367" y="2380448"/>
-            <a:ext cx="3631761" cy="1015663"/>
+            <a:ext cx="3264674" cy="1015663"/>
           </a:xfrm>
           <a:prstGeom prst="rect">
             <a:avLst/>
@@ -26483,21 +29051,33 @@
               <a:defRPr sz="1700"/>
             </a:pPr>
             <a:r>
-              <a:rPr sz="1200" dirty="0" err="1"/>
+              <a:rPr sz="1200" dirty="0" err="1">
+                <a:latin typeface="Meiryo UI" panose="020B0604030504040204" pitchFamily="50" charset="-128"/>
+                <a:ea typeface="Meiryo UI" panose="020B0604030504040204" pitchFamily="50" charset="-128"/>
+              </a:rPr>
               <a:t>標準コンポーネントではスタイルを設定するのと同</a:t>
             </a:r>
-            <a:endParaRPr sz="1200" dirty="0"/>
+            <a:endParaRPr sz="1200" dirty="0">
+              <a:latin typeface="Meiryo UI" panose="020B0604030504040204" pitchFamily="50" charset="-128"/>
+              <a:ea typeface="Meiryo UI" panose="020B0604030504040204" pitchFamily="50" charset="-128"/>
+            </a:endParaRPr>
           </a:p>
           <a:p>
             <a:pPr>
               <a:defRPr sz="1700"/>
             </a:pPr>
             <a:r>
-              <a:rPr sz="1200" dirty="0" err="1"/>
+              <a:rPr sz="1200" dirty="0" err="1">
+                <a:latin typeface="Meiryo UI" panose="020B0604030504040204" pitchFamily="50" charset="-128"/>
+                <a:ea typeface="Meiryo UI" panose="020B0604030504040204" pitchFamily="50" charset="-128"/>
+              </a:rPr>
               <a:t>様に、プロパティを設定することができます</a:t>
             </a:r>
             <a:r>
-              <a:rPr sz="1200" dirty="0"/>
+              <a:rPr sz="1200" dirty="0">
+                <a:latin typeface="Meiryo UI" panose="020B0604030504040204" pitchFamily="50" charset="-128"/>
+                <a:ea typeface="Meiryo UI" panose="020B0604030504040204" pitchFamily="50" charset="-128"/>
+              </a:rPr>
               <a:t>。</a:t>
             </a:r>
           </a:p>
@@ -26505,28 +29085,43 @@
             <a:pPr>
               <a:defRPr sz="1700"/>
             </a:pPr>
-            <a:endParaRPr sz="1200" dirty="0"/>
+            <a:endParaRPr sz="1200" dirty="0">
+              <a:latin typeface="Meiryo UI" panose="020B0604030504040204" pitchFamily="50" charset="-128"/>
+              <a:ea typeface="Meiryo UI" panose="020B0604030504040204" pitchFamily="50" charset="-128"/>
+            </a:endParaRPr>
           </a:p>
           <a:p>
             <a:pPr>
               <a:defRPr sz="1700"/>
             </a:pPr>
             <a:r>
-              <a:rPr sz="1200" dirty="0" err="1"/>
+              <a:rPr sz="1200" dirty="0" err="1">
+                <a:latin typeface="Meiryo UI" panose="020B0604030504040204" pitchFamily="50" charset="-128"/>
+                <a:ea typeface="Meiryo UI" panose="020B0604030504040204" pitchFamily="50" charset="-128"/>
+              </a:rPr>
               <a:t>左記はButtonコンポーネントを読み込んで、Button</a:t>
             </a:r>
-            <a:endParaRPr sz="1200" dirty="0"/>
+            <a:endParaRPr sz="1200" dirty="0">
+              <a:latin typeface="Meiryo UI" panose="020B0604030504040204" pitchFamily="50" charset="-128"/>
+              <a:ea typeface="Meiryo UI" panose="020B0604030504040204" pitchFamily="50" charset="-128"/>
+            </a:endParaRPr>
           </a:p>
           <a:p>
             <a:pPr>
               <a:defRPr sz="1700"/>
             </a:pPr>
             <a:r>
-              <a:rPr sz="1200" dirty="0" err="1"/>
+              <a:rPr sz="1200" dirty="0" err="1">
+                <a:latin typeface="Meiryo UI" panose="020B0604030504040204" pitchFamily="50" charset="-128"/>
+                <a:ea typeface="Meiryo UI" panose="020B0604030504040204" pitchFamily="50" charset="-128"/>
+              </a:rPr>
               <a:t>コンポーネントのプロパティを設定しています</a:t>
             </a:r>
             <a:r>
-              <a:rPr sz="1200" dirty="0"/>
+              <a:rPr sz="1200" dirty="0">
+                <a:latin typeface="Meiryo UI" panose="020B0604030504040204" pitchFamily="50" charset="-128"/>
+                <a:ea typeface="Meiryo UI" panose="020B0604030504040204" pitchFamily="50" charset="-128"/>
+              </a:rPr>
               <a:t>。</a:t>
             </a:r>
           </a:p>
@@ -26541,7 +29136,7 @@
         <p:spPr>
           <a:xfrm>
             <a:off x="6910170" y="5685022"/>
-            <a:ext cx="5439731" cy="840741"/>
+            <a:ext cx="4644859" cy="738664"/>
           </a:xfrm>
           <a:prstGeom prst="rect">
             <a:avLst/>
@@ -26565,11 +29160,17 @@
               <a:defRPr sz="1400"/>
             </a:pPr>
             <a:r>
-              <a:rPr dirty="0" err="1"/>
+              <a:rPr dirty="0" err="1">
+                <a:latin typeface="Meiryo UI" panose="020B0604030504040204" pitchFamily="50" charset="-128"/>
+                <a:ea typeface="Meiryo UI" panose="020B0604030504040204" pitchFamily="50" charset="-128"/>
+              </a:rPr>
               <a:t>上記はButtonコンポーネントで設定できるプロパティの一部です</a:t>
             </a:r>
             <a:r>
-              <a:rPr dirty="0"/>
+              <a:rPr dirty="0">
+                <a:latin typeface="Meiryo UI" panose="020B0604030504040204" pitchFamily="50" charset="-128"/>
+                <a:ea typeface="Meiryo UI" panose="020B0604030504040204" pitchFamily="50" charset="-128"/>
+              </a:rPr>
               <a:t>。</a:t>
             </a:r>
           </a:p>
@@ -26578,21 +29179,33 @@
               <a:defRPr sz="1400"/>
             </a:pPr>
             <a:r>
-              <a:rPr dirty="0" err="1"/>
+              <a:rPr dirty="0" err="1">
+                <a:latin typeface="Meiryo UI" panose="020B0604030504040204" pitchFamily="50" charset="-128"/>
+                <a:ea typeface="Meiryo UI" panose="020B0604030504040204" pitchFamily="50" charset="-128"/>
+              </a:rPr>
               <a:t>コンポーネントによって設定できるプロパティの確認は公式サイ</a:t>
             </a:r>
-            <a:endParaRPr dirty="0"/>
+            <a:endParaRPr dirty="0">
+              <a:latin typeface="Meiryo UI" panose="020B0604030504040204" pitchFamily="50" charset="-128"/>
+              <a:ea typeface="Meiryo UI" panose="020B0604030504040204" pitchFamily="50" charset="-128"/>
+            </a:endParaRPr>
           </a:p>
           <a:p>
             <a:pPr>
               <a:defRPr sz="1400"/>
             </a:pPr>
             <a:r>
-              <a:rPr dirty="0" err="1"/>
+              <a:rPr dirty="0" err="1">
+                <a:latin typeface="Meiryo UI" panose="020B0604030504040204" pitchFamily="50" charset="-128"/>
+                <a:ea typeface="Meiryo UI" panose="020B0604030504040204" pitchFamily="50" charset="-128"/>
+              </a:rPr>
               <a:t>トを確認するのが良いでしょう</a:t>
             </a:r>
             <a:r>
-              <a:rPr dirty="0"/>
+              <a:rPr dirty="0">
+                <a:latin typeface="Meiryo UI" panose="020B0604030504040204" pitchFamily="50" charset="-128"/>
+                <a:ea typeface="Meiryo UI" panose="020B0604030504040204" pitchFamily="50" charset="-128"/>
+              </a:rPr>
               <a:t>。</a:t>
             </a:r>
           </a:p>
@@ -26637,11 +29250,7 @@
             </a:r>
             <a:r>
               <a:rPr lang="en-US" dirty="0" smtClean="0"/>
-              <a:t>                 </a:t>
-            </a:r>
-            <a:r>
-              <a:rPr lang="en-US" dirty="0" smtClean="0"/>
-              <a:t>    </a:t>
+              <a:t>                     </a:t>
             </a:r>
             <a:r>
               <a:rPr sz="1050" dirty="0" err="1" smtClean="0"/>
@@ -26709,11 +29318,7 @@
             </a:r>
             <a:r>
               <a:rPr lang="en-US" dirty="0" smtClean="0"/>
-              <a:t>                      </a:t>
-            </a:r>
-            <a:r>
-              <a:rPr lang="en-US" dirty="0" smtClean="0"/>
-              <a:t>      </a:t>
+              <a:t>                            </a:t>
             </a:r>
             <a:r>
               <a:rPr sz="1050" dirty="0" err="1" smtClean="0"/>
@@ -26766,11 +29371,7 @@
             </a:r>
             <a:r>
               <a:rPr lang="en-US" dirty="0" smtClean="0"/>
-              <a:t>                     </a:t>
-            </a:r>
-            <a:r>
-              <a:rPr lang="en-US" dirty="0" smtClean="0"/>
-              <a:t>     </a:t>
+              <a:t>                          </a:t>
             </a:r>
             <a:r>
               <a:rPr sz="1050" dirty="0" err="1" smtClean="0"/>
@@ -26793,11 +29394,7 @@
             </a:r>
             <a:r>
               <a:rPr lang="en-US" sz="1050" dirty="0" smtClean="0"/>
-              <a:t>                           </a:t>
-            </a:r>
-            <a:r>
-              <a:rPr lang="en-US" sz="1050" dirty="0" smtClean="0"/>
-              <a:t>               </a:t>
+              <a:t>                                          </a:t>
             </a:r>
             <a:r>
               <a:rPr sz="1050" dirty="0" err="1" smtClean="0"/>
@@ -26853,11 +29450,7 @@
             </a:r>
             <a:r>
               <a:rPr lang="en-US" dirty="0" smtClean="0"/>
-              <a:t>   </a:t>
-            </a:r>
-            <a:r>
-              <a:rPr lang="en-US" dirty="0" smtClean="0"/>
-              <a:t>   </a:t>
+              <a:t>      </a:t>
             </a:r>
             <a:r>
               <a:rPr sz="1050" dirty="0" err="1" smtClean="0"/>
@@ -26918,47 +29511,63 @@
             </a:pPr>
             <a:r>
               <a:rPr lang="en-US" altLang="ja-JP" sz="1804" dirty="0">
+                <a:latin typeface="Meiryo UI" panose="020B0604030504040204" pitchFamily="50" charset="-128"/>
+                <a:ea typeface="Meiryo UI" panose="020B0604030504040204" pitchFamily="50" charset="-128"/>
                 <a:sym typeface="ヒラギノ角ゴ ProN W3"/>
               </a:rPr>
               <a:t>React Native</a:t>
             </a:r>
             <a:r>
               <a:rPr lang="ja-JP" altLang="en-US" sz="1804" dirty="0">
+                <a:latin typeface="Meiryo UI" panose="020B0604030504040204" pitchFamily="50" charset="-128"/>
+                <a:ea typeface="Meiryo UI" panose="020B0604030504040204" pitchFamily="50" charset="-128"/>
                 <a:sym typeface="ヒラギノ角ゴ ProN W3"/>
               </a:rPr>
               <a:t>は</a:t>
             </a:r>
             <a:r>
               <a:rPr lang="ja-JP" altLang="en-US" sz="1804" dirty="0" smtClean="0">
+                <a:latin typeface="Meiryo UI" panose="020B0604030504040204" pitchFamily="50" charset="-128"/>
+                <a:ea typeface="Meiryo UI" panose="020B0604030504040204" pitchFamily="50" charset="-128"/>
                 <a:sym typeface="ヒラギノ角ゴ ProN W3"/>
               </a:rPr>
               <a:t>、ユーザーがスマホを触るジェスチャー</a:t>
             </a:r>
             <a:r>
               <a:rPr lang="ja-JP" altLang="en-US" sz="1804" dirty="0">
+                <a:latin typeface="Meiryo UI" panose="020B0604030504040204" pitchFamily="50" charset="-128"/>
+                <a:ea typeface="Meiryo UI" panose="020B0604030504040204" pitchFamily="50" charset="-128"/>
                 <a:sym typeface="ヒラギノ角ゴ ProN W3"/>
               </a:rPr>
               <a:t>を処理するためのコンポーネントと、より高度なジェスチャー認識を可能にするため</a:t>
             </a:r>
             <a:r>
               <a:rPr lang="ja-JP" altLang="en-US" sz="1804" dirty="0" smtClean="0">
+                <a:latin typeface="Meiryo UI" panose="020B0604030504040204" pitchFamily="50" charset="-128"/>
+                <a:ea typeface="Meiryo UI" panose="020B0604030504040204" pitchFamily="50" charset="-128"/>
                 <a:sym typeface="ヒラギノ角ゴ ProN W3"/>
               </a:rPr>
               <a:t>のジェスチャーレスポンダシステム</a:t>
             </a:r>
             <a:r>
               <a:rPr lang="ja-JP" altLang="en-US" sz="1804" dirty="0">
+                <a:latin typeface="Meiryo UI" panose="020B0604030504040204" pitchFamily="50" charset="-128"/>
+                <a:ea typeface="Meiryo UI" panose="020B0604030504040204" pitchFamily="50" charset="-128"/>
                 <a:sym typeface="ヒラギノ角ゴ ProN W3"/>
               </a:rPr>
               <a:t>を提供</a:t>
             </a:r>
             <a:r>
               <a:rPr lang="ja-JP" altLang="en-US" sz="1804" dirty="0" smtClean="0">
+                <a:latin typeface="Meiryo UI" panose="020B0604030504040204" pitchFamily="50" charset="-128"/>
+                <a:ea typeface="Meiryo UI" panose="020B0604030504040204" pitchFamily="50" charset="-128"/>
                 <a:sym typeface="ヒラギノ角ゴ ProN W3"/>
               </a:rPr>
               <a:t>します。</a:t>
             </a:r>
             <a:endParaRPr lang="en-US" altLang="ja-JP" sz="1804" dirty="0" smtClean="0">
+              <a:latin typeface="Meiryo UI" panose="020B0604030504040204" pitchFamily="50" charset="-128"/>
+              <a:ea typeface="Meiryo UI" panose="020B0604030504040204" pitchFamily="50" charset="-128"/>
               <a:sym typeface="ヒラギノ角ゴ ProN W3"/>
             </a:endParaRPr>
           </a:p>
@@ -26982,23 +29591,32 @@
             </a:pPr>
             <a:r>
               <a:rPr lang="ja-JP" altLang="en-US" sz="1804" dirty="0" smtClean="0">
+                <a:latin typeface="Meiryo UI" panose="020B0604030504040204" pitchFamily="50" charset="-128"/>
+                <a:ea typeface="Meiryo UI" panose="020B0604030504040204" pitchFamily="50" charset="-128"/>
                 <a:sym typeface="ヒラギノ角ゴ ProN W3"/>
               </a:rPr>
               <a:t>最も基本的なコンポーネント</a:t>
             </a:r>
             <a:r>
               <a:rPr lang="en-US" altLang="ja-JP" sz="1804" dirty="0" smtClean="0">
+                <a:latin typeface="Meiryo UI" panose="020B0604030504040204" pitchFamily="50" charset="-128"/>
+                <a:ea typeface="Meiryo UI" panose="020B0604030504040204" pitchFamily="50" charset="-128"/>
                 <a:sym typeface="ヒラギノ角ゴ ProN W3"/>
               </a:rPr>
               <a:t>Button</a:t>
             </a:r>
             <a:r>
               <a:rPr lang="ja-JP" altLang="en-US" sz="1804" dirty="0" smtClean="0">
+                <a:latin typeface="Meiryo UI" panose="020B0604030504040204" pitchFamily="50" charset="-128"/>
+                <a:ea typeface="Meiryo UI" panose="020B0604030504040204" pitchFamily="50" charset="-128"/>
                 <a:sym typeface="ヒラギノ角ゴ ProN W3"/>
               </a:rPr>
               <a:t>を説明します。</a:t>
             </a:r>
-            <a:endParaRPr dirty="0"/>
+            <a:endParaRPr dirty="0">
+              <a:latin typeface="Meiryo UI" panose="020B0604030504040204" pitchFamily="50" charset="-128"/>
+              <a:ea typeface="Meiryo UI" panose="020B0604030504040204" pitchFamily="50" charset="-128"/>
+            </a:endParaRPr>
           </a:p>
         </p:txBody>
       </p:sp>
@@ -27136,7 +29754,7 @@
           <p:spPr>
             <a:xfrm>
               <a:off x="6913913" y="2118020"/>
-              <a:ext cx="3407172" cy="926085"/>
+              <a:ext cx="2983619" cy="926085"/>
             </a:xfrm>
             <a:prstGeom prst="rect">
               <a:avLst/>
@@ -27160,28 +29778,46 @@
                 <a:defRPr sz="1600"/>
               </a:pPr>
               <a:r>
-                <a:rPr lang="ja-JP" altLang="en-US" sz="1200" dirty="0" smtClean="0"/>
+                <a:rPr lang="ja-JP" altLang="en-US" sz="1200" dirty="0" smtClean="0">
+                  <a:latin typeface="Meiryo UI" panose="020B0604030504040204" pitchFamily="50" charset="-128"/>
+                  <a:ea typeface="Meiryo UI" panose="020B0604030504040204" pitchFamily="50" charset="-128"/>
+                </a:rPr>
                 <a:t>①</a:t>
               </a:r>
               <a:r>
-                <a:rPr lang="en-US" altLang="ja-JP" sz="1200" dirty="0" smtClean="0"/>
+                <a:rPr lang="en-US" altLang="ja-JP" sz="1200" dirty="0" smtClean="0">
+                  <a:latin typeface="Meiryo UI" panose="020B0604030504040204" pitchFamily="50" charset="-128"/>
+                  <a:ea typeface="Meiryo UI" panose="020B0604030504040204" pitchFamily="50" charset="-128"/>
+                </a:rPr>
                 <a:t>Button</a:t>
               </a:r>
               <a:r>
-                <a:rPr lang="ja-JP" altLang="en-US" sz="1200" dirty="0" smtClean="0"/>
+                <a:rPr lang="ja-JP" altLang="en-US" sz="1200" dirty="0" smtClean="0">
+                  <a:latin typeface="Meiryo UI" panose="020B0604030504040204" pitchFamily="50" charset="-128"/>
+                  <a:ea typeface="Meiryo UI" panose="020B0604030504040204" pitchFamily="50" charset="-128"/>
+                </a:rPr>
                 <a:t>コンポーネントを</a:t>
               </a:r>
-              <a:endParaRPr lang="en-US" altLang="ja-JP" sz="1200" dirty="0" smtClean="0"/>
+              <a:endParaRPr lang="en-US" altLang="ja-JP" sz="1200" dirty="0" smtClean="0">
+                <a:latin typeface="Meiryo UI" panose="020B0604030504040204" pitchFamily="50" charset="-128"/>
+                <a:ea typeface="Meiryo UI" panose="020B0604030504040204" pitchFamily="50" charset="-128"/>
+              </a:endParaRPr>
             </a:p>
             <a:p>
               <a:pPr>
                 <a:defRPr sz="1600"/>
               </a:pPr>
               <a:r>
-                <a:rPr lang="ja-JP" altLang="en-US" sz="1200" dirty="0" smtClean="0"/>
+                <a:rPr lang="ja-JP" altLang="en-US" sz="1200" dirty="0" smtClean="0">
+                  <a:latin typeface="Meiryo UI" panose="020B0604030504040204" pitchFamily="50" charset="-128"/>
+                  <a:ea typeface="Meiryo UI" panose="020B0604030504040204" pitchFamily="50" charset="-128"/>
+                </a:rPr>
                 <a:t>インポート</a:t>
               </a:r>
-              <a:endParaRPr lang="en-US" altLang="ja-JP" sz="1200" dirty="0" smtClean="0"/>
+              <a:endParaRPr lang="en-US" altLang="ja-JP" sz="1200" dirty="0" smtClean="0">
+                <a:latin typeface="Meiryo UI" panose="020B0604030504040204" pitchFamily="50" charset="-128"/>
+                <a:ea typeface="Meiryo UI" panose="020B0604030504040204" pitchFamily="50" charset="-128"/>
+              </a:endParaRPr>
             </a:p>
           </p:txBody>
         </p:sp>
@@ -27291,7 +29927,7 @@
           <p:spPr>
             <a:xfrm>
               <a:off x="6854438" y="2272185"/>
-              <a:ext cx="3473713" cy="762878"/>
+              <a:ext cx="2905100" cy="762878"/>
             </a:xfrm>
             <a:prstGeom prst="rect">
               <a:avLst/>
@@ -27315,28 +29951,46 @@
                 <a:defRPr sz="1600"/>
               </a:pPr>
               <a:r>
-                <a:rPr lang="ja-JP" altLang="en-US" sz="1200" dirty="0" smtClean="0"/>
+                <a:rPr lang="ja-JP" altLang="en-US" sz="1200" dirty="0" smtClean="0">
+                  <a:latin typeface="Meiryo UI" panose="020B0604030504040204" pitchFamily="50" charset="-128"/>
+                  <a:ea typeface="Meiryo UI" panose="020B0604030504040204" pitchFamily="50" charset="-128"/>
+                </a:rPr>
                 <a:t>②呼び出されるハンドラの</a:t>
               </a:r>
-              <a:endParaRPr lang="en-US" altLang="ja-JP" sz="1200" dirty="0" smtClean="0"/>
+              <a:endParaRPr lang="en-US" altLang="ja-JP" sz="1200" dirty="0" smtClean="0">
+                <a:latin typeface="Meiryo UI" panose="020B0604030504040204" pitchFamily="50" charset="-128"/>
+                <a:ea typeface="Meiryo UI" panose="020B0604030504040204" pitchFamily="50" charset="-128"/>
+              </a:endParaRPr>
             </a:p>
             <a:p>
               <a:pPr>
                 <a:defRPr sz="1600"/>
               </a:pPr>
               <a:r>
-                <a:rPr lang="ja-JP" altLang="en-US" sz="1200" dirty="0" smtClean="0"/>
+                <a:rPr lang="ja-JP" altLang="en-US" sz="1200" dirty="0" smtClean="0">
+                  <a:latin typeface="Meiryo UI" panose="020B0604030504040204" pitchFamily="50" charset="-128"/>
+                  <a:ea typeface="Meiryo UI" panose="020B0604030504040204" pitchFamily="50" charset="-128"/>
+                </a:rPr>
                 <a:t>処理</a:t>
               </a:r>
               <a:r>
-                <a:rPr lang="ja-JP" altLang="en-US" sz="1200" dirty="0"/>
+                <a:rPr lang="ja-JP" altLang="en-US" sz="1200" dirty="0">
+                  <a:latin typeface="Meiryo UI" panose="020B0604030504040204" pitchFamily="50" charset="-128"/>
+                  <a:ea typeface="Meiryo UI" panose="020B0604030504040204" pitchFamily="50" charset="-128"/>
+                </a:rPr>
                 <a:t>を</a:t>
               </a:r>
               <a:r>
-                <a:rPr lang="ja-JP" altLang="en-US" sz="1200" dirty="0" smtClean="0"/>
+                <a:rPr lang="ja-JP" altLang="en-US" sz="1200" dirty="0" smtClean="0">
+                  <a:latin typeface="Meiryo UI" panose="020B0604030504040204" pitchFamily="50" charset="-128"/>
+                  <a:ea typeface="Meiryo UI" panose="020B0604030504040204" pitchFamily="50" charset="-128"/>
+                </a:rPr>
                 <a:t>記述。</a:t>
               </a:r>
-              <a:endParaRPr lang="en-US" altLang="ja-JP" sz="1200" dirty="0" smtClean="0"/>
+              <a:endParaRPr lang="en-US" altLang="ja-JP" sz="1200" dirty="0" smtClean="0">
+                <a:latin typeface="Meiryo UI" panose="020B0604030504040204" pitchFamily="50" charset="-128"/>
+                <a:ea typeface="Meiryo UI" panose="020B0604030504040204" pitchFamily="50" charset="-128"/>
+              </a:endParaRPr>
             </a:p>
           </p:txBody>
         </p:sp>
@@ -27446,7 +30100,7 @@
           <p:spPr>
             <a:xfrm>
               <a:off x="7103246" y="2268102"/>
-              <a:ext cx="3166359" cy="762878"/>
+              <a:ext cx="2772742" cy="762878"/>
             </a:xfrm>
             <a:prstGeom prst="rect">
               <a:avLst/>
@@ -27470,32 +30124,53 @@
                 <a:defRPr sz="1600"/>
               </a:pPr>
               <a:r>
-                <a:rPr lang="ja-JP" altLang="en-US" sz="1200" dirty="0" smtClean="0"/>
+                <a:rPr lang="ja-JP" altLang="en-US" sz="1200" dirty="0" smtClean="0">
+                  <a:latin typeface="Meiryo UI" panose="020B0604030504040204" pitchFamily="50" charset="-128"/>
+                  <a:ea typeface="Meiryo UI" panose="020B0604030504040204" pitchFamily="50" charset="-128"/>
+                </a:rPr>
                 <a:t>③</a:t>
               </a:r>
               <a:r>
-                <a:rPr lang="en-US" altLang="ja-JP" sz="1200" dirty="0" smtClean="0"/>
+                <a:rPr lang="en-US" altLang="ja-JP" sz="1200" dirty="0" smtClean="0">
+                  <a:latin typeface="Meiryo UI" panose="020B0604030504040204" pitchFamily="50" charset="-128"/>
+                  <a:ea typeface="Meiryo UI" panose="020B0604030504040204" pitchFamily="50" charset="-128"/>
+                </a:rPr>
                 <a:t>Button</a:t>
               </a:r>
               <a:r>
-                <a:rPr lang="ja-JP" altLang="en-US" sz="1200" dirty="0" smtClean="0"/>
+                <a:rPr lang="ja-JP" altLang="en-US" sz="1200" dirty="0" smtClean="0">
+                  <a:latin typeface="Meiryo UI" panose="020B0604030504040204" pitchFamily="50" charset="-128"/>
+                  <a:ea typeface="Meiryo UI" panose="020B0604030504040204" pitchFamily="50" charset="-128"/>
+                </a:rPr>
                 <a:t>コンポーネントを</a:t>
               </a:r>
-              <a:endParaRPr lang="en-US" altLang="ja-JP" sz="1200" dirty="0" smtClean="0"/>
+              <a:endParaRPr lang="en-US" altLang="ja-JP" sz="1200" dirty="0" smtClean="0">
+                <a:latin typeface="Meiryo UI" panose="020B0604030504040204" pitchFamily="50" charset="-128"/>
+                <a:ea typeface="Meiryo UI" panose="020B0604030504040204" pitchFamily="50" charset="-128"/>
+              </a:endParaRPr>
             </a:p>
             <a:p>
               <a:pPr>
                 <a:defRPr sz="1600"/>
               </a:pPr>
               <a:r>
-                <a:rPr lang="ja-JP" altLang="en-US" sz="1200" dirty="0"/>
+                <a:rPr lang="ja-JP" altLang="en-US" sz="1200" dirty="0">
+                  <a:latin typeface="Meiryo UI" panose="020B0604030504040204" pitchFamily="50" charset="-128"/>
+                  <a:ea typeface="Meiryo UI" panose="020B0604030504040204" pitchFamily="50" charset="-128"/>
+                </a:rPr>
                 <a:t>　</a:t>
               </a:r>
               <a:r>
-                <a:rPr lang="ja-JP" altLang="en-US" sz="1200" dirty="0" smtClean="0"/>
+                <a:rPr lang="ja-JP" altLang="en-US" sz="1200" dirty="0" smtClean="0">
+                  <a:latin typeface="Meiryo UI" panose="020B0604030504040204" pitchFamily="50" charset="-128"/>
+                  <a:ea typeface="Meiryo UI" panose="020B0604030504040204" pitchFamily="50" charset="-128"/>
+                </a:rPr>
                 <a:t>設置</a:t>
               </a:r>
-              <a:endParaRPr lang="en-US" altLang="ja-JP" sz="1200" dirty="0" smtClean="0"/>
+              <a:endParaRPr lang="en-US" altLang="ja-JP" sz="1200" dirty="0" smtClean="0">
+                <a:latin typeface="Meiryo UI" panose="020B0604030504040204" pitchFamily="50" charset="-128"/>
+                <a:ea typeface="Meiryo UI" panose="020B0604030504040204" pitchFamily="50" charset="-128"/>
+              </a:endParaRPr>
             </a:p>
           </p:txBody>
         </p:sp>
@@ -27503,7 +30178,7 @@
     </p:spTree>
     <p:extLst>
       <p:ext uri="{BB962C8B-B14F-4D97-AF65-F5344CB8AC3E}">
-        <p14:creationId xmlns:p14="http://schemas.microsoft.com/office/powerpoint/2010/main" val="1747772824"/>
+        <p14:creationId xmlns:p14="http://schemas.microsoft.com/office/powerpoint/2010/main" val="303142705"/>
       </p:ext>
     </p:extLst>
   </p:cSld>
@@ -27743,21 +30418,30 @@
           <a:lstStyle/>
           <a:p>
             <a:r>
-              <a:rPr lang="en-US" altLang="ja-JP" dirty="0" smtClean="0"/>
+              <a:rPr lang="en-US" altLang="ja-JP" dirty="0" smtClean="0">
+                <a:latin typeface="Meiryo UI" panose="020B0604030504040204" pitchFamily="50" charset="-128"/>
+                <a:ea typeface="Meiryo UI" panose="020B0604030504040204" pitchFamily="50" charset="-128"/>
+              </a:rPr>
               <a:t>Press</a:t>
             </a:r>
             <a:r>
-              <a:rPr lang="ja-JP" altLang="en-US" dirty="0" smtClean="0"/>
+              <a:rPr lang="ja-JP" altLang="en-US" dirty="0" smtClean="0">
+                <a:latin typeface="Meiryo UI" panose="020B0604030504040204" pitchFamily="50" charset="-128"/>
+                <a:ea typeface="Meiryo UI" panose="020B0604030504040204" pitchFamily="50" charset="-128"/>
+              </a:rPr>
               <a:t>を押下</a:t>
             </a:r>
-            <a:endParaRPr lang="ja-JP" altLang="en-US" dirty="0"/>
+            <a:endParaRPr lang="ja-JP" altLang="en-US" dirty="0">
+              <a:latin typeface="Meiryo UI" panose="020B0604030504040204" pitchFamily="50" charset="-128"/>
+              <a:ea typeface="Meiryo UI" panose="020B0604030504040204" pitchFamily="50" charset="-128"/>
+            </a:endParaRPr>
           </a:p>
         </p:txBody>
       </p:sp>
     </p:spTree>
     <p:extLst>
       <p:ext uri="{BB962C8B-B14F-4D97-AF65-F5344CB8AC3E}">
-        <p14:creationId xmlns:p14="http://schemas.microsoft.com/office/powerpoint/2010/main" val="974601346"/>
+        <p14:creationId xmlns:p14="http://schemas.microsoft.com/office/powerpoint/2010/main" val="526120809"/>
       </p:ext>
     </p:extLst>
   </p:cSld>
@@ -27896,29 +30580,39 @@
             </a:pPr>
             <a:r>
               <a:rPr lang="en-US" altLang="ja-JP" sz="1804" dirty="0" err="1" smtClean="0">
+                <a:latin typeface="Meiryo UI" panose="020B0604030504040204" pitchFamily="50" charset="-128"/>
+                <a:ea typeface="Meiryo UI" panose="020B0604030504040204" pitchFamily="50" charset="-128"/>
                 <a:sym typeface="ヒラギノ角ゴ ProN W3"/>
               </a:rPr>
               <a:t>TextInput</a:t>
             </a:r>
             <a:r>
               <a:rPr lang="ja-JP" altLang="en-US" sz="1804" dirty="0" smtClean="0">
+                <a:latin typeface="Meiryo UI" panose="020B0604030504040204" pitchFamily="50" charset="-128"/>
+                <a:ea typeface="Meiryo UI" panose="020B0604030504040204" pitchFamily="50" charset="-128"/>
                 <a:sym typeface="ヒラギノ角ゴ ProN W3"/>
               </a:rPr>
               <a:t>はユーザー</a:t>
             </a:r>
             <a:r>
               <a:rPr lang="ja-JP" altLang="en-US" sz="1804" dirty="0">
+                <a:latin typeface="Meiryo UI" panose="020B0604030504040204" pitchFamily="50" charset="-128"/>
+                <a:ea typeface="Meiryo UI" panose="020B0604030504040204" pitchFamily="50" charset="-128"/>
                 <a:sym typeface="ヒラギノ角ゴ ProN W3"/>
               </a:rPr>
               <a:t>がテキストを入力できるようにする基本的なコンポーネントです</a:t>
             </a:r>
             <a:r>
               <a:rPr lang="ja-JP" altLang="en-US" sz="1804" dirty="0" smtClean="0">
+                <a:latin typeface="Meiryo UI" panose="020B0604030504040204" pitchFamily="50" charset="-128"/>
+                <a:ea typeface="Meiryo UI" panose="020B0604030504040204" pitchFamily="50" charset="-128"/>
                 <a:sym typeface="ヒラギノ角ゴ ProN W3"/>
               </a:rPr>
               <a:t>。</a:t>
             </a:r>
             <a:endParaRPr lang="en-US" altLang="ja-JP" sz="1804" dirty="0" smtClean="0">
+              <a:latin typeface="Meiryo UI" panose="020B0604030504040204" pitchFamily="50" charset="-128"/>
+              <a:ea typeface="Meiryo UI" panose="020B0604030504040204" pitchFamily="50" charset="-128"/>
               <a:sym typeface="ヒラギノ角ゴ ProN W3"/>
             </a:endParaRPr>
           </a:p>
@@ -27942,53 +30636,71 @@
             </a:pPr>
             <a:r>
               <a:rPr lang="ja-JP" altLang="en-US" sz="1804" dirty="0">
+                <a:latin typeface="Meiryo UI" panose="020B0604030504040204" pitchFamily="50" charset="-128"/>
+                <a:ea typeface="Meiryo UI" panose="020B0604030504040204" pitchFamily="50" charset="-128"/>
                 <a:sym typeface="ヒラギノ角ゴ ProN W3"/>
               </a:rPr>
               <a:t>テキストが変更する</a:t>
             </a:r>
             <a:r>
               <a:rPr lang="ja-JP" altLang="en-US" sz="1804" dirty="0" smtClean="0">
+                <a:latin typeface="Meiryo UI" panose="020B0604030504040204" pitchFamily="50" charset="-128"/>
+                <a:ea typeface="Meiryo UI" panose="020B0604030504040204" pitchFamily="50" charset="-128"/>
                 <a:sym typeface="ヒラギノ角ゴ ProN W3"/>
               </a:rPr>
               <a:t>たび呼びだす</a:t>
             </a:r>
             <a:r>
               <a:rPr lang="en-US" altLang="ja-JP" sz="1804" dirty="0" err="1" smtClean="0">
+                <a:latin typeface="Meiryo UI" panose="020B0604030504040204" pitchFamily="50" charset="-128"/>
+                <a:ea typeface="Meiryo UI" panose="020B0604030504040204" pitchFamily="50" charset="-128"/>
                 <a:sym typeface="ヒラギノ角ゴ ProN W3"/>
               </a:rPr>
               <a:t>onChangeText</a:t>
             </a:r>
             <a:r>
               <a:rPr lang="ja-JP" altLang="en-US" sz="1804" dirty="0" smtClean="0">
+                <a:latin typeface="Meiryo UI" panose="020B0604030504040204" pitchFamily="50" charset="-128"/>
+                <a:ea typeface="Meiryo UI" panose="020B0604030504040204" pitchFamily="50" charset="-128"/>
                 <a:sym typeface="ヒラギノ角ゴ ProN W3"/>
               </a:rPr>
               <a:t>や</a:t>
             </a:r>
             <a:r>
               <a:rPr lang="ja-JP" altLang="en-US" sz="1804" dirty="0">
+                <a:latin typeface="Meiryo UI" panose="020B0604030504040204" pitchFamily="50" charset="-128"/>
+                <a:ea typeface="Meiryo UI" panose="020B0604030504040204" pitchFamily="50" charset="-128"/>
                 <a:sym typeface="ヒラギノ角ゴ ProN W3"/>
               </a:rPr>
               <a:t>テキストが提出されたときに</a:t>
             </a:r>
             <a:r>
               <a:rPr lang="ja-JP" altLang="en-US" sz="1804" dirty="0" smtClean="0">
+                <a:latin typeface="Meiryo UI" panose="020B0604030504040204" pitchFamily="50" charset="-128"/>
+                <a:ea typeface="Meiryo UI" panose="020B0604030504040204" pitchFamily="50" charset="-128"/>
                 <a:sym typeface="ヒラギノ角ゴ ProN W3"/>
               </a:rPr>
               <a:t>呼び出される</a:t>
             </a:r>
             <a:r>
               <a:rPr lang="en-US" altLang="ja-JP" sz="1804" dirty="0" err="1" smtClean="0">
+                <a:latin typeface="Meiryo UI" panose="020B0604030504040204" pitchFamily="50" charset="-128"/>
+                <a:ea typeface="Meiryo UI" panose="020B0604030504040204" pitchFamily="50" charset="-128"/>
                 <a:sym typeface="ヒラギノ角ゴ ProN W3"/>
               </a:rPr>
               <a:t>onSubmmitEdition</a:t>
             </a:r>
             <a:r>
               <a:rPr lang="ja-JP" altLang="en-US" sz="1804" dirty="0" smtClean="0">
+                <a:latin typeface="Meiryo UI" panose="020B0604030504040204" pitchFamily="50" charset="-128"/>
+                <a:ea typeface="Meiryo UI" panose="020B0604030504040204" pitchFamily="50" charset="-128"/>
                 <a:sym typeface="ヒラギノ角ゴ ProN W3"/>
               </a:rPr>
               <a:t>関数</a:t>
             </a:r>
             <a:endParaRPr lang="en-US" altLang="ja-JP" sz="1804" dirty="0" smtClean="0">
+              <a:latin typeface="Meiryo UI" panose="020B0604030504040204" pitchFamily="50" charset="-128"/>
+              <a:ea typeface="Meiryo UI" panose="020B0604030504040204" pitchFamily="50" charset="-128"/>
               <a:sym typeface="ヒラギノ角ゴ ProN W3"/>
             </a:endParaRPr>
           </a:p>
@@ -28012,11 +30724,16 @@
             </a:pPr>
             <a:r>
               <a:rPr lang="ja-JP" altLang="en-US" sz="1804" dirty="0" smtClean="0">
+                <a:latin typeface="Meiryo UI" panose="020B0604030504040204" pitchFamily="50" charset="-128"/>
+                <a:ea typeface="Meiryo UI" panose="020B0604030504040204" pitchFamily="50" charset="-128"/>
                 <a:sym typeface="ヒラギノ角ゴ ProN W3"/>
               </a:rPr>
               <a:t>があります。</a:t>
             </a:r>
-            <a:endParaRPr dirty="0"/>
+            <a:endParaRPr dirty="0">
+              <a:latin typeface="Meiryo UI" panose="020B0604030504040204" pitchFamily="50" charset="-128"/>
+              <a:ea typeface="Meiryo UI" panose="020B0604030504040204" pitchFamily="50" charset="-128"/>
+            </a:endParaRPr>
           </a:p>
         </p:txBody>
       </p:sp>
@@ -28042,22 +30759,37 @@
           <a:lstStyle/>
           <a:p>
             <a:r>
-              <a:rPr lang="ja-JP" altLang="en-US" sz="1400" dirty="0"/>
+              <a:rPr lang="ja-JP" altLang="en-US" sz="1400" dirty="0">
+                <a:latin typeface="Meiryo UI" panose="020B0604030504040204" pitchFamily="50" charset="-128"/>
+                <a:ea typeface="Meiryo UI" panose="020B0604030504040204" pitchFamily="50" charset="-128"/>
+              </a:rPr>
               <a:t>入力して</a:t>
             </a:r>
             <a:r>
-              <a:rPr lang="ja-JP" altLang="en-US" sz="1400" dirty="0" smtClean="0"/>
+              <a:rPr lang="ja-JP" altLang="en-US" sz="1400" dirty="0" smtClean="0">
+                <a:latin typeface="Meiryo UI" panose="020B0604030504040204" pitchFamily="50" charset="-128"/>
+                <a:ea typeface="Meiryo UI" panose="020B0604030504040204" pitchFamily="50" charset="-128"/>
+              </a:rPr>
               <a:t>いる</a:t>
             </a:r>
             <a:r>
-              <a:rPr lang="ja-JP" altLang="en-US" sz="1400" dirty="0"/>
+              <a:rPr lang="ja-JP" altLang="en-US" sz="1400" dirty="0">
+                <a:latin typeface="Meiryo UI" panose="020B0604030504040204" pitchFamily="50" charset="-128"/>
+                <a:ea typeface="Meiryo UI" panose="020B0604030504040204" pitchFamily="50" charset="-128"/>
+              </a:rPr>
               <a:t>時</a:t>
             </a:r>
             <a:r>
-              <a:rPr lang="ja-JP" altLang="en-US" sz="1400" dirty="0" smtClean="0"/>
+              <a:rPr lang="ja-JP" altLang="en-US" sz="1400" dirty="0" smtClean="0">
+                <a:latin typeface="Meiryo UI" panose="020B0604030504040204" pitchFamily="50" charset="-128"/>
+                <a:ea typeface="Meiryo UI" panose="020B0604030504040204" pitchFamily="50" charset="-128"/>
+              </a:rPr>
               <a:t>に言葉を別の言語に翻訳するなどに利用できます。</a:t>
             </a:r>
-            <a:endParaRPr lang="en-US" altLang="ja-JP" sz="1400" dirty="0" smtClean="0"/>
+            <a:endParaRPr lang="en-US" altLang="ja-JP" sz="1400" dirty="0" smtClean="0">
+              <a:latin typeface="Meiryo UI" panose="020B0604030504040204" pitchFamily="50" charset="-128"/>
+              <a:ea typeface="Meiryo UI" panose="020B0604030504040204" pitchFamily="50" charset="-128"/>
+            </a:endParaRPr>
           </a:p>
         </p:txBody>
       </p:sp>
@@ -28478,7 +31210,7 @@
         </p:nvSpPr>
         <p:spPr>
           <a:xfrm>
-            <a:off x="2047578" y="2736245"/>
+            <a:off x="1758877" y="2705690"/>
             <a:ext cx="845747" cy="255729"/>
           </a:xfrm>
           <a:prstGeom prst="rect">
@@ -28665,32 +31397,53 @@
               <a:defRPr sz="1600"/>
             </a:pPr>
             <a:r>
-              <a:rPr lang="ja-JP" altLang="en-US" sz="1400" dirty="0" smtClean="0"/>
+              <a:rPr lang="ja-JP" altLang="en-US" sz="1400" dirty="0" smtClean="0">
+                <a:latin typeface="Meiryo UI" panose="020B0604030504040204" pitchFamily="50" charset="-128"/>
+                <a:ea typeface="Meiryo UI" panose="020B0604030504040204" pitchFamily="50" charset="-128"/>
+              </a:rPr>
               <a:t>①</a:t>
             </a:r>
             <a:r>
-              <a:rPr lang="en-US" altLang="ja-JP" sz="1400" dirty="0" err="1" smtClean="0"/>
+              <a:rPr lang="en-US" altLang="ja-JP" sz="1400" dirty="0" err="1" smtClean="0">
+                <a:latin typeface="Meiryo UI" panose="020B0604030504040204" pitchFamily="50" charset="-128"/>
+                <a:ea typeface="Meiryo UI" panose="020B0604030504040204" pitchFamily="50" charset="-128"/>
+              </a:rPr>
               <a:t>TextInput</a:t>
             </a:r>
             <a:r>
-              <a:rPr lang="ja-JP" altLang="en-US" sz="1400" dirty="0" smtClean="0"/>
+              <a:rPr lang="ja-JP" altLang="en-US" sz="1400" dirty="0" smtClean="0">
+                <a:latin typeface="Meiryo UI" panose="020B0604030504040204" pitchFamily="50" charset="-128"/>
+                <a:ea typeface="Meiryo UI" panose="020B0604030504040204" pitchFamily="50" charset="-128"/>
+              </a:rPr>
               <a:t>を</a:t>
             </a:r>
-            <a:endParaRPr lang="en-US" altLang="ja-JP" sz="1400" dirty="0" smtClean="0"/>
+            <a:endParaRPr lang="en-US" altLang="ja-JP" sz="1400" dirty="0" smtClean="0">
+              <a:latin typeface="Meiryo UI" panose="020B0604030504040204" pitchFamily="50" charset="-128"/>
+              <a:ea typeface="Meiryo UI" panose="020B0604030504040204" pitchFamily="50" charset="-128"/>
+            </a:endParaRPr>
           </a:p>
           <a:p>
             <a:pPr>
               <a:defRPr sz="1600"/>
             </a:pPr>
             <a:r>
-              <a:rPr lang="ja-JP" altLang="en-US" sz="1400" dirty="0"/>
+              <a:rPr lang="ja-JP" altLang="en-US" sz="1400" dirty="0">
+                <a:latin typeface="Meiryo UI" panose="020B0604030504040204" pitchFamily="50" charset="-128"/>
+                <a:ea typeface="Meiryo UI" panose="020B0604030504040204" pitchFamily="50" charset="-128"/>
+              </a:rPr>
               <a:t>　 </a:t>
             </a:r>
             <a:r>
-              <a:rPr lang="ja-JP" altLang="en-US" sz="1400" dirty="0" smtClean="0"/>
+              <a:rPr lang="ja-JP" altLang="en-US" sz="1400" dirty="0" smtClean="0">
+                <a:latin typeface="Meiryo UI" panose="020B0604030504040204" pitchFamily="50" charset="-128"/>
+                <a:ea typeface="Meiryo UI" panose="020B0604030504040204" pitchFamily="50" charset="-128"/>
+              </a:rPr>
               <a:t>インポート</a:t>
             </a:r>
-            <a:endParaRPr lang="en-US" altLang="ja-JP" sz="1400" dirty="0" smtClean="0"/>
+            <a:endParaRPr lang="en-US" altLang="ja-JP" sz="1400" dirty="0" smtClean="0">
+              <a:latin typeface="Meiryo UI" panose="020B0604030504040204" pitchFamily="50" charset="-128"/>
+              <a:ea typeface="Meiryo UI" panose="020B0604030504040204" pitchFamily="50" charset="-128"/>
+            </a:endParaRPr>
           </a:p>
         </p:txBody>
       </p:sp>
@@ -28850,7 +31603,7 @@
           <p:spPr>
             <a:xfrm>
               <a:off x="5750463" y="2820846"/>
-              <a:ext cx="2310887" cy="332550"/>
+              <a:ext cx="2371801" cy="332550"/>
             </a:xfrm>
             <a:prstGeom prst="rect">
               <a:avLst/>
@@ -28874,38 +31627,66 @@
                 <a:defRPr sz="1600"/>
               </a:pPr>
               <a:r>
-                <a:rPr lang="ja-JP" altLang="en-US" sz="1400" dirty="0"/>
+                <a:rPr lang="ja-JP" altLang="en-US" sz="1400" dirty="0">
+                  <a:latin typeface="Meiryo UI" panose="020B0604030504040204" pitchFamily="50" charset="-128"/>
+                  <a:ea typeface="Meiryo UI" panose="020B0604030504040204" pitchFamily="50" charset="-128"/>
+                </a:rPr>
                 <a:t>②</a:t>
               </a:r>
               <a:r>
-                <a:rPr lang="en-US" altLang="ja-JP" sz="1400" dirty="0" err="1" smtClean="0"/>
+                <a:rPr lang="en-US" altLang="ja-JP" sz="1400" dirty="0" err="1" smtClean="0">
+                  <a:latin typeface="Meiryo UI" panose="020B0604030504040204" pitchFamily="50" charset="-128"/>
+                  <a:ea typeface="Meiryo UI" panose="020B0604030504040204" pitchFamily="50" charset="-128"/>
+                </a:rPr>
                 <a:t>TextInput</a:t>
               </a:r>
               <a:r>
-                <a:rPr lang="ja-JP" altLang="en-US" sz="1400" dirty="0" smtClean="0"/>
+                <a:rPr lang="ja-JP" altLang="en-US" sz="1400" dirty="0" smtClean="0">
+                  <a:latin typeface="Meiryo UI" panose="020B0604030504040204" pitchFamily="50" charset="-128"/>
+                  <a:ea typeface="Meiryo UI" panose="020B0604030504040204" pitchFamily="50" charset="-128"/>
+                </a:rPr>
                 <a:t>を設置</a:t>
               </a:r>
-              <a:endParaRPr lang="en-US" altLang="ja-JP" sz="1400" dirty="0" smtClean="0"/>
+              <a:endParaRPr lang="en-US" altLang="ja-JP" sz="1400" dirty="0" smtClean="0">
+                <a:latin typeface="Meiryo UI" panose="020B0604030504040204" pitchFamily="50" charset="-128"/>
+                <a:ea typeface="Meiryo UI" panose="020B0604030504040204" pitchFamily="50" charset="-128"/>
+              </a:endParaRPr>
             </a:p>
             <a:p>
               <a:pPr>
                 <a:defRPr sz="1600"/>
               </a:pPr>
               <a:r>
-                <a:rPr lang="ja-JP" altLang="en-US" sz="1400" dirty="0"/>
+                <a:rPr lang="ja-JP" altLang="en-US" sz="1400" dirty="0">
+                  <a:latin typeface="Meiryo UI" panose="020B0604030504040204" pitchFamily="50" charset="-128"/>
+                  <a:ea typeface="Meiryo UI" panose="020B0604030504040204" pitchFamily="50" charset="-128"/>
+                </a:rPr>
                 <a:t>入力</a:t>
               </a:r>
               <a:r>
-                <a:rPr lang="ja-JP" altLang="en-US" sz="1400" dirty="0" smtClean="0"/>
+                <a:rPr lang="ja-JP" altLang="en-US" sz="1400" dirty="0" smtClean="0">
+                  <a:latin typeface="Meiryo UI" panose="020B0604030504040204" pitchFamily="50" charset="-128"/>
+                  <a:ea typeface="Meiryo UI" panose="020B0604030504040204" pitchFamily="50" charset="-128"/>
+                </a:rPr>
                 <a:t>した文字は</a:t>
               </a:r>
               <a:r>
-                <a:rPr lang="en-US" altLang="ja-JP" sz="1400" dirty="0" smtClean="0"/>
+                <a:rPr lang="en-US" altLang="ja-JP" sz="1400" dirty="0" smtClean="0">
+                  <a:latin typeface="Meiryo UI" panose="020B0604030504040204" pitchFamily="50" charset="-128"/>
+                  <a:ea typeface="Meiryo UI" panose="020B0604030504040204" pitchFamily="50" charset="-128"/>
+                </a:rPr>
                 <a:t>State</a:t>
               </a:r>
               <a:r>
+                <a:rPr lang="ja-JP" altLang="en-US" sz="1400" dirty="0" smtClean="0">
+                  <a:latin typeface="Meiryo UI" panose="020B0604030504040204" pitchFamily="50" charset="-128"/>
+                  <a:ea typeface="Meiryo UI" panose="020B0604030504040204" pitchFamily="50" charset="-128"/>
+                </a:rPr>
+                <a:t>に格納</a:t>
+              </a:r>
+              <a:r>
                 <a:rPr lang="ja-JP" altLang="en-US" sz="1400" dirty="0" smtClean="0"/>
-                <a:t>に格納。</a:t>
+                <a:t>。</a:t>
               </a:r>
               <a:endParaRPr lang="en-US" altLang="ja-JP" sz="1400" dirty="0" smtClean="0"/>
             </a:p>
@@ -29068,7 +31849,7 @@
           <p:spPr>
             <a:xfrm>
               <a:off x="5750463" y="2820846"/>
-              <a:ext cx="3030636" cy="523220"/>
+              <a:ext cx="2690507" cy="523220"/>
             </a:xfrm>
             <a:prstGeom prst="rect">
               <a:avLst/>
@@ -29092,44 +31873,74 @@
                 <a:defRPr sz="1600"/>
               </a:pPr>
               <a:r>
-                <a:rPr lang="ja-JP" altLang="en-US" sz="1400" dirty="0" smtClean="0"/>
+                <a:rPr lang="ja-JP" altLang="en-US" sz="1400" dirty="0" smtClean="0">
+                  <a:latin typeface="Meiryo UI" panose="020B0604030504040204" pitchFamily="50" charset="-128"/>
+                  <a:ea typeface="Meiryo UI" panose="020B0604030504040204" pitchFamily="50" charset="-128"/>
+                </a:rPr>
                 <a:t>③</a:t>
               </a:r>
               <a:r>
-                <a:rPr lang="en-US" altLang="ja-JP" sz="1400" dirty="0" smtClean="0"/>
+                <a:rPr lang="en-US" altLang="ja-JP" sz="1400" dirty="0" smtClean="0">
+                  <a:latin typeface="Meiryo UI" panose="020B0604030504040204" pitchFamily="50" charset="-128"/>
+                  <a:ea typeface="Meiryo UI" panose="020B0604030504040204" pitchFamily="50" charset="-128"/>
+                </a:rPr>
                 <a:t>State</a:t>
               </a:r>
               <a:r>
-                <a:rPr lang="ja-JP" altLang="en-US" sz="1400" dirty="0" smtClean="0"/>
+                <a:rPr lang="ja-JP" altLang="en-US" sz="1400" dirty="0" smtClean="0">
+                  <a:latin typeface="Meiryo UI" panose="020B0604030504040204" pitchFamily="50" charset="-128"/>
+                  <a:ea typeface="Meiryo UI" panose="020B0604030504040204" pitchFamily="50" charset="-128"/>
+                </a:rPr>
                 <a:t>の文字を</a:t>
               </a:r>
               <a:r>
-                <a:rPr lang="ja-JP" altLang="en-US" sz="1400" dirty="0"/>
+                <a:rPr lang="ja-JP" altLang="en-US" sz="1400" dirty="0">
+                  <a:latin typeface="Meiryo UI" panose="020B0604030504040204" pitchFamily="50" charset="-128"/>
+                  <a:ea typeface="Meiryo UI" panose="020B0604030504040204" pitchFamily="50" charset="-128"/>
+                </a:rPr>
                 <a:t>半角スペースで</a:t>
               </a:r>
               <a:r>
-                <a:rPr lang="ja-JP" altLang="en-US" sz="1400" dirty="0" smtClean="0"/>
+                <a:rPr lang="ja-JP" altLang="en-US" sz="1400" dirty="0" smtClean="0">
+                  <a:latin typeface="Meiryo UI" panose="020B0604030504040204" pitchFamily="50" charset="-128"/>
+                  <a:ea typeface="Meiryo UI" panose="020B0604030504040204" pitchFamily="50" charset="-128"/>
+                </a:rPr>
                 <a:t>区切り、</a:t>
               </a:r>
-              <a:endParaRPr lang="en-US" altLang="ja-JP" sz="1400" dirty="0" smtClean="0"/>
+              <a:endParaRPr lang="en-US" altLang="ja-JP" sz="1400" dirty="0" smtClean="0">
+                <a:latin typeface="Meiryo UI" panose="020B0604030504040204" pitchFamily="50" charset="-128"/>
+                <a:ea typeface="Meiryo UI" panose="020B0604030504040204" pitchFamily="50" charset="-128"/>
+              </a:endParaRPr>
             </a:p>
             <a:p>
               <a:pPr>
                 <a:defRPr sz="1600"/>
               </a:pPr>
               <a:r>
-                <a:rPr lang="ja-JP" altLang="en-US" sz="1400" dirty="0" smtClean="0"/>
+                <a:rPr lang="ja-JP" altLang="en-US" sz="1400" dirty="0" smtClean="0">
+                  <a:latin typeface="Meiryo UI" panose="020B0604030504040204" pitchFamily="50" charset="-128"/>
+                  <a:ea typeface="Meiryo UI" panose="020B0604030504040204" pitchFamily="50" charset="-128"/>
+                </a:rPr>
                 <a:t>その</a:t>
               </a:r>
               <a:r>
-                <a:rPr lang="ja-JP" altLang="en-US" sz="1400" dirty="0"/>
+                <a:rPr lang="ja-JP" altLang="en-US" sz="1400" dirty="0">
+                  <a:latin typeface="Meiryo UI" panose="020B0604030504040204" pitchFamily="50" charset="-128"/>
+                  <a:ea typeface="Meiryo UI" panose="020B0604030504040204" pitchFamily="50" charset="-128"/>
+                </a:rPr>
                 <a:t>数</a:t>
               </a:r>
               <a:r>
-                <a:rPr lang="ja-JP" altLang="en-US" sz="1400" dirty="0" smtClean="0"/>
+                <a:rPr lang="ja-JP" altLang="en-US" sz="1400" dirty="0" smtClean="0">
+                  <a:latin typeface="Meiryo UI" panose="020B0604030504040204" pitchFamily="50" charset="-128"/>
+                  <a:ea typeface="Meiryo UI" panose="020B0604030504040204" pitchFamily="50" charset="-128"/>
+                </a:rPr>
                 <a:t>だけ★に変換</a:t>
               </a:r>
-              <a:endParaRPr lang="en-US" altLang="ja-JP" sz="1400" dirty="0" smtClean="0"/>
+              <a:endParaRPr lang="en-US" altLang="ja-JP" sz="1400" dirty="0" smtClean="0">
+                <a:latin typeface="Meiryo UI" panose="020B0604030504040204" pitchFamily="50" charset="-128"/>
+                <a:ea typeface="Meiryo UI" panose="020B0604030504040204" pitchFamily="50" charset="-128"/>
+              </a:endParaRPr>
             </a:p>
           </p:txBody>
         </p:sp>
@@ -29195,7 +32006,7 @@
     </p:spTree>
     <p:extLst>
       <p:ext uri="{BB962C8B-B14F-4D97-AF65-F5344CB8AC3E}">
-        <p14:creationId xmlns:p14="http://schemas.microsoft.com/office/powerpoint/2010/main" val="19094096"/>
+        <p14:creationId xmlns:p14="http://schemas.microsoft.com/office/powerpoint/2010/main" val="3336309956"/>
       </p:ext>
     </p:extLst>
   </p:cSld>
@@ -29382,7 +32193,7 @@
     </p:spTree>
     <p:extLst>
       <p:ext uri="{BB962C8B-B14F-4D97-AF65-F5344CB8AC3E}">
-        <p14:creationId xmlns:p14="http://schemas.microsoft.com/office/powerpoint/2010/main" val="84689466"/>
+        <p14:creationId xmlns:p14="http://schemas.microsoft.com/office/powerpoint/2010/main" val="2666470737"/>
       </p:ext>
     </p:extLst>
   </p:cSld>
